--- a/Blakcteaxx/Clox.pptx
+++ b/Blakcteaxx/Clox.pptx
@@ -144,6 +144,11 @@
       </a:defRPr>
     </a:lvl9pPr>
   </p:defaultTextStyle>
+  <p:extLst>
+    <p:ext uri="{EFAFB233-063F-42B5-8137-9DF3F51BA10A}">
+      <p15:sldGuideLst xmlns:p15="http://schemas.microsoft.com/office/powerpoint/2012/main"/>
+    </p:ext>
+  </p:extLst>
 </p:presentation>
 </file>
 
@@ -229,7 +234,7 @@
           <a:p>
             <a:fld id="{8A5F8D0A-BA5E-429A-BF8D-34373C9F9F9D}" type="datetimeFigureOut">
               <a:rPr lang="zh-CN" altLang="en-US" smtClean="0"/>
-              <a:t>2023-05-25</a:t>
+              <a:t>2023-05-29</a:t>
             </a:fld>
             <a:endParaRPr lang="zh-CN" altLang="en-US"/>
           </a:p>
@@ -2822,6 +2827,16 @@
             </a:pPr>
             <a:r>
               <a:rPr lang="zh-CN" altLang="en-US" dirty="0"/>
+              <a:t>为什么要这么做：举个比较相似的例子，为什么堆要用数组而不用完全二叉树的链表来存？</a:t>
+            </a:r>
+            <a:endParaRPr lang="en-US" altLang="zh-CN" dirty="0"/>
+          </a:p>
+          <a:p>
+            <a:pPr marL="0" indent="0">
+              <a:buNone/>
+            </a:pPr>
+            <a:r>
+              <a:rPr lang="zh-CN" altLang="en-US" dirty="0"/>
               <a:t>简单说一下怎么运转的，实际上就是转成后缀表达式，然后用一个栈来求值</a:t>
             </a:r>
             <a:endParaRPr lang="en-US" altLang="zh-CN" dirty="0"/>
@@ -3041,6 +3056,24 @@
               <a:rPr lang="zh-CN" altLang="en-US" dirty="0"/>
               <a:t>次</a:t>
             </a:r>
+            <a:r>
+              <a:rPr lang="en-US" altLang="zh-CN" dirty="0"/>
+              <a:t>.</a:t>
+            </a:r>
+          </a:p>
+          <a:p>
+            <a:r>
+              <a:rPr lang="zh-CN" altLang="en-US" dirty="0"/>
+              <a:t>我们结合常规两个栈的方式和</a:t>
+            </a:r>
+            <a:r>
+              <a:rPr lang="en-US" altLang="zh-CN" dirty="0"/>
+              <a:t>Pratt</a:t>
+            </a:r>
+            <a:r>
+              <a:rPr lang="zh-CN" altLang="en-US" dirty="0"/>
+              <a:t>的方式来看</a:t>
+            </a:r>
             <a:endParaRPr lang="en-US" altLang="zh-CN" dirty="0"/>
           </a:p>
         </p:txBody>
@@ -3432,7 +3465,7 @@
           <a:p>
             <a:fld id="{80C90489-0F2E-471C-A6A9-D09FFAE2E9E8}" type="datetimeFigureOut">
               <a:rPr lang="zh-CN" altLang="en-US" smtClean="0"/>
-              <a:t>2023-05-25</a:t>
+              <a:t>2023-05-29</a:t>
             </a:fld>
             <a:endParaRPr lang="zh-CN" altLang="en-US"/>
           </a:p>
@@ -3630,7 +3663,7 @@
           <a:p>
             <a:fld id="{80C90489-0F2E-471C-A6A9-D09FFAE2E9E8}" type="datetimeFigureOut">
               <a:rPr lang="zh-CN" altLang="en-US" smtClean="0"/>
-              <a:t>2023-05-25</a:t>
+              <a:t>2023-05-29</a:t>
             </a:fld>
             <a:endParaRPr lang="zh-CN" altLang="en-US"/>
           </a:p>
@@ -3838,7 +3871,7 @@
           <a:p>
             <a:fld id="{80C90489-0F2E-471C-A6A9-D09FFAE2E9E8}" type="datetimeFigureOut">
               <a:rPr lang="zh-CN" altLang="en-US" smtClean="0"/>
-              <a:t>2023-05-25</a:t>
+              <a:t>2023-05-29</a:t>
             </a:fld>
             <a:endParaRPr lang="zh-CN" altLang="en-US"/>
           </a:p>
@@ -4036,7 +4069,7 @@
           <a:p>
             <a:fld id="{80C90489-0F2E-471C-A6A9-D09FFAE2E9E8}" type="datetimeFigureOut">
               <a:rPr lang="zh-CN" altLang="en-US" smtClean="0"/>
-              <a:t>2023-05-25</a:t>
+              <a:t>2023-05-29</a:t>
             </a:fld>
             <a:endParaRPr lang="zh-CN" altLang="en-US"/>
           </a:p>
@@ -4311,7 +4344,7 @@
           <a:p>
             <a:fld id="{80C90489-0F2E-471C-A6A9-D09FFAE2E9E8}" type="datetimeFigureOut">
               <a:rPr lang="zh-CN" altLang="en-US" smtClean="0"/>
-              <a:t>2023-05-25</a:t>
+              <a:t>2023-05-29</a:t>
             </a:fld>
             <a:endParaRPr lang="zh-CN" altLang="en-US"/>
           </a:p>
@@ -4576,7 +4609,7 @@
           <a:p>
             <a:fld id="{80C90489-0F2E-471C-A6A9-D09FFAE2E9E8}" type="datetimeFigureOut">
               <a:rPr lang="zh-CN" altLang="en-US" smtClean="0"/>
-              <a:t>2023-05-25</a:t>
+              <a:t>2023-05-29</a:t>
             </a:fld>
             <a:endParaRPr lang="zh-CN" altLang="en-US"/>
           </a:p>
@@ -4988,7 +5021,7 @@
           <a:p>
             <a:fld id="{80C90489-0F2E-471C-A6A9-D09FFAE2E9E8}" type="datetimeFigureOut">
               <a:rPr lang="zh-CN" altLang="en-US" smtClean="0"/>
-              <a:t>2023-05-25</a:t>
+              <a:t>2023-05-29</a:t>
             </a:fld>
             <a:endParaRPr lang="zh-CN" altLang="en-US"/>
           </a:p>
@@ -5129,7 +5162,7 @@
           <a:p>
             <a:fld id="{80C90489-0F2E-471C-A6A9-D09FFAE2E9E8}" type="datetimeFigureOut">
               <a:rPr lang="zh-CN" altLang="en-US" smtClean="0"/>
-              <a:t>2023-05-25</a:t>
+              <a:t>2023-05-29</a:t>
             </a:fld>
             <a:endParaRPr lang="zh-CN" altLang="en-US"/>
           </a:p>
@@ -5242,7 +5275,7 @@
           <a:p>
             <a:fld id="{80C90489-0F2E-471C-A6A9-D09FFAE2E9E8}" type="datetimeFigureOut">
               <a:rPr lang="zh-CN" altLang="en-US" smtClean="0"/>
-              <a:t>2023-05-25</a:t>
+              <a:t>2023-05-29</a:t>
             </a:fld>
             <a:endParaRPr lang="zh-CN" altLang="en-US"/>
           </a:p>
@@ -5553,7 +5586,7 @@
           <a:p>
             <a:fld id="{80C90489-0F2E-471C-A6A9-D09FFAE2E9E8}" type="datetimeFigureOut">
               <a:rPr lang="zh-CN" altLang="en-US" smtClean="0"/>
-              <a:t>2023-05-25</a:t>
+              <a:t>2023-05-29</a:t>
             </a:fld>
             <a:endParaRPr lang="zh-CN" altLang="en-US"/>
           </a:p>
@@ -5841,7 +5874,7 @@
           <a:p>
             <a:fld id="{80C90489-0F2E-471C-A6A9-D09FFAE2E9E8}" type="datetimeFigureOut">
               <a:rPr lang="zh-CN" altLang="en-US" smtClean="0"/>
-              <a:t>2023-05-25</a:t>
+              <a:t>2023-05-29</a:t>
             </a:fld>
             <a:endParaRPr lang="zh-CN" altLang="en-US"/>
           </a:p>
@@ -6082,7 +6115,7 @@
           <a:p>
             <a:fld id="{80C90489-0F2E-471C-A6A9-D09FFAE2E9E8}" type="datetimeFigureOut">
               <a:rPr lang="zh-CN" altLang="en-US" smtClean="0"/>
-              <a:t>2023-05-25</a:t>
+              <a:t>2023-05-29</a:t>
             </a:fld>
             <a:endParaRPr lang="zh-CN" altLang="en-US"/>
           </a:p>
@@ -9755,13 +9788,13 @@
   <p:clrMapOvr>
     <a:masterClrMapping/>
   </p:clrMapOvr>
-  <mc:AlternateContent xmlns:mc="http://schemas.openxmlformats.org/markup-compatibility/2006">
-    <mc:Choice xmlns:p159="http://schemas.microsoft.com/office/powerpoint/2015/09/main" Requires="p159">
+  <mc:AlternateContent xmlns:mc="http://schemas.openxmlformats.org/markup-compatibility/2006" xmlns:p159="http://schemas.microsoft.com/office/powerpoint/2015/09/main">
+    <mc:Choice Requires="p159">
       <p:transition xmlns:p14="http://schemas.microsoft.com/office/powerpoint/2010/main" spd="slow" p14:dur="2000">
         <p159:morph option="byObject"/>
       </p:transition>
     </mc:Choice>
-    <mc:Fallback>
+    <mc:Fallback xmlns="">
       <p:transition spd="slow">
         <p:fade/>
       </p:transition>
@@ -10620,13 +10653,13 @@
   <p:clrMapOvr>
     <a:masterClrMapping/>
   </p:clrMapOvr>
-  <mc:AlternateContent xmlns:mc="http://schemas.openxmlformats.org/markup-compatibility/2006">
-    <mc:Choice xmlns:p159="http://schemas.microsoft.com/office/powerpoint/2015/09/main" Requires="p159">
+  <mc:AlternateContent xmlns:mc="http://schemas.openxmlformats.org/markup-compatibility/2006" xmlns:p159="http://schemas.microsoft.com/office/powerpoint/2015/09/main">
+    <mc:Choice Requires="p159">
       <p:transition xmlns:p14="http://schemas.microsoft.com/office/powerpoint/2010/main" spd="slow" p14:dur="2000">
         <p159:morph option="byObject"/>
       </p:transition>
     </mc:Choice>
-    <mc:Fallback>
+    <mc:Fallback xmlns="">
       <p:transition spd="slow">
         <p:fade/>
       </p:transition>
@@ -11627,13 +11660,13 @@
   <p:clrMapOvr>
     <a:masterClrMapping/>
   </p:clrMapOvr>
-  <mc:AlternateContent xmlns:mc="http://schemas.openxmlformats.org/markup-compatibility/2006">
-    <mc:Choice xmlns:p159="http://schemas.microsoft.com/office/powerpoint/2015/09/main" Requires="p159">
+  <mc:AlternateContent xmlns:mc="http://schemas.openxmlformats.org/markup-compatibility/2006" xmlns:p159="http://schemas.microsoft.com/office/powerpoint/2015/09/main">
+    <mc:Choice Requires="p159">
       <p:transition xmlns:p14="http://schemas.microsoft.com/office/powerpoint/2010/main" spd="slow" p14:dur="2000">
         <p159:morph option="byObject"/>
       </p:transition>
     </mc:Choice>
-    <mc:Fallback>
+    <mc:Fallback xmlns="">
       <p:transition spd="slow">
         <p:fade/>
       </p:transition>
@@ -12492,13 +12525,13 @@
   <p:clrMapOvr>
     <a:masterClrMapping/>
   </p:clrMapOvr>
-  <mc:AlternateContent xmlns:mc="http://schemas.openxmlformats.org/markup-compatibility/2006">
-    <mc:Choice xmlns:p159="http://schemas.microsoft.com/office/powerpoint/2015/09/main" Requires="p159">
+  <mc:AlternateContent xmlns:mc="http://schemas.openxmlformats.org/markup-compatibility/2006" xmlns:p159="http://schemas.microsoft.com/office/powerpoint/2015/09/main">
+    <mc:Choice Requires="p159">
       <p:transition xmlns:p14="http://schemas.microsoft.com/office/powerpoint/2010/main" spd="slow" p14:dur="2000">
         <p159:morph option="byObject"/>
       </p:transition>
     </mc:Choice>
-    <mc:Fallback>
+    <mc:Fallback xmlns="">
       <p:transition spd="slow">
         <p:fade/>
       </p:transition>
@@ -13357,13 +13390,13 @@
   <p:clrMapOvr>
     <a:masterClrMapping/>
   </p:clrMapOvr>
-  <mc:AlternateContent xmlns:mc="http://schemas.openxmlformats.org/markup-compatibility/2006">
-    <mc:Choice xmlns:p159="http://schemas.microsoft.com/office/powerpoint/2015/09/main" Requires="p159">
+  <mc:AlternateContent xmlns:mc="http://schemas.openxmlformats.org/markup-compatibility/2006" xmlns:p159="http://schemas.microsoft.com/office/powerpoint/2015/09/main">
+    <mc:Choice Requires="p159">
       <p:transition xmlns:p14="http://schemas.microsoft.com/office/powerpoint/2010/main" spd="slow" p14:dur="2000">
         <p159:morph option="byObject"/>
       </p:transition>
     </mc:Choice>
-    <mc:Fallback>
+    <mc:Fallback xmlns="">
       <p:transition spd="slow">
         <p:fade/>
       </p:transition>
@@ -14222,13 +14255,13 @@
   <p:clrMapOvr>
     <a:masterClrMapping/>
   </p:clrMapOvr>
-  <mc:AlternateContent xmlns:mc="http://schemas.openxmlformats.org/markup-compatibility/2006">
-    <mc:Choice xmlns:p159="http://schemas.microsoft.com/office/powerpoint/2015/09/main" Requires="p159">
+  <mc:AlternateContent xmlns:mc="http://schemas.openxmlformats.org/markup-compatibility/2006" xmlns:p159="http://schemas.microsoft.com/office/powerpoint/2015/09/main">
+    <mc:Choice Requires="p159">
       <p:transition xmlns:p14="http://schemas.microsoft.com/office/powerpoint/2010/main" spd="slow" p14:dur="2000">
         <p159:morph option="byObject"/>
       </p:transition>
     </mc:Choice>
-    <mc:Fallback>
+    <mc:Fallback xmlns="">
       <p:transition spd="slow">
         <p:fade/>
       </p:transition>
@@ -15092,13 +15125,13 @@
   <p:clrMapOvr>
     <a:masterClrMapping/>
   </p:clrMapOvr>
-  <mc:AlternateContent xmlns:mc="http://schemas.openxmlformats.org/markup-compatibility/2006">
-    <mc:Choice xmlns:p159="http://schemas.microsoft.com/office/powerpoint/2015/09/main" Requires="p159">
+  <mc:AlternateContent xmlns:mc="http://schemas.openxmlformats.org/markup-compatibility/2006" xmlns:p159="http://schemas.microsoft.com/office/powerpoint/2015/09/main">
+    <mc:Choice Requires="p159">
       <p:transition xmlns:p14="http://schemas.microsoft.com/office/powerpoint/2010/main" spd="slow" p14:dur="2000">
         <p159:morph option="byObject"/>
       </p:transition>
     </mc:Choice>
-    <mc:Fallback>
+    <mc:Fallback xmlns="">
       <p:transition spd="slow">
         <p:fade/>
       </p:transition>
@@ -15957,13 +15990,13 @@
   <p:clrMapOvr>
     <a:masterClrMapping/>
   </p:clrMapOvr>
-  <mc:AlternateContent xmlns:mc="http://schemas.openxmlformats.org/markup-compatibility/2006">
-    <mc:Choice xmlns:p159="http://schemas.microsoft.com/office/powerpoint/2015/09/main" Requires="p159">
+  <mc:AlternateContent xmlns:mc="http://schemas.openxmlformats.org/markup-compatibility/2006" xmlns:p159="http://schemas.microsoft.com/office/powerpoint/2015/09/main">
+    <mc:Choice Requires="p159">
       <p:transition xmlns:p14="http://schemas.microsoft.com/office/powerpoint/2010/main" spd="slow" p14:dur="2000">
         <p159:morph option="byObject"/>
       </p:transition>
     </mc:Choice>
-    <mc:Fallback>
+    <mc:Fallback xmlns="">
       <p:transition spd="slow">
         <p:fade/>
       </p:transition>
@@ -16822,13 +16855,13 @@
   <p:clrMapOvr>
     <a:masterClrMapping/>
   </p:clrMapOvr>
-  <mc:AlternateContent xmlns:mc="http://schemas.openxmlformats.org/markup-compatibility/2006">
-    <mc:Choice xmlns:p159="http://schemas.microsoft.com/office/powerpoint/2015/09/main" Requires="p159">
+  <mc:AlternateContent xmlns:mc="http://schemas.openxmlformats.org/markup-compatibility/2006" xmlns:p159="http://schemas.microsoft.com/office/powerpoint/2015/09/main">
+    <mc:Choice Requires="p159">
       <p:transition xmlns:p14="http://schemas.microsoft.com/office/powerpoint/2010/main" spd="slow" p14:dur="2000">
         <p159:morph option="byObject"/>
       </p:transition>
     </mc:Choice>
-    <mc:Fallback>
+    <mc:Fallback xmlns="">
       <p:transition spd="slow">
         <p:fade/>
       </p:transition>
@@ -17687,13 +17720,13 @@
   <p:clrMapOvr>
     <a:masterClrMapping/>
   </p:clrMapOvr>
-  <mc:AlternateContent xmlns:mc="http://schemas.openxmlformats.org/markup-compatibility/2006">
-    <mc:Choice xmlns:p159="http://schemas.microsoft.com/office/powerpoint/2015/09/main" Requires="p159">
+  <mc:AlternateContent xmlns:mc="http://schemas.openxmlformats.org/markup-compatibility/2006" xmlns:p159="http://schemas.microsoft.com/office/powerpoint/2015/09/main">
+    <mc:Choice Requires="p159">
       <p:transition xmlns:p14="http://schemas.microsoft.com/office/powerpoint/2010/main" spd="slow" p14:dur="2000">
         <p159:morph option="byObject"/>
       </p:transition>
     </mc:Choice>
-    <mc:Fallback>
+    <mc:Fallback xmlns="">
       <p:transition spd="slow">
         <p:fade/>
       </p:transition>
@@ -18552,13 +18585,13 @@
   <p:clrMapOvr>
     <a:masterClrMapping/>
   </p:clrMapOvr>
-  <mc:AlternateContent xmlns:mc="http://schemas.openxmlformats.org/markup-compatibility/2006">
-    <mc:Choice xmlns:p159="http://schemas.microsoft.com/office/powerpoint/2015/09/main" Requires="p159">
+  <mc:AlternateContent xmlns:mc="http://schemas.openxmlformats.org/markup-compatibility/2006" xmlns:p159="http://schemas.microsoft.com/office/powerpoint/2015/09/main">
+    <mc:Choice Requires="p159">
       <p:transition xmlns:p14="http://schemas.microsoft.com/office/powerpoint/2010/main" spd="slow" p14:dur="2000">
         <p159:morph option="byObject"/>
       </p:transition>
     </mc:Choice>
-    <mc:Fallback>
+    <mc:Fallback xmlns="">
       <p:transition spd="slow">
         <p:fade/>
       </p:transition>
@@ -19447,13 +19480,13 @@
   <p:clrMapOvr>
     <a:masterClrMapping/>
   </p:clrMapOvr>
-  <mc:AlternateContent xmlns:mc="http://schemas.openxmlformats.org/markup-compatibility/2006">
-    <mc:Choice xmlns:p159="http://schemas.microsoft.com/office/powerpoint/2015/09/main" Requires="p159">
+  <mc:AlternateContent xmlns:mc="http://schemas.openxmlformats.org/markup-compatibility/2006" xmlns:p159="http://schemas.microsoft.com/office/powerpoint/2015/09/main">
+    <mc:Choice Requires="p159">
       <p:transition xmlns:p14="http://schemas.microsoft.com/office/powerpoint/2010/main" spd="slow" p14:dur="2000">
         <p159:morph option="byObject"/>
       </p:transition>
     </mc:Choice>
-    <mc:Fallback>
+    <mc:Fallback xmlns="">
       <p:transition spd="slow">
         <p:fade/>
       </p:transition>
@@ -20512,13 +20545,13 @@
   <p:clrMapOvr>
     <a:masterClrMapping/>
   </p:clrMapOvr>
-  <mc:AlternateContent xmlns:mc="http://schemas.openxmlformats.org/markup-compatibility/2006">
-    <mc:Choice xmlns:p159="http://schemas.microsoft.com/office/powerpoint/2015/09/main" Requires="p159">
+  <mc:AlternateContent xmlns:mc="http://schemas.openxmlformats.org/markup-compatibility/2006" xmlns:p159="http://schemas.microsoft.com/office/powerpoint/2015/09/main">
+    <mc:Choice Requires="p159">
       <p:transition xmlns:p14="http://schemas.microsoft.com/office/powerpoint/2010/main" spd="slow" p14:dur="2000">
         <p159:morph option="byObject"/>
       </p:transition>
     </mc:Choice>
-    <mc:Fallback>
+    <mc:Fallback xmlns="">
       <p:transition spd="slow">
         <p:fade/>
       </p:transition>
@@ -21254,13 +21287,13 @@
   <p:clrMapOvr>
     <a:masterClrMapping/>
   </p:clrMapOvr>
-  <mc:AlternateContent xmlns:mc="http://schemas.openxmlformats.org/markup-compatibility/2006">
-    <mc:Choice xmlns:p159="http://schemas.microsoft.com/office/powerpoint/2015/09/main" Requires="p159">
+  <mc:AlternateContent xmlns:mc="http://schemas.openxmlformats.org/markup-compatibility/2006" xmlns:p159="http://schemas.microsoft.com/office/powerpoint/2015/09/main">
+    <mc:Choice Requires="p159">
       <p:transition xmlns:p14="http://schemas.microsoft.com/office/powerpoint/2010/main" spd="slow" p14:dur="2000">
         <p159:morph option="byObject"/>
       </p:transition>
     </mc:Choice>
-    <mc:Fallback>
+    <mc:Fallback xmlns="">
       <p:transition spd="slow">
         <p:fade/>
       </p:transition>
@@ -22489,13 +22522,13 @@
   <p:clrMapOvr>
     <a:masterClrMapping/>
   </p:clrMapOvr>
-  <mc:AlternateContent xmlns:mc="http://schemas.openxmlformats.org/markup-compatibility/2006">
-    <mc:Choice xmlns:p159="http://schemas.microsoft.com/office/powerpoint/2015/09/main" Requires="p159">
+  <mc:AlternateContent xmlns:mc="http://schemas.openxmlformats.org/markup-compatibility/2006" xmlns:p159="http://schemas.microsoft.com/office/powerpoint/2015/09/main">
+    <mc:Choice Requires="p159">
       <p:transition xmlns:p14="http://schemas.microsoft.com/office/powerpoint/2010/main" spd="slow" p14:dur="2000">
         <p159:morph option="byObject"/>
       </p:transition>
     </mc:Choice>
-    <mc:Fallback>
+    <mc:Fallback xmlns="">
       <p:transition spd="slow">
         <p:fade/>
       </p:transition>
@@ -24237,13 +24270,13 @@
   <p:clrMapOvr>
     <a:masterClrMapping/>
   </p:clrMapOvr>
-  <mc:AlternateContent xmlns:mc="http://schemas.openxmlformats.org/markup-compatibility/2006">
-    <mc:Choice xmlns:p159="http://schemas.microsoft.com/office/powerpoint/2015/09/main" Requires="p159">
+  <mc:AlternateContent xmlns:mc="http://schemas.openxmlformats.org/markup-compatibility/2006" xmlns:p159="http://schemas.microsoft.com/office/powerpoint/2015/09/main">
+    <mc:Choice Requires="p159">
       <p:transition xmlns:p14="http://schemas.microsoft.com/office/powerpoint/2010/main" spd="slow" p14:dur="2000">
         <p159:morph option="byObject"/>
       </p:transition>
     </mc:Choice>
-    <mc:Fallback>
+    <mc:Fallback xmlns="">
       <p:transition spd="slow">
         <p:fade/>
       </p:transition>

--- a/Blakcteaxx/Clox.pptx
+++ b/Blakcteaxx/Clox.pptx
@@ -15,37 +15,37 @@
     <p:sldId id="260" r:id="rId6"/>
     <p:sldId id="262" r:id="rId7"/>
     <p:sldId id="261" r:id="rId8"/>
-    <p:sldId id="263" r:id="rId9"/>
-    <p:sldId id="264" r:id="rId10"/>
-    <p:sldId id="265" r:id="rId11"/>
-    <p:sldId id="266" r:id="rId12"/>
-    <p:sldId id="267" r:id="rId13"/>
-    <p:sldId id="268" r:id="rId14"/>
-    <p:sldId id="269" r:id="rId15"/>
-    <p:sldId id="270" r:id="rId16"/>
-    <p:sldId id="271" r:id="rId17"/>
-    <p:sldId id="274" r:id="rId18"/>
-    <p:sldId id="273" r:id="rId19"/>
-    <p:sldId id="275" r:id="rId20"/>
-    <p:sldId id="276" r:id="rId21"/>
-    <p:sldId id="277" r:id="rId22"/>
-    <p:sldId id="278" r:id="rId23"/>
-    <p:sldId id="279" r:id="rId24"/>
-    <p:sldId id="280" r:id="rId25"/>
-    <p:sldId id="281" r:id="rId26"/>
-    <p:sldId id="282" r:id="rId27"/>
-    <p:sldId id="283" r:id="rId28"/>
-    <p:sldId id="284" r:id="rId29"/>
-    <p:sldId id="285" r:id="rId30"/>
-    <p:sldId id="286" r:id="rId31"/>
-    <p:sldId id="287" r:id="rId32"/>
-    <p:sldId id="288" r:id="rId33"/>
-    <p:sldId id="289" r:id="rId34"/>
-    <p:sldId id="290" r:id="rId35"/>
-    <p:sldId id="291" r:id="rId36"/>
-    <p:sldId id="292" r:id="rId37"/>
-    <p:sldId id="293" r:id="rId38"/>
-    <p:sldId id="294" r:id="rId39"/>
+    <p:sldId id="295" r:id="rId9"/>
+    <p:sldId id="263" r:id="rId10"/>
+    <p:sldId id="268" r:id="rId11"/>
+    <p:sldId id="269" r:id="rId12"/>
+    <p:sldId id="270" r:id="rId13"/>
+    <p:sldId id="271" r:id="rId14"/>
+    <p:sldId id="274" r:id="rId15"/>
+    <p:sldId id="273" r:id="rId16"/>
+    <p:sldId id="275" r:id="rId17"/>
+    <p:sldId id="276" r:id="rId18"/>
+    <p:sldId id="277" r:id="rId19"/>
+    <p:sldId id="278" r:id="rId20"/>
+    <p:sldId id="279" r:id="rId21"/>
+    <p:sldId id="280" r:id="rId22"/>
+    <p:sldId id="281" r:id="rId23"/>
+    <p:sldId id="282" r:id="rId24"/>
+    <p:sldId id="283" r:id="rId25"/>
+    <p:sldId id="284" r:id="rId26"/>
+    <p:sldId id="285" r:id="rId27"/>
+    <p:sldId id="286" r:id="rId28"/>
+    <p:sldId id="287" r:id="rId29"/>
+    <p:sldId id="288" r:id="rId30"/>
+    <p:sldId id="289" r:id="rId31"/>
+    <p:sldId id="290" r:id="rId32"/>
+    <p:sldId id="264" r:id="rId33"/>
+    <p:sldId id="265" r:id="rId34"/>
+    <p:sldId id="291" r:id="rId35"/>
+    <p:sldId id="292" r:id="rId36"/>
+    <p:sldId id="293" r:id="rId37"/>
+    <p:sldId id="294" r:id="rId38"/>
+    <p:sldId id="296" r:id="rId39"/>
   </p:sldIdLst>
   <p:sldSz cx="12192000" cy="6858000"/>
   <p:notesSz cx="6858000" cy="9144000"/>
@@ -234,7 +234,7 @@
           <a:p>
             <a:fld id="{8A5F8D0A-BA5E-429A-BF8D-34373C9F9F9D}" type="datetimeFigureOut">
               <a:rPr lang="zh-CN" altLang="en-US" smtClean="0"/>
-              <a:t>2023-05-29</a:t>
+              <a:t>2023-06-05</a:t>
             </a:fld>
             <a:endParaRPr lang="zh-CN" altLang="en-US"/>
           </a:p>
@@ -547,7 +547,7 @@
           <a:p>
             <a:r>
               <a:rPr lang="zh-CN" altLang="en-US" dirty="0"/>
-              <a:t>我们首先简单讲一下里面用了一些什么数据结构，以及它的操作。重点会放在功能的实现上。</a:t>
+              <a:t>汇报内容大概如下。我们首先简单讲一下里面用了一些什么数据结构，以及它的操作。重点会放在功能的实现上。</a:t>
             </a:r>
           </a:p>
         </p:txBody>
@@ -632,25 +632,63 @@
           <a:bodyPr/>
           <a:lstStyle/>
           <a:p>
-            <a:r>
-              <a:rPr lang="zh-CN" altLang="en-US" dirty="0"/>
-              <a:t>开始从最低优先级起步</a:t>
+            <a:pPr marL="0" indent="0">
+              <a:buNone/>
+            </a:pPr>
+            <a:r>
+              <a:rPr lang="zh-CN" altLang="en-US" dirty="0"/>
+              <a:t>解释器最重要的部分就是中间代码生成，编译原理课程通过解析成</a:t>
+            </a:r>
+            <a:r>
+              <a:rPr lang="en-US" altLang="zh-CN" dirty="0"/>
+              <a:t>AST</a:t>
+            </a:r>
+            <a:r>
+              <a:rPr lang="zh-CN" altLang="en-US" dirty="0"/>
+              <a:t>，后序遍历生成结果。这很慢。</a:t>
             </a:r>
             <a:endParaRPr lang="en-US" altLang="zh-CN" dirty="0"/>
           </a:p>
           <a:p>
-            <a:r>
-              <a:rPr lang="zh-CN" altLang="en-US" dirty="0"/>
-              <a:t>注：</a:t>
+            <a:pPr marL="0" indent="0">
+              <a:buNone/>
+            </a:pPr>
+            <a:r>
+              <a:rPr lang="zh-CN" altLang="en-US" dirty="0"/>
+              <a:t>为什么会慢：</a:t>
             </a:r>
             <a:r>
               <a:rPr lang="en-US" altLang="zh-CN" dirty="0"/>
-              <a:t>Pratt</a:t>
-            </a:r>
-            <a:r>
-              <a:rPr lang="zh-CN" altLang="en-US" dirty="0"/>
-              <a:t>将数字，取负，取否设定为前缀</a:t>
-            </a:r>
+              <a:t>CPU</a:t>
+            </a:r>
+            <a:r>
+              <a:rPr lang="zh-CN" altLang="en-US" dirty="0"/>
+              <a:t>有缓存，会将内存临近的区域一起读进去。</a:t>
+            </a:r>
+            <a:endParaRPr lang="en-US" altLang="zh-CN" dirty="0"/>
+          </a:p>
+          <a:p>
+            <a:pPr marL="0" indent="0">
+              <a:buNone/>
+            </a:pPr>
+            <a:r>
+              <a:rPr lang="zh-CN" altLang="en-US" dirty="0"/>
+              <a:t>为什么要这么做：举个比较相似的例子，为什么堆要用数组而不用完全二叉树的链表来存？</a:t>
+            </a:r>
+            <a:endParaRPr lang="en-US" altLang="zh-CN" dirty="0"/>
+          </a:p>
+          <a:p>
+            <a:pPr marL="0" indent="0">
+              <a:buNone/>
+            </a:pPr>
+            <a:r>
+              <a:rPr lang="zh-CN" altLang="en-US" dirty="0"/>
+              <a:t>简单说一下怎么运转的，实际上就是转成后缀表达式，然后用一个栈来求值</a:t>
+            </a:r>
+            <a:endParaRPr lang="en-US" altLang="zh-CN" dirty="0"/>
+          </a:p>
+          <a:p>
+            <a:endParaRPr lang="zh-CN" altLang="en-US" dirty="0"/>
           </a:p>
         </p:txBody>
       </p:sp>
@@ -671,7 +709,7 @@
           <a:p>
             <a:fld id="{A8F9E7B9-BE53-4F4B-9973-FE3C627EB8F7}" type="slidenum">
               <a:rPr lang="zh-CN" altLang="en-US" smtClean="0"/>
-              <a:t>19</a:t>
+              <a:t>11</a:t>
             </a:fld>
             <a:endParaRPr lang="zh-CN" altLang="en-US"/>
           </a:p>
@@ -680,7 +718,7 @@
     </p:spTree>
     <p:extLst>
       <p:ext uri="{BB962C8B-B14F-4D97-AF65-F5344CB8AC3E}">
-        <p14:creationId xmlns:p14="http://schemas.microsoft.com/office/powerpoint/2010/main" val="214003954"/>
+        <p14:creationId xmlns:p14="http://schemas.microsoft.com/office/powerpoint/2010/main" val="2724553594"/>
       </p:ext>
     </p:extLst>
   </p:cSld>
@@ -736,22 +774,46 @@
           <a:p>
             <a:r>
               <a:rPr lang="zh-CN" altLang="en-US" dirty="0"/>
-              <a:t>开始从最低优先级起步</a:t>
+              <a:t>为什么要这样而不是合在一起？，因为模块化，同时便于每一个模块能够分开来给不同的语言使用，例如</a:t>
+            </a:r>
+            <a:r>
+              <a:rPr lang="en-US" altLang="zh-CN" dirty="0" err="1"/>
+              <a:t>jvm</a:t>
+            </a:r>
+            <a:r>
+              <a:rPr lang="zh-CN" altLang="en-US" dirty="0"/>
+              <a:t>。</a:t>
             </a:r>
             <a:endParaRPr lang="en-US" altLang="zh-CN" dirty="0"/>
           </a:p>
           <a:p>
             <a:r>
               <a:rPr lang="zh-CN" altLang="en-US" dirty="0"/>
-              <a:t>注：</a:t>
+              <a:t>由于时间有限，我不会具体讲</a:t>
             </a:r>
             <a:r>
               <a:rPr lang="en-US" altLang="zh-CN" dirty="0"/>
-              <a:t>Pratt</a:t>
-            </a:r>
-            <a:r>
-              <a:rPr lang="zh-CN" altLang="en-US" dirty="0"/>
-              <a:t>将数字，取负，取否设定为前缀</a:t>
+              <a:t>Scanner</a:t>
+            </a:r>
+            <a:r>
+              <a:rPr lang="zh-CN" altLang="en-US" dirty="0"/>
+              <a:t>和</a:t>
+            </a:r>
+            <a:r>
+              <a:rPr lang="en-US" altLang="zh-CN" dirty="0"/>
+              <a:t>VM</a:t>
+            </a:r>
+            <a:r>
+              <a:rPr lang="zh-CN" altLang="en-US" dirty="0"/>
+              <a:t>到底在干什么，主要是讲</a:t>
+            </a:r>
+            <a:r>
+              <a:rPr lang="en-US" altLang="zh-CN" dirty="0"/>
+              <a:t>compile</a:t>
+            </a:r>
+            <a:r>
+              <a:rPr lang="zh-CN" altLang="en-US" dirty="0"/>
+              <a:t>是如何转成可执行的中间代码的。</a:t>
             </a:r>
           </a:p>
         </p:txBody>
@@ -773,7 +835,7 @@
           <a:p>
             <a:fld id="{A8F9E7B9-BE53-4F4B-9973-FE3C627EB8F7}" type="slidenum">
               <a:rPr lang="zh-CN" altLang="en-US" smtClean="0"/>
-              <a:t>20</a:t>
+              <a:t>12</a:t>
             </a:fld>
             <a:endParaRPr lang="zh-CN" altLang="en-US"/>
           </a:p>
@@ -782,7 +844,7 @@
     </p:spTree>
     <p:extLst>
       <p:ext uri="{BB962C8B-B14F-4D97-AF65-F5344CB8AC3E}">
-        <p14:creationId xmlns:p14="http://schemas.microsoft.com/office/powerpoint/2010/main" val="3094244524"/>
+        <p14:creationId xmlns:p14="http://schemas.microsoft.com/office/powerpoint/2010/main" val="494785938"/>
       </p:ext>
     </p:extLst>
   </p:cSld>
@@ -838,14 +900,25 @@
           <a:p>
             <a:r>
               <a:rPr lang="zh-CN" altLang="en-US" dirty="0"/>
-              <a:t>开始从最低优先级起步</a:t>
-            </a:r>
-            <a:endParaRPr lang="en-US" altLang="zh-CN" dirty="0"/>
-          </a:p>
-          <a:p>
-            <a:r>
-              <a:rPr lang="zh-CN" altLang="en-US" dirty="0"/>
-              <a:t>注：</a:t>
+              <a:t>括号内内容可以</a:t>
+            </a:r>
+            <a:r>
+              <a:rPr lang="en-US" altLang="zh-CN" dirty="0"/>
+              <a:t>0-n</a:t>
+            </a:r>
+            <a:r>
+              <a:rPr lang="zh-CN" altLang="en-US" dirty="0"/>
+              <a:t>次</a:t>
+            </a:r>
+            <a:r>
+              <a:rPr lang="en-US" altLang="zh-CN" dirty="0"/>
+              <a:t>.</a:t>
+            </a:r>
+          </a:p>
+          <a:p>
+            <a:r>
+              <a:rPr lang="zh-CN" altLang="en-US" dirty="0"/>
+              <a:t>我们结合常规两个栈的方式和</a:t>
             </a:r>
             <a:r>
               <a:rPr lang="en-US" altLang="zh-CN" dirty="0"/>
@@ -853,8 +926,9 @@
             </a:r>
             <a:r>
               <a:rPr lang="zh-CN" altLang="en-US" dirty="0"/>
-              <a:t>将数字，取负，取否设定为前缀</a:t>
-            </a:r>
+              <a:t>的方式来看</a:t>
+            </a:r>
+            <a:endParaRPr lang="en-US" altLang="zh-CN" dirty="0"/>
           </a:p>
         </p:txBody>
       </p:sp>
@@ -875,7 +949,7 @@
           <a:p>
             <a:fld id="{A8F9E7B9-BE53-4F4B-9973-FE3C627EB8F7}" type="slidenum">
               <a:rPr lang="zh-CN" altLang="en-US" smtClean="0"/>
-              <a:t>21</a:t>
+              <a:t>13</a:t>
             </a:fld>
             <a:endParaRPr lang="zh-CN" altLang="en-US"/>
           </a:p>
@@ -884,7 +958,7 @@
     </p:spTree>
     <p:extLst>
       <p:ext uri="{BB962C8B-B14F-4D97-AF65-F5344CB8AC3E}">
-        <p14:creationId xmlns:p14="http://schemas.microsoft.com/office/powerpoint/2010/main" val="1881322502"/>
+        <p14:creationId xmlns:p14="http://schemas.microsoft.com/office/powerpoint/2010/main" val="3207282251"/>
       </p:ext>
     </p:extLst>
   </p:cSld>
@@ -977,7 +1051,7 @@
           <a:p>
             <a:fld id="{A8F9E7B9-BE53-4F4B-9973-FE3C627EB8F7}" type="slidenum">
               <a:rPr lang="zh-CN" altLang="en-US" smtClean="0"/>
-              <a:t>22</a:t>
+              <a:t>14</a:t>
             </a:fld>
             <a:endParaRPr lang="zh-CN" altLang="en-US"/>
           </a:p>
@@ -986,7 +1060,7 @@
     </p:spTree>
     <p:extLst>
       <p:ext uri="{BB962C8B-B14F-4D97-AF65-F5344CB8AC3E}">
-        <p14:creationId xmlns:p14="http://schemas.microsoft.com/office/powerpoint/2010/main" val="2832616020"/>
+        <p14:creationId xmlns:p14="http://schemas.microsoft.com/office/powerpoint/2010/main" val="1298742173"/>
       </p:ext>
     </p:extLst>
   </p:cSld>
@@ -1079,7 +1153,7 @@
           <a:p>
             <a:fld id="{A8F9E7B9-BE53-4F4B-9973-FE3C627EB8F7}" type="slidenum">
               <a:rPr lang="zh-CN" altLang="en-US" smtClean="0"/>
-              <a:t>23</a:t>
+              <a:t>15</a:t>
             </a:fld>
             <a:endParaRPr lang="zh-CN" altLang="en-US"/>
           </a:p>
@@ -1088,7 +1162,7 @@
     </p:spTree>
     <p:extLst>
       <p:ext uri="{BB962C8B-B14F-4D97-AF65-F5344CB8AC3E}">
-        <p14:creationId xmlns:p14="http://schemas.microsoft.com/office/powerpoint/2010/main" val="432963530"/>
+        <p14:creationId xmlns:p14="http://schemas.microsoft.com/office/powerpoint/2010/main" val="2877552737"/>
       </p:ext>
     </p:extLst>
   </p:cSld>
@@ -1181,7 +1255,7 @@
           <a:p>
             <a:fld id="{A8F9E7B9-BE53-4F4B-9973-FE3C627EB8F7}" type="slidenum">
               <a:rPr lang="zh-CN" altLang="en-US" smtClean="0"/>
-              <a:t>24</a:t>
+              <a:t>16</a:t>
             </a:fld>
             <a:endParaRPr lang="zh-CN" altLang="en-US"/>
           </a:p>
@@ -1190,7 +1264,7 @@
     </p:spTree>
     <p:extLst>
       <p:ext uri="{BB962C8B-B14F-4D97-AF65-F5344CB8AC3E}">
-        <p14:creationId xmlns:p14="http://schemas.microsoft.com/office/powerpoint/2010/main" val="2658034898"/>
+        <p14:creationId xmlns:p14="http://schemas.microsoft.com/office/powerpoint/2010/main" val="214003954"/>
       </p:ext>
     </p:extLst>
   </p:cSld>
@@ -1283,7 +1357,7 @@
           <a:p>
             <a:fld id="{A8F9E7B9-BE53-4F4B-9973-FE3C627EB8F7}" type="slidenum">
               <a:rPr lang="zh-CN" altLang="en-US" smtClean="0"/>
-              <a:t>25</a:t>
+              <a:t>17</a:t>
             </a:fld>
             <a:endParaRPr lang="zh-CN" altLang="en-US"/>
           </a:p>
@@ -1292,7 +1366,7 @@
     </p:spTree>
     <p:extLst>
       <p:ext uri="{BB962C8B-B14F-4D97-AF65-F5344CB8AC3E}">
-        <p14:creationId xmlns:p14="http://schemas.microsoft.com/office/powerpoint/2010/main" val="4274308563"/>
+        <p14:creationId xmlns:p14="http://schemas.microsoft.com/office/powerpoint/2010/main" val="3094244524"/>
       </p:ext>
     </p:extLst>
   </p:cSld>
@@ -1385,7 +1459,7 @@
           <a:p>
             <a:fld id="{A8F9E7B9-BE53-4F4B-9973-FE3C627EB8F7}" type="slidenum">
               <a:rPr lang="zh-CN" altLang="en-US" smtClean="0"/>
-              <a:t>26</a:t>
+              <a:t>18</a:t>
             </a:fld>
             <a:endParaRPr lang="zh-CN" altLang="en-US"/>
           </a:p>
@@ -1394,7 +1468,7 @@
     </p:spTree>
     <p:extLst>
       <p:ext uri="{BB962C8B-B14F-4D97-AF65-F5344CB8AC3E}">
-        <p14:creationId xmlns:p14="http://schemas.microsoft.com/office/powerpoint/2010/main" val="1138255625"/>
+        <p14:creationId xmlns:p14="http://schemas.microsoft.com/office/powerpoint/2010/main" val="1881322502"/>
       </p:ext>
     </p:extLst>
   </p:cSld>
@@ -1487,7 +1561,7 @@
           <a:p>
             <a:fld id="{A8F9E7B9-BE53-4F4B-9973-FE3C627EB8F7}" type="slidenum">
               <a:rPr lang="zh-CN" altLang="en-US" smtClean="0"/>
-              <a:t>27</a:t>
+              <a:t>19</a:t>
             </a:fld>
             <a:endParaRPr lang="zh-CN" altLang="en-US"/>
           </a:p>
@@ -1496,7 +1570,7 @@
     </p:spTree>
     <p:extLst>
       <p:ext uri="{BB962C8B-B14F-4D97-AF65-F5344CB8AC3E}">
-        <p14:creationId xmlns:p14="http://schemas.microsoft.com/office/powerpoint/2010/main" val="3758412473"/>
+        <p14:creationId xmlns:p14="http://schemas.microsoft.com/office/powerpoint/2010/main" val="2832616020"/>
       </p:ext>
     </p:extLst>
   </p:cSld>
@@ -1589,7 +1663,7 @@
           <a:p>
             <a:fld id="{A8F9E7B9-BE53-4F4B-9973-FE3C627EB8F7}" type="slidenum">
               <a:rPr lang="zh-CN" altLang="en-US" smtClean="0"/>
-              <a:t>28</a:t>
+              <a:t>20</a:t>
             </a:fld>
             <a:endParaRPr lang="zh-CN" altLang="en-US"/>
           </a:p>
@@ -1598,7 +1672,7 @@
     </p:spTree>
     <p:extLst>
       <p:ext uri="{BB962C8B-B14F-4D97-AF65-F5344CB8AC3E}">
-        <p14:creationId xmlns:p14="http://schemas.microsoft.com/office/powerpoint/2010/main" val="343226069"/>
+        <p14:creationId xmlns:p14="http://schemas.microsoft.com/office/powerpoint/2010/main" val="432963530"/>
       </p:ext>
     </p:extLst>
   </p:cSld>
@@ -1654,8 +1728,9 @@
           <a:p>
             <a:r>
               <a:rPr lang="zh-CN" altLang="en-US" dirty="0"/>
-              <a:t>具体为什么要用这些数据结构，会在后面实现的时候讲</a:t>
-            </a:r>
+              <a:t>从三个项目之中选择了编译原理，并且选择了较为简单的解释器来进行实现。如果要硬说的话，就是一个升级版的计算器。</a:t>
+            </a:r>
+            <a:endParaRPr lang="en-US" altLang="zh-CN" dirty="0"/>
           </a:p>
         </p:txBody>
       </p:sp>
@@ -1676,7 +1751,7 @@
           <a:p>
             <a:fld id="{A8F9E7B9-BE53-4F4B-9973-FE3C627EB8F7}" type="slidenum">
               <a:rPr lang="zh-CN" altLang="en-US" smtClean="0"/>
-              <a:t>5</a:t>
+              <a:t>3</a:t>
             </a:fld>
             <a:endParaRPr lang="zh-CN" altLang="en-US"/>
           </a:p>
@@ -1685,7 +1760,7 @@
     </p:spTree>
     <p:extLst>
       <p:ext uri="{BB962C8B-B14F-4D97-AF65-F5344CB8AC3E}">
-        <p14:creationId xmlns:p14="http://schemas.microsoft.com/office/powerpoint/2010/main" val="1985501079"/>
+        <p14:creationId xmlns:p14="http://schemas.microsoft.com/office/powerpoint/2010/main" val="4109231627"/>
       </p:ext>
     </p:extLst>
   </p:cSld>
@@ -1778,7 +1853,7 @@
           <a:p>
             <a:fld id="{A8F9E7B9-BE53-4F4B-9973-FE3C627EB8F7}" type="slidenum">
               <a:rPr lang="zh-CN" altLang="en-US" smtClean="0"/>
-              <a:t>29</a:t>
+              <a:t>21</a:t>
             </a:fld>
             <a:endParaRPr lang="zh-CN" altLang="en-US"/>
           </a:p>
@@ -1787,7 +1862,7 @@
     </p:spTree>
     <p:extLst>
       <p:ext uri="{BB962C8B-B14F-4D97-AF65-F5344CB8AC3E}">
-        <p14:creationId xmlns:p14="http://schemas.microsoft.com/office/powerpoint/2010/main" val="1214896235"/>
+        <p14:creationId xmlns:p14="http://schemas.microsoft.com/office/powerpoint/2010/main" val="2658034898"/>
       </p:ext>
     </p:extLst>
   </p:cSld>
@@ -1880,7 +1955,7 @@
           <a:p>
             <a:fld id="{A8F9E7B9-BE53-4F4B-9973-FE3C627EB8F7}" type="slidenum">
               <a:rPr lang="zh-CN" altLang="en-US" smtClean="0"/>
-              <a:t>30</a:t>
+              <a:t>22</a:t>
             </a:fld>
             <a:endParaRPr lang="zh-CN" altLang="en-US"/>
           </a:p>
@@ -1889,7 +1964,7 @@
     </p:spTree>
     <p:extLst>
       <p:ext uri="{BB962C8B-B14F-4D97-AF65-F5344CB8AC3E}">
-        <p14:creationId xmlns:p14="http://schemas.microsoft.com/office/powerpoint/2010/main" val="126859027"/>
+        <p14:creationId xmlns:p14="http://schemas.microsoft.com/office/powerpoint/2010/main" val="4274308563"/>
       </p:ext>
     </p:extLst>
   </p:cSld>
@@ -1982,7 +2057,7 @@
           <a:p>
             <a:fld id="{A8F9E7B9-BE53-4F4B-9973-FE3C627EB8F7}" type="slidenum">
               <a:rPr lang="zh-CN" altLang="en-US" smtClean="0"/>
-              <a:t>31</a:t>
+              <a:t>23</a:t>
             </a:fld>
             <a:endParaRPr lang="zh-CN" altLang="en-US"/>
           </a:p>
@@ -1991,7 +2066,7 @@
     </p:spTree>
     <p:extLst>
       <p:ext uri="{BB962C8B-B14F-4D97-AF65-F5344CB8AC3E}">
-        <p14:creationId xmlns:p14="http://schemas.microsoft.com/office/powerpoint/2010/main" val="1076663444"/>
+        <p14:creationId xmlns:p14="http://schemas.microsoft.com/office/powerpoint/2010/main" val="1138255625"/>
       </p:ext>
     </p:extLst>
   </p:cSld>
@@ -2084,7 +2159,7 @@
           <a:p>
             <a:fld id="{A8F9E7B9-BE53-4F4B-9973-FE3C627EB8F7}" type="slidenum">
               <a:rPr lang="zh-CN" altLang="en-US" smtClean="0"/>
-              <a:t>32</a:t>
+              <a:t>24</a:t>
             </a:fld>
             <a:endParaRPr lang="zh-CN" altLang="en-US"/>
           </a:p>
@@ -2093,7 +2168,7 @@
     </p:spTree>
     <p:extLst>
       <p:ext uri="{BB962C8B-B14F-4D97-AF65-F5344CB8AC3E}">
-        <p14:creationId xmlns:p14="http://schemas.microsoft.com/office/powerpoint/2010/main" val="3048151583"/>
+        <p14:creationId xmlns:p14="http://schemas.microsoft.com/office/powerpoint/2010/main" val="3758412473"/>
       </p:ext>
     </p:extLst>
   </p:cSld>
@@ -2186,7 +2261,7 @@
           <a:p>
             <a:fld id="{A8F9E7B9-BE53-4F4B-9973-FE3C627EB8F7}" type="slidenum">
               <a:rPr lang="zh-CN" altLang="en-US" smtClean="0"/>
-              <a:t>33</a:t>
+              <a:t>25</a:t>
             </a:fld>
             <a:endParaRPr lang="zh-CN" altLang="en-US"/>
           </a:p>
@@ -2195,7 +2270,7 @@
     </p:spTree>
     <p:extLst>
       <p:ext uri="{BB962C8B-B14F-4D97-AF65-F5344CB8AC3E}">
-        <p14:creationId xmlns:p14="http://schemas.microsoft.com/office/powerpoint/2010/main" val="4156689748"/>
+        <p14:creationId xmlns:p14="http://schemas.microsoft.com/office/powerpoint/2010/main" val="343226069"/>
       </p:ext>
     </p:extLst>
   </p:cSld>
@@ -2249,7 +2324,18 @@
           <a:bodyPr/>
           <a:lstStyle/>
           <a:p>
-            <a:endParaRPr lang="zh-CN" altLang="en-US" dirty="0"/>
+            <a:r>
+              <a:rPr lang="zh-CN" altLang="en-US" dirty="0"/>
+              <a:t>到这里实际上就已经填完了，我是在理解这一个算法做出了一些努力。</a:t>
+            </a:r>
+            <a:endParaRPr lang="en-US" altLang="zh-CN" dirty="0"/>
+          </a:p>
+          <a:p>
+            <a:r>
+              <a:rPr lang="zh-CN" altLang="en-US" dirty="0"/>
+              <a:t>相信大家都做过中缀表达式转后缀这一件事情，主要需要用到一个操作符栈，回过头看看这个函数调用栈，你会发现操作符栈和函数调用栈是一模一样的</a:t>
+            </a:r>
+            <a:endParaRPr lang="en-US" altLang="zh-CN" dirty="0"/>
           </a:p>
         </p:txBody>
       </p:sp>
@@ -2270,7 +2356,7 @@
           <a:p>
             <a:fld id="{A8F9E7B9-BE53-4F4B-9973-FE3C627EB8F7}" type="slidenum">
               <a:rPr lang="zh-CN" altLang="en-US" smtClean="0"/>
-              <a:t>34</a:t>
+              <a:t>26</a:t>
             </a:fld>
             <a:endParaRPr lang="zh-CN" altLang="en-US"/>
           </a:p>
@@ -2279,7 +2365,7 @@
     </p:spTree>
     <p:extLst>
       <p:ext uri="{BB962C8B-B14F-4D97-AF65-F5344CB8AC3E}">
-        <p14:creationId xmlns:p14="http://schemas.microsoft.com/office/powerpoint/2010/main" val="3712681618"/>
+        <p14:creationId xmlns:p14="http://schemas.microsoft.com/office/powerpoint/2010/main" val="1214896235"/>
       </p:ext>
     </p:extLst>
   </p:cSld>
@@ -2333,7 +2419,25 @@
           <a:bodyPr/>
           <a:lstStyle/>
           <a:p>
-            <a:endParaRPr lang="zh-CN" altLang="en-US" dirty="0"/>
+            <a:r>
+              <a:rPr lang="zh-CN" altLang="en-US" dirty="0"/>
+              <a:t>开始从最低优先级起步</a:t>
+            </a:r>
+            <a:endParaRPr lang="en-US" altLang="zh-CN" dirty="0"/>
+          </a:p>
+          <a:p>
+            <a:r>
+              <a:rPr lang="zh-CN" altLang="en-US" dirty="0"/>
+              <a:t>注：</a:t>
+            </a:r>
+            <a:r>
+              <a:rPr lang="en-US" altLang="zh-CN" dirty="0"/>
+              <a:t>Pratt</a:t>
+            </a:r>
+            <a:r>
+              <a:rPr lang="zh-CN" altLang="en-US" dirty="0"/>
+              <a:t>将数字，取负，取否设定为前缀</a:t>
+            </a:r>
           </a:p>
         </p:txBody>
       </p:sp>
@@ -2354,7 +2458,7 @@
           <a:p>
             <a:fld id="{A8F9E7B9-BE53-4F4B-9973-FE3C627EB8F7}" type="slidenum">
               <a:rPr lang="zh-CN" altLang="en-US" smtClean="0"/>
-              <a:t>35</a:t>
+              <a:t>27</a:t>
             </a:fld>
             <a:endParaRPr lang="zh-CN" altLang="en-US"/>
           </a:p>
@@ -2363,7 +2467,7 @@
     </p:spTree>
     <p:extLst>
       <p:ext uri="{BB962C8B-B14F-4D97-AF65-F5344CB8AC3E}">
-        <p14:creationId xmlns:p14="http://schemas.microsoft.com/office/powerpoint/2010/main" val="2849569206"/>
+        <p14:creationId xmlns:p14="http://schemas.microsoft.com/office/powerpoint/2010/main" val="126859027"/>
       </p:ext>
     </p:extLst>
   </p:cSld>
@@ -2417,20 +2521,9 @@
           <a:bodyPr/>
           <a:lstStyle/>
           <a:p>
-            <a:pPr marL="0" indent="0">
-              <a:buNone/>
-            </a:pPr>
-            <a:r>
-              <a:rPr lang="zh-CN" altLang="en-US" dirty="0"/>
-              <a:t>如果学习</a:t>
-            </a:r>
-            <a:r>
-              <a:rPr lang="en-US" altLang="zh-CN" dirty="0" err="1"/>
-              <a:t>goto</a:t>
-            </a:r>
-            <a:r>
-              <a:rPr lang="zh-CN" altLang="en-US" dirty="0"/>
-              <a:t>的时候，你想过仅用简单的赋值和判断来形成控制流语句，那么这里就难不到你。</a:t>
+            <a:r>
+              <a:rPr lang="zh-CN" altLang="en-US" dirty="0"/>
+              <a:t>没懂没关系，我自己用了一些人话来说明这一个算法。</a:t>
             </a:r>
           </a:p>
         </p:txBody>
@@ -2452,7 +2545,7 @@
           <a:p>
             <a:fld id="{A8F9E7B9-BE53-4F4B-9973-FE3C627EB8F7}" type="slidenum">
               <a:rPr lang="zh-CN" altLang="en-US" smtClean="0"/>
-              <a:t>36</a:t>
+              <a:t>28</a:t>
             </a:fld>
             <a:endParaRPr lang="zh-CN" altLang="en-US"/>
           </a:p>
@@ -2461,7 +2554,7 @@
     </p:spTree>
     <p:extLst>
       <p:ext uri="{BB962C8B-B14F-4D97-AF65-F5344CB8AC3E}">
-        <p14:creationId xmlns:p14="http://schemas.microsoft.com/office/powerpoint/2010/main" val="1445861159"/>
+        <p14:creationId xmlns:p14="http://schemas.microsoft.com/office/powerpoint/2010/main" val="1076663444"/>
       </p:ext>
     </p:extLst>
   </p:cSld>
@@ -2517,7 +2610,22 @@
           <a:p>
             <a:r>
               <a:rPr lang="zh-CN" altLang="en-US" dirty="0"/>
-              <a:t>把栈的开头，和函数的调用开头对齐</a:t>
+              <a:t>开始从最低优先级起步</a:t>
+            </a:r>
+            <a:endParaRPr lang="en-US" altLang="zh-CN" dirty="0"/>
+          </a:p>
+          <a:p>
+            <a:r>
+              <a:rPr lang="zh-CN" altLang="en-US" dirty="0"/>
+              <a:t>注：</a:t>
+            </a:r>
+            <a:r>
+              <a:rPr lang="en-US" altLang="zh-CN" dirty="0"/>
+              <a:t>Pratt</a:t>
+            </a:r>
+            <a:r>
+              <a:rPr lang="zh-CN" altLang="en-US" dirty="0"/>
+              <a:t>将数字，取负，取否设定为前缀</a:t>
             </a:r>
           </a:p>
         </p:txBody>
@@ -2539,7 +2647,7 @@
           <a:p>
             <a:fld id="{A8F9E7B9-BE53-4F4B-9973-FE3C627EB8F7}" type="slidenum">
               <a:rPr lang="zh-CN" altLang="en-US" smtClean="0"/>
-              <a:t>37</a:t>
+              <a:t>29</a:t>
             </a:fld>
             <a:endParaRPr lang="zh-CN" altLang="en-US"/>
           </a:p>
@@ -2548,7 +2656,109 @@
     </p:spTree>
     <p:extLst>
       <p:ext uri="{BB962C8B-B14F-4D97-AF65-F5344CB8AC3E}">
-        <p14:creationId xmlns:p14="http://schemas.microsoft.com/office/powerpoint/2010/main" val="2234187496"/>
+        <p14:creationId xmlns:p14="http://schemas.microsoft.com/office/powerpoint/2010/main" val="3048151583"/>
+      </p:ext>
+    </p:extLst>
+  </p:cSld>
+  <p:clrMapOvr>
+    <a:masterClrMapping/>
+  </p:clrMapOvr>
+</p:notes>
+</file>
+
+<file path=ppt/notesSlides/notesSlide29.xml><?xml version="1.0" encoding="utf-8"?>
+<p:notes xmlns:a="http://schemas.openxmlformats.org/drawingml/2006/main" xmlns:r="http://schemas.openxmlformats.org/officeDocument/2006/relationships" xmlns:p="http://schemas.openxmlformats.org/presentationml/2006/main">
+  <p:cSld>
+    <p:spTree>
+      <p:nvGrpSpPr>
+        <p:cNvPr id="1" name=""/>
+        <p:cNvGrpSpPr/>
+        <p:nvPr/>
+      </p:nvGrpSpPr>
+      <p:grpSpPr>
+        <a:xfrm>
+          <a:off x="0" y="0"/>
+          <a:ext cx="0" cy="0"/>
+          <a:chOff x="0" y="0"/>
+          <a:chExt cx="0" cy="0"/>
+        </a:xfrm>
+      </p:grpSpPr>
+      <p:sp>
+        <p:nvSpPr>
+          <p:cNvPr id="2" name="幻灯片图像占位符 1"/>
+          <p:cNvSpPr>
+            <a:spLocks noGrp="1" noRot="1" noChangeAspect="1"/>
+          </p:cNvSpPr>
+          <p:nvPr>
+            <p:ph type="sldImg"/>
+          </p:nvPr>
+        </p:nvSpPr>
+        <p:spPr/>
+      </p:sp>
+      <p:sp>
+        <p:nvSpPr>
+          <p:cNvPr id="3" name="备注占位符 2"/>
+          <p:cNvSpPr>
+            <a:spLocks noGrp="1"/>
+          </p:cNvSpPr>
+          <p:nvPr>
+            <p:ph type="body" idx="1"/>
+          </p:nvPr>
+        </p:nvSpPr>
+        <p:spPr/>
+        <p:txBody>
+          <a:bodyPr/>
+          <a:lstStyle/>
+          <a:p>
+            <a:r>
+              <a:rPr lang="zh-CN" altLang="en-US" dirty="0"/>
+              <a:t>开始从最低优先级起步</a:t>
+            </a:r>
+            <a:endParaRPr lang="en-US" altLang="zh-CN" dirty="0"/>
+          </a:p>
+          <a:p>
+            <a:r>
+              <a:rPr lang="zh-CN" altLang="en-US" dirty="0"/>
+              <a:t>注：</a:t>
+            </a:r>
+            <a:r>
+              <a:rPr lang="en-US" altLang="zh-CN" dirty="0"/>
+              <a:t>Pratt</a:t>
+            </a:r>
+            <a:r>
+              <a:rPr lang="zh-CN" altLang="en-US" dirty="0"/>
+              <a:t>将数字，取负，取否设定为前缀</a:t>
+            </a:r>
+          </a:p>
+        </p:txBody>
+      </p:sp>
+      <p:sp>
+        <p:nvSpPr>
+          <p:cNvPr id="4" name="灯片编号占位符 3"/>
+          <p:cNvSpPr>
+            <a:spLocks noGrp="1"/>
+          </p:cNvSpPr>
+          <p:nvPr>
+            <p:ph type="sldNum" sz="quarter" idx="5"/>
+          </p:nvPr>
+        </p:nvSpPr>
+        <p:spPr/>
+        <p:txBody>
+          <a:bodyPr/>
+          <a:lstStyle/>
+          <a:p>
+            <a:fld id="{A8F9E7B9-BE53-4F4B-9973-FE3C627EB8F7}" type="slidenum">
+              <a:rPr lang="zh-CN" altLang="en-US" smtClean="0"/>
+              <a:t>30</a:t>
+            </a:fld>
+            <a:endParaRPr lang="zh-CN" altLang="en-US"/>
+          </a:p>
+        </p:txBody>
+      </p:sp>
+    </p:spTree>
+    <p:extLst>
+      <p:ext uri="{BB962C8B-B14F-4D97-AF65-F5344CB8AC3E}">
+        <p14:creationId xmlns:p14="http://schemas.microsoft.com/office/powerpoint/2010/main" val="4156689748"/>
       </p:ext>
     </p:extLst>
   </p:cSld>
@@ -2604,7 +2814,15 @@
           <a:p>
             <a:r>
               <a:rPr lang="zh-CN" altLang="en-US" dirty="0"/>
-              <a:t>开销转移，这一个思路在该项目的实现里面很常用</a:t>
+              <a:t>在讲之前简单科普一下编译器和解释器，将代码字符串转为中间代码交给机器</a:t>
+            </a:r>
+            <a:r>
+              <a:rPr lang="en-US" altLang="zh-CN" dirty="0"/>
+              <a:t>/</a:t>
+            </a:r>
+            <a:r>
+              <a:rPr lang="zh-CN" altLang="en-US" dirty="0"/>
+              <a:t>自定义虚拟机</a:t>
             </a:r>
           </a:p>
         </p:txBody>
@@ -2626,7 +2844,7 @@
           <a:p>
             <a:fld id="{A8F9E7B9-BE53-4F4B-9973-FE3C627EB8F7}" type="slidenum">
               <a:rPr lang="zh-CN" altLang="en-US" smtClean="0"/>
-              <a:t>8</a:t>
+              <a:t>4</a:t>
             </a:fld>
             <a:endParaRPr lang="zh-CN" altLang="en-US"/>
           </a:p>
@@ -2635,7 +2853,750 @@
     </p:spTree>
     <p:extLst>
       <p:ext uri="{BB962C8B-B14F-4D97-AF65-F5344CB8AC3E}">
-        <p14:creationId xmlns:p14="http://schemas.microsoft.com/office/powerpoint/2010/main" val="4281481665"/>
+        <p14:creationId xmlns:p14="http://schemas.microsoft.com/office/powerpoint/2010/main" val="3698759184"/>
+      </p:ext>
+    </p:extLst>
+  </p:cSld>
+  <p:clrMapOvr>
+    <a:masterClrMapping/>
+  </p:clrMapOvr>
+</p:notes>
+</file>
+
+<file path=ppt/notesSlides/notesSlide30.xml><?xml version="1.0" encoding="utf-8"?>
+<p:notes xmlns:a="http://schemas.openxmlformats.org/drawingml/2006/main" xmlns:r="http://schemas.openxmlformats.org/officeDocument/2006/relationships" xmlns:p="http://schemas.openxmlformats.org/presentationml/2006/main">
+  <p:cSld>
+    <p:spTree>
+      <p:nvGrpSpPr>
+        <p:cNvPr id="1" name=""/>
+        <p:cNvGrpSpPr/>
+        <p:nvPr/>
+      </p:nvGrpSpPr>
+      <p:grpSpPr>
+        <a:xfrm>
+          <a:off x="0" y="0"/>
+          <a:ext cx="0" cy="0"/>
+          <a:chOff x="0" y="0"/>
+          <a:chExt cx="0" cy="0"/>
+        </a:xfrm>
+      </p:grpSpPr>
+      <p:sp>
+        <p:nvSpPr>
+          <p:cNvPr id="2" name="幻灯片图像占位符 1"/>
+          <p:cNvSpPr>
+            <a:spLocks noGrp="1" noRot="1" noChangeAspect="1"/>
+          </p:cNvSpPr>
+          <p:nvPr>
+            <p:ph type="sldImg"/>
+          </p:nvPr>
+        </p:nvSpPr>
+        <p:spPr/>
+      </p:sp>
+      <p:sp>
+        <p:nvSpPr>
+          <p:cNvPr id="3" name="备注占位符 2"/>
+          <p:cNvSpPr>
+            <a:spLocks noGrp="1"/>
+          </p:cNvSpPr>
+          <p:nvPr>
+            <p:ph type="body" idx="1"/>
+          </p:nvPr>
+        </p:nvSpPr>
+        <p:spPr/>
+        <p:txBody>
+          <a:bodyPr/>
+          <a:lstStyle/>
+          <a:p>
+            <a:r>
+              <a:rPr lang="zh-CN" altLang="en-US" dirty="0"/>
+              <a:t>有了表达式的解析算法，下面实际上就很简单了，我们只需要把全局变量的名字做成一个字符串，把表达式的值求出来，然后放到哈希表里面，要取值的时候直接从哈希表查找来取值就可以了。</a:t>
+            </a:r>
+          </a:p>
+        </p:txBody>
+      </p:sp>
+      <p:sp>
+        <p:nvSpPr>
+          <p:cNvPr id="4" name="灯片编号占位符 3"/>
+          <p:cNvSpPr>
+            <a:spLocks noGrp="1"/>
+          </p:cNvSpPr>
+          <p:nvPr>
+            <p:ph type="sldNum" sz="quarter" idx="5"/>
+          </p:nvPr>
+        </p:nvSpPr>
+        <p:spPr/>
+        <p:txBody>
+          <a:bodyPr/>
+          <a:lstStyle/>
+          <a:p>
+            <a:fld id="{A8F9E7B9-BE53-4F4B-9973-FE3C627EB8F7}" type="slidenum">
+              <a:rPr lang="zh-CN" altLang="en-US" smtClean="0"/>
+              <a:t>31</a:t>
+            </a:fld>
+            <a:endParaRPr lang="zh-CN" altLang="en-US"/>
+          </a:p>
+        </p:txBody>
+      </p:sp>
+    </p:spTree>
+    <p:extLst>
+      <p:ext uri="{BB962C8B-B14F-4D97-AF65-F5344CB8AC3E}">
+        <p14:creationId xmlns:p14="http://schemas.microsoft.com/office/powerpoint/2010/main" val="3712681618"/>
+      </p:ext>
+    </p:extLst>
+  </p:cSld>
+  <p:clrMapOvr>
+    <a:masterClrMapping/>
+  </p:clrMapOvr>
+</p:notes>
+</file>
+
+<file path=ppt/notesSlides/notesSlide31.xml><?xml version="1.0" encoding="utf-8"?>
+<p:notes xmlns:a="http://schemas.openxmlformats.org/drawingml/2006/main" xmlns:r="http://schemas.openxmlformats.org/officeDocument/2006/relationships" xmlns:p="http://schemas.openxmlformats.org/presentationml/2006/main">
+  <p:cSld>
+    <p:spTree>
+      <p:nvGrpSpPr>
+        <p:cNvPr id="1" name=""/>
+        <p:cNvGrpSpPr/>
+        <p:nvPr/>
+      </p:nvGrpSpPr>
+      <p:grpSpPr>
+        <a:xfrm>
+          <a:off x="0" y="0"/>
+          <a:ext cx="0" cy="0"/>
+          <a:chOff x="0" y="0"/>
+          <a:chExt cx="0" cy="0"/>
+        </a:xfrm>
+      </p:grpSpPr>
+      <p:sp>
+        <p:nvSpPr>
+          <p:cNvPr id="2" name="幻灯片图像占位符 1"/>
+          <p:cNvSpPr>
+            <a:spLocks noGrp="1" noRot="1" noChangeAspect="1"/>
+          </p:cNvSpPr>
+          <p:nvPr>
+            <p:ph type="sldImg"/>
+          </p:nvPr>
+        </p:nvSpPr>
+        <p:spPr/>
+      </p:sp>
+      <p:sp>
+        <p:nvSpPr>
+          <p:cNvPr id="3" name="备注占位符 2"/>
+          <p:cNvSpPr>
+            <a:spLocks noGrp="1"/>
+          </p:cNvSpPr>
+          <p:nvPr>
+            <p:ph type="body" idx="1"/>
+          </p:nvPr>
+        </p:nvSpPr>
+        <p:spPr/>
+        <p:txBody>
+          <a:bodyPr/>
+          <a:lstStyle/>
+          <a:p>
+            <a:pPr marR="0" algn="l" rtl="0"/>
+            <a:r>
+              <a:rPr lang="zh-CN" altLang="en-US" sz="1800" b="0" i="0" u="none" strike="noStrike" baseline="0" dirty="0">
+                <a:solidFill>
+                  <a:srgbClr val="000000"/>
+                </a:solidFill>
+                <a:latin typeface="宋体" panose="02010600030101010101" pitchFamily="2" charset="-122"/>
+                <a:ea typeface="宋体" panose="02010600030101010101" pitchFamily="2" charset="-122"/>
+              </a:rPr>
+              <a:t>那么介绍全局变量的原因是这里会有一个优化策略。</a:t>
+            </a:r>
+            <a:endParaRPr lang="en-US" altLang="zh-CN" sz="1800" b="0" i="0" u="none" strike="noStrike" baseline="0" dirty="0">
+              <a:solidFill>
+                <a:srgbClr val="000000"/>
+              </a:solidFill>
+              <a:latin typeface="宋体" panose="02010600030101010101" pitchFamily="2" charset="-122"/>
+              <a:ea typeface="宋体" panose="02010600030101010101" pitchFamily="2" charset="-122"/>
+            </a:endParaRPr>
+          </a:p>
+          <a:p>
+            <a:pPr marR="0" algn="l" rtl="0"/>
+            <a:r>
+              <a:rPr lang="zh-CN" altLang="en-US" sz="1800" b="0" i="0" u="none" strike="noStrike" baseline="0" dirty="0">
+                <a:solidFill>
+                  <a:srgbClr val="000000"/>
+                </a:solidFill>
+                <a:latin typeface="宋体" panose="02010600030101010101" pitchFamily="2" charset="-122"/>
+                <a:ea typeface="宋体" panose="02010600030101010101" pitchFamily="2" charset="-122"/>
+              </a:rPr>
+              <a:t>后期删除和前期绑定相同指针有什么不同？这个我也不太清楚</a:t>
+            </a:r>
+            <a:endParaRPr lang="en-US" altLang="zh-CN" sz="1800" b="0" i="0" u="none" strike="noStrike" baseline="0" dirty="0">
+              <a:solidFill>
+                <a:srgbClr val="000000"/>
+              </a:solidFill>
+              <a:latin typeface="宋体" panose="02010600030101010101" pitchFamily="2" charset="-122"/>
+              <a:ea typeface="宋体" panose="02010600030101010101" pitchFamily="2" charset="-122"/>
+            </a:endParaRPr>
+          </a:p>
+          <a:p>
+            <a:pPr marR="0" algn="l" rtl="0"/>
+            <a:endParaRPr lang="en-US" altLang="zh-CN" sz="1800" b="0" i="0" u="none" strike="noStrike" baseline="0" dirty="0">
+              <a:solidFill>
+                <a:srgbClr val="000000"/>
+              </a:solidFill>
+              <a:latin typeface="宋体" panose="02010600030101010101" pitchFamily="2" charset="-122"/>
+              <a:ea typeface="宋体" panose="02010600030101010101" pitchFamily="2" charset="-122"/>
+            </a:endParaRPr>
+          </a:p>
+          <a:p>
+            <a:pPr marR="0" algn="l" rtl="0"/>
+            <a:r>
+              <a:rPr lang="zh-CN" altLang="en-US" sz="1800" b="0" i="0" u="none" strike="noStrike" baseline="0" dirty="0">
+                <a:solidFill>
+                  <a:srgbClr val="000000"/>
+                </a:solidFill>
+                <a:latin typeface="宋体" panose="02010600030101010101" pitchFamily="2" charset="-122"/>
+                <a:ea typeface="宋体" panose="02010600030101010101" pitchFamily="2" charset="-122"/>
+              </a:rPr>
+              <a:t>在识别流程中，相同字符串会有很多，因为有大量的全局变量查找和函数查找的操作。这对内存是一个挑战。</a:t>
+            </a:r>
+            <a:endParaRPr lang="en-US" altLang="zh-CN" sz="1800" b="0" i="0" u="none" strike="noStrike" baseline="0" dirty="0">
+              <a:solidFill>
+                <a:srgbClr val="000000"/>
+              </a:solidFill>
+              <a:latin typeface="宋体" panose="02010600030101010101" pitchFamily="2" charset="-122"/>
+              <a:ea typeface="宋体" panose="02010600030101010101" pitchFamily="2" charset="-122"/>
+            </a:endParaRPr>
+          </a:p>
+          <a:p>
+            <a:pPr marR="0" algn="l" rtl="0"/>
+            <a:r>
+              <a:rPr lang="zh-CN" altLang="en-US" sz="1800" b="0" i="0" u="none" strike="noStrike" baseline="0" dirty="0">
+                <a:solidFill>
+                  <a:srgbClr val="000000"/>
+                </a:solidFill>
+                <a:latin typeface="宋体" panose="02010600030101010101" pitchFamily="2" charset="-122"/>
+                <a:ea typeface="宋体" panose="02010600030101010101" pitchFamily="2" charset="-122"/>
+              </a:rPr>
+              <a:t>一个自然的想法是在查找哈希表后自动释放结构体，但是这会导致在编译的时候字符串占用，同时会有内存申请和释放的开销，有么有什么办法解决这两个问题？</a:t>
+            </a:r>
+            <a:endParaRPr lang="en-US" altLang="zh-CN" sz="1800" b="0" i="0" u="none" strike="noStrike" baseline="0" dirty="0">
+              <a:solidFill>
+                <a:srgbClr val="000000"/>
+              </a:solidFill>
+              <a:latin typeface="宋体" panose="02010600030101010101" pitchFamily="2" charset="-122"/>
+              <a:ea typeface="宋体" panose="02010600030101010101" pitchFamily="2" charset="-122"/>
+            </a:endParaRPr>
+          </a:p>
+          <a:p>
+            <a:pPr marR="0" algn="l" rtl="0"/>
+            <a:endParaRPr lang="en-US" altLang="zh-CN" sz="1800" b="0" i="0" u="none" strike="noStrike" baseline="0" dirty="0">
+              <a:solidFill>
+                <a:srgbClr val="000000"/>
+              </a:solidFill>
+              <a:latin typeface="宋体" panose="02010600030101010101" pitchFamily="2" charset="-122"/>
+              <a:ea typeface="宋体" panose="02010600030101010101" pitchFamily="2" charset="-122"/>
+            </a:endParaRPr>
+          </a:p>
+        </p:txBody>
+      </p:sp>
+      <p:sp>
+        <p:nvSpPr>
+          <p:cNvPr id="4" name="灯片编号占位符 3"/>
+          <p:cNvSpPr>
+            <a:spLocks noGrp="1"/>
+          </p:cNvSpPr>
+          <p:nvPr>
+            <p:ph type="sldNum" sz="quarter" idx="5"/>
+          </p:nvPr>
+        </p:nvSpPr>
+        <p:spPr/>
+        <p:txBody>
+          <a:bodyPr/>
+          <a:lstStyle/>
+          <a:p>
+            <a:fld id="{A8F9E7B9-BE53-4F4B-9973-FE3C627EB8F7}" type="slidenum">
+              <a:rPr lang="zh-CN" altLang="en-US" smtClean="0"/>
+              <a:t>32</a:t>
+            </a:fld>
+            <a:endParaRPr lang="zh-CN" altLang="en-US"/>
+          </a:p>
+        </p:txBody>
+      </p:sp>
+    </p:spTree>
+    <p:extLst>
+      <p:ext uri="{BB962C8B-B14F-4D97-AF65-F5344CB8AC3E}">
+        <p14:creationId xmlns:p14="http://schemas.microsoft.com/office/powerpoint/2010/main" val="2906507498"/>
+      </p:ext>
+    </p:extLst>
+  </p:cSld>
+  <p:clrMapOvr>
+    <a:masterClrMapping/>
+  </p:clrMapOvr>
+</p:notes>
+</file>
+
+<file path=ppt/notesSlides/notesSlide32.xml><?xml version="1.0" encoding="utf-8"?>
+<p:notes xmlns:a="http://schemas.openxmlformats.org/drawingml/2006/main" xmlns:r="http://schemas.openxmlformats.org/officeDocument/2006/relationships" xmlns:p="http://schemas.openxmlformats.org/presentationml/2006/main">
+  <p:cSld>
+    <p:spTree>
+      <p:nvGrpSpPr>
+        <p:cNvPr id="1" name=""/>
+        <p:cNvGrpSpPr/>
+        <p:nvPr/>
+      </p:nvGrpSpPr>
+      <p:grpSpPr>
+        <a:xfrm>
+          <a:off x="0" y="0"/>
+          <a:ext cx="0" cy="0"/>
+          <a:chOff x="0" y="0"/>
+          <a:chExt cx="0" cy="0"/>
+        </a:xfrm>
+      </p:grpSpPr>
+      <p:sp>
+        <p:nvSpPr>
+          <p:cNvPr id="2" name="幻灯片图像占位符 1"/>
+          <p:cNvSpPr>
+            <a:spLocks noGrp="1" noRot="1" noChangeAspect="1"/>
+          </p:cNvSpPr>
+          <p:nvPr>
+            <p:ph type="sldImg"/>
+          </p:nvPr>
+        </p:nvSpPr>
+        <p:spPr/>
+      </p:sp>
+      <p:sp>
+        <p:nvSpPr>
+          <p:cNvPr id="3" name="备注占位符 2"/>
+          <p:cNvSpPr>
+            <a:spLocks noGrp="1"/>
+          </p:cNvSpPr>
+          <p:nvPr>
+            <p:ph type="body" idx="1"/>
+          </p:nvPr>
+        </p:nvSpPr>
+        <p:spPr/>
+        <p:txBody>
+          <a:bodyPr/>
+          <a:lstStyle/>
+          <a:p>
+            <a:endParaRPr lang="zh-CN" altLang="en-US" dirty="0"/>
+          </a:p>
+        </p:txBody>
+      </p:sp>
+      <p:sp>
+        <p:nvSpPr>
+          <p:cNvPr id="4" name="灯片编号占位符 3"/>
+          <p:cNvSpPr>
+            <a:spLocks noGrp="1"/>
+          </p:cNvSpPr>
+          <p:nvPr>
+            <p:ph type="sldNum" sz="quarter" idx="5"/>
+          </p:nvPr>
+        </p:nvSpPr>
+        <p:spPr/>
+        <p:txBody>
+          <a:bodyPr/>
+          <a:lstStyle/>
+          <a:p>
+            <a:fld id="{A8F9E7B9-BE53-4F4B-9973-FE3C627EB8F7}" type="slidenum">
+              <a:rPr lang="zh-CN" altLang="en-US" smtClean="0"/>
+              <a:t>33</a:t>
+            </a:fld>
+            <a:endParaRPr lang="zh-CN" altLang="en-US"/>
+          </a:p>
+        </p:txBody>
+      </p:sp>
+    </p:spTree>
+    <p:extLst>
+      <p:ext uri="{BB962C8B-B14F-4D97-AF65-F5344CB8AC3E}">
+        <p14:creationId xmlns:p14="http://schemas.microsoft.com/office/powerpoint/2010/main" val="1186264936"/>
+      </p:ext>
+    </p:extLst>
+  </p:cSld>
+  <p:clrMapOvr>
+    <a:masterClrMapping/>
+  </p:clrMapOvr>
+</p:notes>
+</file>
+
+<file path=ppt/notesSlides/notesSlide33.xml><?xml version="1.0" encoding="utf-8"?>
+<p:notes xmlns:a="http://schemas.openxmlformats.org/drawingml/2006/main" xmlns:r="http://schemas.openxmlformats.org/officeDocument/2006/relationships" xmlns:p="http://schemas.openxmlformats.org/presentationml/2006/main">
+  <p:cSld>
+    <p:spTree>
+      <p:nvGrpSpPr>
+        <p:cNvPr id="1" name=""/>
+        <p:cNvGrpSpPr/>
+        <p:nvPr/>
+      </p:nvGrpSpPr>
+      <p:grpSpPr>
+        <a:xfrm>
+          <a:off x="0" y="0"/>
+          <a:ext cx="0" cy="0"/>
+          <a:chOff x="0" y="0"/>
+          <a:chExt cx="0" cy="0"/>
+        </a:xfrm>
+      </p:grpSpPr>
+      <p:sp>
+        <p:nvSpPr>
+          <p:cNvPr id="2" name="幻灯片图像占位符 1"/>
+          <p:cNvSpPr>
+            <a:spLocks noGrp="1" noRot="1" noChangeAspect="1"/>
+          </p:cNvSpPr>
+          <p:nvPr>
+            <p:ph type="sldImg"/>
+          </p:nvPr>
+        </p:nvSpPr>
+        <p:spPr/>
+      </p:sp>
+      <p:sp>
+        <p:nvSpPr>
+          <p:cNvPr id="3" name="备注占位符 2"/>
+          <p:cNvSpPr>
+            <a:spLocks noGrp="1"/>
+          </p:cNvSpPr>
+          <p:nvPr>
+            <p:ph type="body" idx="1"/>
+          </p:nvPr>
+        </p:nvSpPr>
+        <p:spPr/>
+        <p:txBody>
+          <a:bodyPr/>
+          <a:lstStyle/>
+          <a:p>
+            <a:r>
+              <a:rPr lang="zh-CN" altLang="en-US" dirty="0"/>
+              <a:t>假如我们写出了这样一个例子，实际上是怎么工作的？在识别过程中，会将局部变量的值直接进入字节码以供入栈，即</a:t>
+            </a:r>
+            <a:r>
+              <a:rPr lang="en-US" altLang="zh-CN" dirty="0" err="1"/>
+              <a:t>ByteCode</a:t>
+            </a:r>
+            <a:r>
+              <a:rPr lang="zh-CN" altLang="en-US" dirty="0"/>
+              <a:t>这一项。在取局部变量值的时候，利用</a:t>
+            </a:r>
+            <a:r>
+              <a:rPr lang="en-US" altLang="zh-CN" dirty="0"/>
+              <a:t>stack in Compiler</a:t>
+            </a:r>
+            <a:r>
+              <a:rPr lang="zh-CN" altLang="en-US" dirty="0"/>
+              <a:t>这一个栈附一个索引在后面。那么在执行这一串东西的时候，如果将常量入栈而不弹出，实际上局部变量在</a:t>
+            </a:r>
+            <a:r>
+              <a:rPr lang="en-US" altLang="zh-CN" dirty="0"/>
+              <a:t>Compiler</a:t>
+            </a:r>
+            <a:r>
+              <a:rPr lang="zh-CN" altLang="en-US" dirty="0"/>
+              <a:t>中的索引值就能和</a:t>
+            </a:r>
+            <a:r>
+              <a:rPr lang="en-US" altLang="zh-CN" dirty="0"/>
+              <a:t>VM</a:t>
+            </a:r>
+            <a:r>
+              <a:rPr lang="zh-CN" altLang="en-US" dirty="0"/>
+              <a:t>栈中的索引值对上。</a:t>
+            </a:r>
+          </a:p>
+        </p:txBody>
+      </p:sp>
+      <p:sp>
+        <p:nvSpPr>
+          <p:cNvPr id="4" name="灯片编号占位符 3"/>
+          <p:cNvSpPr>
+            <a:spLocks noGrp="1"/>
+          </p:cNvSpPr>
+          <p:nvPr>
+            <p:ph type="sldNum" sz="quarter" idx="5"/>
+          </p:nvPr>
+        </p:nvSpPr>
+        <p:spPr/>
+        <p:txBody>
+          <a:bodyPr/>
+          <a:lstStyle/>
+          <a:p>
+            <a:fld id="{A8F9E7B9-BE53-4F4B-9973-FE3C627EB8F7}" type="slidenum">
+              <a:rPr lang="zh-CN" altLang="en-US" smtClean="0"/>
+              <a:t>34</a:t>
+            </a:fld>
+            <a:endParaRPr lang="zh-CN" altLang="en-US"/>
+          </a:p>
+        </p:txBody>
+      </p:sp>
+    </p:spTree>
+    <p:extLst>
+      <p:ext uri="{BB962C8B-B14F-4D97-AF65-F5344CB8AC3E}">
+        <p14:creationId xmlns:p14="http://schemas.microsoft.com/office/powerpoint/2010/main" val="2849569206"/>
+      </p:ext>
+    </p:extLst>
+  </p:cSld>
+  <p:clrMapOvr>
+    <a:masterClrMapping/>
+  </p:clrMapOvr>
+</p:notes>
+</file>
+
+<file path=ppt/notesSlides/notesSlide34.xml><?xml version="1.0" encoding="utf-8"?>
+<p:notes xmlns:a="http://schemas.openxmlformats.org/drawingml/2006/main" xmlns:r="http://schemas.openxmlformats.org/officeDocument/2006/relationships" xmlns:p="http://schemas.openxmlformats.org/presentationml/2006/main">
+  <p:cSld>
+    <p:spTree>
+      <p:nvGrpSpPr>
+        <p:cNvPr id="1" name=""/>
+        <p:cNvGrpSpPr/>
+        <p:nvPr/>
+      </p:nvGrpSpPr>
+      <p:grpSpPr>
+        <a:xfrm>
+          <a:off x="0" y="0"/>
+          <a:ext cx="0" cy="0"/>
+          <a:chOff x="0" y="0"/>
+          <a:chExt cx="0" cy="0"/>
+        </a:xfrm>
+      </p:grpSpPr>
+      <p:sp>
+        <p:nvSpPr>
+          <p:cNvPr id="2" name="幻灯片图像占位符 1"/>
+          <p:cNvSpPr>
+            <a:spLocks noGrp="1" noRot="1" noChangeAspect="1"/>
+          </p:cNvSpPr>
+          <p:nvPr>
+            <p:ph type="sldImg"/>
+          </p:nvPr>
+        </p:nvSpPr>
+        <p:spPr/>
+      </p:sp>
+      <p:sp>
+        <p:nvSpPr>
+          <p:cNvPr id="3" name="备注占位符 2"/>
+          <p:cNvSpPr>
+            <a:spLocks noGrp="1"/>
+          </p:cNvSpPr>
+          <p:nvPr>
+            <p:ph type="body" idx="1"/>
+          </p:nvPr>
+        </p:nvSpPr>
+        <p:spPr/>
+        <p:txBody>
+          <a:bodyPr/>
+          <a:lstStyle/>
+          <a:p>
+            <a:pPr marL="0" indent="0">
+              <a:buNone/>
+            </a:pPr>
+            <a:r>
+              <a:rPr lang="zh-CN" altLang="en-US" dirty="0"/>
+              <a:t>如果学习</a:t>
+            </a:r>
+            <a:r>
+              <a:rPr lang="en-US" altLang="zh-CN" dirty="0" err="1"/>
+              <a:t>goto</a:t>
+            </a:r>
+            <a:r>
+              <a:rPr lang="zh-CN" altLang="en-US" dirty="0"/>
+              <a:t>的时候，你想过仅用简单的赋值和判断来形成控制流语句，那么这里就难不到你。</a:t>
+            </a:r>
+          </a:p>
+        </p:txBody>
+      </p:sp>
+      <p:sp>
+        <p:nvSpPr>
+          <p:cNvPr id="4" name="灯片编号占位符 3"/>
+          <p:cNvSpPr>
+            <a:spLocks noGrp="1"/>
+          </p:cNvSpPr>
+          <p:nvPr>
+            <p:ph type="sldNum" sz="quarter" idx="5"/>
+          </p:nvPr>
+        </p:nvSpPr>
+        <p:spPr/>
+        <p:txBody>
+          <a:bodyPr/>
+          <a:lstStyle/>
+          <a:p>
+            <a:fld id="{A8F9E7B9-BE53-4F4B-9973-FE3C627EB8F7}" type="slidenum">
+              <a:rPr lang="zh-CN" altLang="en-US" smtClean="0"/>
+              <a:t>35</a:t>
+            </a:fld>
+            <a:endParaRPr lang="zh-CN" altLang="en-US"/>
+          </a:p>
+        </p:txBody>
+      </p:sp>
+    </p:spTree>
+    <p:extLst>
+      <p:ext uri="{BB962C8B-B14F-4D97-AF65-F5344CB8AC3E}">
+        <p14:creationId xmlns:p14="http://schemas.microsoft.com/office/powerpoint/2010/main" val="1445861159"/>
+      </p:ext>
+    </p:extLst>
+  </p:cSld>
+  <p:clrMapOvr>
+    <a:masterClrMapping/>
+  </p:clrMapOvr>
+</p:notes>
+</file>
+
+<file path=ppt/notesSlides/notesSlide35.xml><?xml version="1.0" encoding="utf-8"?>
+<p:notes xmlns:a="http://schemas.openxmlformats.org/drawingml/2006/main" xmlns:r="http://schemas.openxmlformats.org/officeDocument/2006/relationships" xmlns:p="http://schemas.openxmlformats.org/presentationml/2006/main">
+  <p:cSld>
+    <p:spTree>
+      <p:nvGrpSpPr>
+        <p:cNvPr id="1" name=""/>
+        <p:cNvGrpSpPr/>
+        <p:nvPr/>
+      </p:nvGrpSpPr>
+      <p:grpSpPr>
+        <a:xfrm>
+          <a:off x="0" y="0"/>
+          <a:ext cx="0" cy="0"/>
+          <a:chOff x="0" y="0"/>
+          <a:chExt cx="0" cy="0"/>
+        </a:xfrm>
+      </p:grpSpPr>
+      <p:sp>
+        <p:nvSpPr>
+          <p:cNvPr id="2" name="幻灯片图像占位符 1"/>
+          <p:cNvSpPr>
+            <a:spLocks noGrp="1" noRot="1" noChangeAspect="1"/>
+          </p:cNvSpPr>
+          <p:nvPr>
+            <p:ph type="sldImg"/>
+          </p:nvPr>
+        </p:nvSpPr>
+        <p:spPr/>
+      </p:sp>
+      <p:sp>
+        <p:nvSpPr>
+          <p:cNvPr id="3" name="备注占位符 2"/>
+          <p:cNvSpPr>
+            <a:spLocks noGrp="1"/>
+          </p:cNvSpPr>
+          <p:nvPr>
+            <p:ph type="body" idx="1"/>
+          </p:nvPr>
+        </p:nvSpPr>
+        <p:spPr/>
+        <p:txBody>
+          <a:bodyPr/>
+          <a:lstStyle/>
+          <a:p>
+            <a:r>
+              <a:rPr lang="zh-CN" altLang="en-US" dirty="0"/>
+              <a:t>把栈的开头，和函数的调用开头对齐</a:t>
+            </a:r>
+          </a:p>
+        </p:txBody>
+      </p:sp>
+      <p:sp>
+        <p:nvSpPr>
+          <p:cNvPr id="4" name="灯片编号占位符 3"/>
+          <p:cNvSpPr>
+            <a:spLocks noGrp="1"/>
+          </p:cNvSpPr>
+          <p:nvPr>
+            <p:ph type="sldNum" sz="quarter" idx="5"/>
+          </p:nvPr>
+        </p:nvSpPr>
+        <p:spPr/>
+        <p:txBody>
+          <a:bodyPr/>
+          <a:lstStyle/>
+          <a:p>
+            <a:fld id="{A8F9E7B9-BE53-4F4B-9973-FE3C627EB8F7}" type="slidenum">
+              <a:rPr lang="zh-CN" altLang="en-US" smtClean="0"/>
+              <a:t>36</a:t>
+            </a:fld>
+            <a:endParaRPr lang="zh-CN" altLang="en-US"/>
+          </a:p>
+        </p:txBody>
+      </p:sp>
+    </p:spTree>
+    <p:extLst>
+      <p:ext uri="{BB962C8B-B14F-4D97-AF65-F5344CB8AC3E}">
+        <p14:creationId xmlns:p14="http://schemas.microsoft.com/office/powerpoint/2010/main" val="2234187496"/>
+      </p:ext>
+    </p:extLst>
+  </p:cSld>
+  <p:clrMapOvr>
+    <a:masterClrMapping/>
+  </p:clrMapOvr>
+</p:notes>
+</file>
+
+<file path=ppt/notesSlides/notesSlide36.xml><?xml version="1.0" encoding="utf-8"?>
+<p:notes xmlns:a="http://schemas.openxmlformats.org/drawingml/2006/main" xmlns:r="http://schemas.openxmlformats.org/officeDocument/2006/relationships" xmlns:p="http://schemas.openxmlformats.org/presentationml/2006/main">
+  <p:cSld>
+    <p:spTree>
+      <p:nvGrpSpPr>
+        <p:cNvPr id="1" name=""/>
+        <p:cNvGrpSpPr/>
+        <p:nvPr/>
+      </p:nvGrpSpPr>
+      <p:grpSpPr>
+        <a:xfrm>
+          <a:off x="0" y="0"/>
+          <a:ext cx="0" cy="0"/>
+          <a:chOff x="0" y="0"/>
+          <a:chExt cx="0" cy="0"/>
+        </a:xfrm>
+      </p:grpSpPr>
+      <p:sp>
+        <p:nvSpPr>
+          <p:cNvPr id="2" name="幻灯片图像占位符 1"/>
+          <p:cNvSpPr>
+            <a:spLocks noGrp="1" noRot="1" noChangeAspect="1"/>
+          </p:cNvSpPr>
+          <p:nvPr>
+            <p:ph type="sldImg"/>
+          </p:nvPr>
+        </p:nvSpPr>
+        <p:spPr/>
+      </p:sp>
+      <p:sp>
+        <p:nvSpPr>
+          <p:cNvPr id="3" name="备注占位符 2"/>
+          <p:cNvSpPr>
+            <a:spLocks noGrp="1"/>
+          </p:cNvSpPr>
+          <p:nvPr>
+            <p:ph type="body" idx="1"/>
+          </p:nvPr>
+        </p:nvSpPr>
+        <p:spPr/>
+        <p:txBody>
+          <a:bodyPr/>
+          <a:lstStyle/>
+          <a:p>
+            <a:r>
+              <a:rPr lang="zh-CN" altLang="en-US" dirty="0"/>
+              <a:t>有一些实现上比较简单的</a:t>
+            </a:r>
+          </a:p>
+        </p:txBody>
+      </p:sp>
+      <p:sp>
+        <p:nvSpPr>
+          <p:cNvPr id="4" name="灯片编号占位符 3"/>
+          <p:cNvSpPr>
+            <a:spLocks noGrp="1"/>
+          </p:cNvSpPr>
+          <p:nvPr>
+            <p:ph type="sldNum" sz="quarter" idx="5"/>
+          </p:nvPr>
+        </p:nvSpPr>
+        <p:spPr/>
+        <p:txBody>
+          <a:bodyPr/>
+          <a:lstStyle/>
+          <a:p>
+            <a:fld id="{A8F9E7B9-BE53-4F4B-9973-FE3C627EB8F7}" type="slidenum">
+              <a:rPr lang="zh-CN" altLang="en-US" smtClean="0"/>
+              <a:t>37</a:t>
+            </a:fld>
+            <a:endParaRPr lang="zh-CN" altLang="en-US"/>
+          </a:p>
+        </p:txBody>
+      </p:sp>
+    </p:spTree>
+    <p:extLst>
+      <p:ext uri="{BB962C8B-B14F-4D97-AF65-F5344CB8AC3E}">
+        <p14:creationId xmlns:p14="http://schemas.microsoft.com/office/powerpoint/2010/main" val="3676572788"/>
       </p:ext>
     </p:extLst>
   </p:cSld>
@@ -2691,15 +3652,14 @@
           <a:p>
             <a:r>
               <a:rPr lang="zh-CN" altLang="en-US" dirty="0"/>
-              <a:t>很多理论，消除左递归之类的，不过</a:t>
-            </a:r>
-            <a:r>
-              <a:rPr lang="en-US" altLang="zh-CN" dirty="0" err="1"/>
-              <a:t>pratt</a:t>
-            </a:r>
-            <a:r>
-              <a:rPr lang="zh-CN" altLang="en-US" dirty="0"/>
-              <a:t>自顶向下算符分析并没有消除左递归</a:t>
+              <a:t>由于是数据结构的实习作业，先介绍一下用到的主要结构。</a:t>
+            </a:r>
+            <a:endParaRPr lang="en-US" altLang="zh-CN" dirty="0"/>
+          </a:p>
+          <a:p>
+            <a:r>
+              <a:rPr lang="zh-CN" altLang="en-US" dirty="0"/>
+              <a:t>具体为什么要用这些数据结构，会在后面实现的时候讲</a:t>
             </a:r>
           </a:p>
         </p:txBody>
@@ -2721,7 +3681,7 @@
           <a:p>
             <a:fld id="{A8F9E7B9-BE53-4F4B-9973-FE3C627EB8F7}" type="slidenum">
               <a:rPr lang="zh-CN" altLang="en-US" smtClean="0"/>
-              <a:t>13</a:t>
+              <a:t>5</a:t>
             </a:fld>
             <a:endParaRPr lang="zh-CN" altLang="en-US"/>
           </a:p>
@@ -2730,7 +3690,7 @@
     </p:spTree>
     <p:extLst>
       <p:ext uri="{BB962C8B-B14F-4D97-AF65-F5344CB8AC3E}">
-        <p14:creationId xmlns:p14="http://schemas.microsoft.com/office/powerpoint/2010/main" val="4012046778"/>
+        <p14:creationId xmlns:p14="http://schemas.microsoft.com/office/powerpoint/2010/main" val="1985501079"/>
       </p:ext>
     </p:extLst>
   </p:cSld>
@@ -2784,65 +3744,49 @@
           <a:bodyPr/>
           <a:lstStyle/>
           <a:p>
-            <a:pPr marL="0" indent="0">
-              <a:buNone/>
-            </a:pPr>
-            <a:r>
-              <a:rPr lang="zh-CN" altLang="en-US" dirty="0"/>
-              <a:t>不会讲各种实现的原理，只会讲各种实现的实现。</a:t>
+            <a:r>
+              <a:rPr lang="zh-CN" altLang="en-US" dirty="0"/>
+              <a:t>动态数组的使用很简单，满了就</a:t>
+            </a:r>
+            <a:r>
+              <a:rPr lang="en-US" altLang="zh-CN" dirty="0"/>
+              <a:t>resize</a:t>
+            </a:r>
+            <a:r>
+              <a:rPr lang="zh-CN" altLang="en-US" dirty="0"/>
+              <a:t>，也就是调用</a:t>
+            </a:r>
+            <a:r>
+              <a:rPr lang="en-US" altLang="zh-CN" dirty="0" err="1"/>
+              <a:t>realloc</a:t>
+            </a:r>
+            <a:r>
+              <a:rPr lang="zh-CN" altLang="en-US" dirty="0"/>
+              <a:t>一下。而</a:t>
+            </a:r>
+            <a:r>
+              <a:rPr lang="en-US" altLang="zh-CN" dirty="0" err="1"/>
+              <a:t>realloc</a:t>
+            </a:r>
+            <a:r>
+              <a:rPr lang="zh-CN" altLang="en-US" dirty="0"/>
+              <a:t>的实现则更接近底层。</a:t>
             </a:r>
             <a:endParaRPr lang="en-US" altLang="zh-CN" dirty="0"/>
           </a:p>
           <a:p>
-            <a:pPr marL="0" indent="0">
-              <a:buNone/>
-            </a:pPr>
-            <a:r>
-              <a:rPr lang="zh-CN" altLang="en-US" dirty="0"/>
-              <a:t>不会讲实现的具体细节，只会讲顶层视角与主要的部分。</a:t>
-            </a:r>
-            <a:endParaRPr lang="en-US" altLang="zh-CN" dirty="0"/>
-          </a:p>
-          <a:p>
-            <a:pPr marL="0" indent="0">
-              <a:buNone/>
-            </a:pPr>
-            <a:r>
-              <a:rPr lang="zh-CN" altLang="en-US" dirty="0"/>
-              <a:t>为什么会慢：</a:t>
-            </a:r>
-            <a:r>
-              <a:rPr lang="en-US" altLang="zh-CN" dirty="0"/>
-              <a:t>CPU</a:t>
-            </a:r>
-            <a:r>
-              <a:rPr lang="zh-CN" altLang="en-US" dirty="0"/>
-              <a:t>有缓存，会将内存临近的区域一起读进去。</a:t>
-            </a:r>
-            <a:endParaRPr lang="en-US" altLang="zh-CN" dirty="0"/>
-          </a:p>
-          <a:p>
-            <a:pPr marL="0" indent="0">
-              <a:buNone/>
-            </a:pPr>
-            <a:r>
-              <a:rPr lang="zh-CN" altLang="en-US" dirty="0"/>
-              <a:t>为什么要这么做：举个比较相似的例子，为什么堆要用数组而不用完全二叉树的链表来存？</a:t>
-            </a:r>
-            <a:endParaRPr lang="en-US" altLang="zh-CN" dirty="0"/>
-          </a:p>
-          <a:p>
-            <a:pPr marL="0" indent="0">
-              <a:buNone/>
-            </a:pPr>
-            <a:r>
-              <a:rPr lang="zh-CN" altLang="en-US" dirty="0"/>
-              <a:t>简单说一下怎么运转的，实际上就是转成后缀表达式，然后用一个栈来求值</a:t>
-            </a:r>
-            <a:endParaRPr lang="en-US" altLang="zh-CN" dirty="0"/>
-          </a:p>
-          <a:p>
-            <a:endParaRPr lang="zh-CN" altLang="en-US" dirty="0"/>
+            <a:r>
+              <a:rPr lang="zh-CN" altLang="en-US" dirty="0"/>
+              <a:t>书上有一个题目简要说明了</a:t>
+            </a:r>
+            <a:r>
+              <a:rPr lang="en-US" altLang="zh-CN" dirty="0" err="1"/>
+              <a:t>realloc</a:t>
+            </a:r>
+            <a:r>
+              <a:rPr lang="zh-CN" altLang="en-US" dirty="0"/>
+              <a:t>的实现思路</a:t>
+            </a:r>
           </a:p>
         </p:txBody>
       </p:sp>
@@ -2863,7 +3807,7 @@
           <a:p>
             <a:fld id="{A8F9E7B9-BE53-4F4B-9973-FE3C627EB8F7}" type="slidenum">
               <a:rPr lang="zh-CN" altLang="en-US" smtClean="0"/>
-              <a:t>14</a:t>
+              <a:t>6</a:t>
             </a:fld>
             <a:endParaRPr lang="zh-CN" altLang="en-US"/>
           </a:p>
@@ -2872,7 +3816,7 @@
     </p:spTree>
     <p:extLst>
       <p:ext uri="{BB962C8B-B14F-4D97-AF65-F5344CB8AC3E}">
-        <p14:creationId xmlns:p14="http://schemas.microsoft.com/office/powerpoint/2010/main" val="2724553594"/>
+        <p14:creationId xmlns:p14="http://schemas.microsoft.com/office/powerpoint/2010/main" val="2411545195"/>
       </p:ext>
     </p:extLst>
   </p:cSld>
@@ -2926,41 +3870,107 @@
           <a:bodyPr/>
           <a:lstStyle/>
           <a:p>
-            <a:r>
-              <a:rPr lang="zh-CN" altLang="en-US" dirty="0"/>
-              <a:t>为什么要这样，因为模块化，同时你能知道你在干什么。</a:t>
+            <a:pPr marL="0" marR="0" lvl="0" indent="0" algn="l" defTabSz="914400" rtl="0" eaLnBrk="1" fontAlgn="auto" latinLnBrk="0" hangingPunct="1">
+              <a:lnSpc>
+                <a:spcPct val="100000"/>
+              </a:lnSpc>
+              <a:spcBef>
+                <a:spcPts val="0"/>
+              </a:spcBef>
+              <a:spcAft>
+                <a:spcPts val="0"/>
+              </a:spcAft>
+              <a:buClrTx/>
+              <a:buSzTx/>
+              <a:buFontTx/>
+              <a:buNone/>
+              <a:tabLst/>
+              <a:defRPr/>
+            </a:pPr>
+            <a:r>
+              <a:rPr lang="zh-CN" altLang="en-US" dirty="0"/>
+              <a:t>实际上哈希表需要考虑到的一些问题都在课上讲哈希表的那几张</a:t>
+            </a:r>
+            <a:r>
+              <a:rPr lang="en-US" altLang="zh-CN" dirty="0"/>
+              <a:t>ppt</a:t>
+            </a:r>
+            <a:r>
+              <a:rPr lang="zh-CN" altLang="en-US" dirty="0"/>
+              <a:t>讲过。在这里用的是开放地址法。。。</a:t>
             </a:r>
             <a:endParaRPr lang="en-US" altLang="zh-CN" dirty="0"/>
           </a:p>
           <a:p>
-            <a:r>
-              <a:rPr lang="zh-CN" altLang="en-US" dirty="0"/>
-              <a:t>由于课程的原因，同时时间有限，我不会具体讲</a:t>
+            <a:pPr marL="0" marR="0" lvl="0" indent="0" algn="l" defTabSz="914400" rtl="0" eaLnBrk="1" fontAlgn="auto" latinLnBrk="0" hangingPunct="1">
+              <a:lnSpc>
+                <a:spcPct val="100000"/>
+              </a:lnSpc>
+              <a:spcBef>
+                <a:spcPts val="0"/>
+              </a:spcBef>
+              <a:spcAft>
+                <a:spcPts val="0"/>
+              </a:spcAft>
+              <a:buClrTx/>
+              <a:buSzTx/>
+              <a:buFontTx/>
+              <a:buNone/>
+              <a:tabLst/>
+              <a:defRPr/>
+            </a:pPr>
+            <a:r>
+              <a:rPr lang="zh-CN" altLang="en-US" dirty="0"/>
+              <a:t>对字符串哈希可以把</a:t>
             </a:r>
             <a:r>
               <a:rPr lang="en-US" altLang="zh-CN" dirty="0"/>
-              <a:t>Scanner</a:t>
-            </a:r>
-            <a:r>
-              <a:rPr lang="zh-CN" altLang="en-US" dirty="0"/>
-              <a:t>和</a:t>
+              <a:t>ascii</a:t>
+            </a:r>
+            <a:r>
+              <a:rPr lang="zh-CN" altLang="en-US" dirty="0"/>
+              <a:t>码加起来，这里用的是</a:t>
             </a:r>
             <a:r>
               <a:rPr lang="en-US" altLang="zh-CN" dirty="0"/>
-              <a:t>VM</a:t>
-            </a:r>
-            <a:r>
-              <a:rPr lang="zh-CN" altLang="en-US" dirty="0"/>
-              <a:t>到底在干什么，主要是讲</a:t>
+              <a:t>fnv-1a</a:t>
+            </a:r>
+            <a:r>
+              <a:rPr lang="zh-CN" altLang="en-US" dirty="0"/>
+              <a:t>，直接</a:t>
             </a:r>
             <a:r>
               <a:rPr lang="en-US" altLang="zh-CN" dirty="0"/>
-              <a:t>compile</a:t>
-            </a:r>
-            <a:r>
-              <a:rPr lang="zh-CN" altLang="en-US" dirty="0"/>
-              <a:t>是如何转成可执行的中间代码的。</a:t>
-            </a:r>
+              <a:t>copy</a:t>
+            </a:r>
+            <a:r>
+              <a:rPr lang="zh-CN" altLang="en-US" dirty="0"/>
+              <a:t>的</a:t>
+            </a:r>
+            <a:endParaRPr lang="en-US" altLang="zh-CN" dirty="0"/>
+          </a:p>
+          <a:p>
+            <a:pPr marL="0" marR="0" lvl="0" indent="0" algn="l" defTabSz="914400" rtl="0" eaLnBrk="1" fontAlgn="auto" latinLnBrk="0" hangingPunct="1">
+              <a:lnSpc>
+                <a:spcPct val="100000"/>
+              </a:lnSpc>
+              <a:spcBef>
+                <a:spcPts val="0"/>
+              </a:spcBef>
+              <a:spcAft>
+                <a:spcPts val="0"/>
+              </a:spcAft>
+              <a:buClrTx/>
+              <a:buSzTx/>
+              <a:buFontTx/>
+              <a:buNone/>
+              <a:tabLst/>
+              <a:defRPr/>
+            </a:pPr>
+            <a:endParaRPr lang="zh-CN" altLang="en-US" dirty="0"/>
+          </a:p>
+          <a:p>
+            <a:endParaRPr lang="zh-CN" altLang="en-US" dirty="0"/>
           </a:p>
         </p:txBody>
       </p:sp>
@@ -2981,7 +3991,7 @@
           <a:p>
             <a:fld id="{A8F9E7B9-BE53-4F4B-9973-FE3C627EB8F7}" type="slidenum">
               <a:rPr lang="zh-CN" altLang="en-US" smtClean="0"/>
-              <a:t>15</a:t>
+              <a:t>7</a:t>
             </a:fld>
             <a:endParaRPr lang="zh-CN" altLang="en-US"/>
           </a:p>
@@ -2990,7 +4000,7 @@
     </p:spTree>
     <p:extLst>
       <p:ext uri="{BB962C8B-B14F-4D97-AF65-F5344CB8AC3E}">
-        <p14:creationId xmlns:p14="http://schemas.microsoft.com/office/powerpoint/2010/main" val="494785938"/>
+        <p14:creationId xmlns:p14="http://schemas.microsoft.com/office/powerpoint/2010/main" val="920169876"/>
       </p:ext>
     </p:extLst>
   </p:cSld>
@@ -3044,37 +4054,107 @@
           <a:bodyPr/>
           <a:lstStyle/>
           <a:p>
-            <a:r>
-              <a:rPr lang="zh-CN" altLang="en-US" dirty="0"/>
-              <a:t>括号内内容可以</a:t>
+            <a:pPr marL="0" marR="0" lvl="0" indent="0" algn="l" defTabSz="914400" rtl="0" eaLnBrk="1" fontAlgn="auto" latinLnBrk="0" hangingPunct="1">
+              <a:lnSpc>
+                <a:spcPct val="100000"/>
+              </a:lnSpc>
+              <a:spcBef>
+                <a:spcPts val="0"/>
+              </a:spcBef>
+              <a:spcAft>
+                <a:spcPts val="0"/>
+              </a:spcAft>
+              <a:buClrTx/>
+              <a:buSzTx/>
+              <a:buFontTx/>
+              <a:buNone/>
+              <a:tabLst/>
+              <a:defRPr/>
+            </a:pPr>
+            <a:r>
+              <a:rPr lang="zh-CN" altLang="en-US" dirty="0"/>
+              <a:t>实际上哈希表需要考虑到的一些问题都在课上讲哈希表的那几张</a:t>
             </a:r>
             <a:r>
               <a:rPr lang="en-US" altLang="zh-CN" dirty="0"/>
-              <a:t>0-n</a:t>
-            </a:r>
-            <a:r>
-              <a:rPr lang="zh-CN" altLang="en-US" dirty="0"/>
-              <a:t>次</a:t>
+              <a:t>ppt</a:t>
+            </a:r>
+            <a:r>
+              <a:rPr lang="zh-CN" altLang="en-US" dirty="0"/>
+              <a:t>讲过。在这里用的是开放地址法。。。</a:t>
+            </a:r>
+            <a:endParaRPr lang="en-US" altLang="zh-CN" dirty="0"/>
+          </a:p>
+          <a:p>
+            <a:pPr marL="0" marR="0" lvl="0" indent="0" algn="l" defTabSz="914400" rtl="0" eaLnBrk="1" fontAlgn="auto" latinLnBrk="0" hangingPunct="1">
+              <a:lnSpc>
+                <a:spcPct val="100000"/>
+              </a:lnSpc>
+              <a:spcBef>
+                <a:spcPts val="0"/>
+              </a:spcBef>
+              <a:spcAft>
+                <a:spcPts val="0"/>
+              </a:spcAft>
+              <a:buClrTx/>
+              <a:buSzTx/>
+              <a:buFontTx/>
+              <a:buNone/>
+              <a:tabLst/>
+              <a:defRPr/>
+            </a:pPr>
+            <a:r>
+              <a:rPr lang="zh-CN" altLang="en-US" dirty="0"/>
+              <a:t>对字符串哈希可以把</a:t>
             </a:r>
             <a:r>
               <a:rPr lang="en-US" altLang="zh-CN" dirty="0"/>
-              <a:t>.</a:t>
-            </a:r>
-          </a:p>
-          <a:p>
-            <a:r>
-              <a:rPr lang="zh-CN" altLang="en-US" dirty="0"/>
-              <a:t>我们结合常规两个栈的方式和</a:t>
+              <a:t>ascii</a:t>
+            </a:r>
+            <a:r>
+              <a:rPr lang="zh-CN" altLang="en-US" dirty="0"/>
+              <a:t>码加起来，这里用的</a:t>
             </a:r>
             <a:r>
               <a:rPr lang="en-US" altLang="zh-CN" dirty="0"/>
-              <a:t>Pratt</a:t>
-            </a:r>
-            <a:r>
-              <a:rPr lang="zh-CN" altLang="en-US" dirty="0"/>
-              <a:t>的方式来看</a:t>
+              <a:t>fnv-1a</a:t>
+            </a:r>
+            <a:r>
+              <a:rPr lang="zh-CN" altLang="en-US" dirty="0"/>
+              <a:t>是直接</a:t>
+            </a:r>
+            <a:r>
+              <a:rPr lang="en-US" altLang="zh-CN" dirty="0"/>
+              <a:t>copy</a:t>
+            </a:r>
+            <a:r>
+              <a:rPr lang="zh-CN" altLang="en-US" dirty="0"/>
+              <a:t>的</a:t>
             </a:r>
             <a:endParaRPr lang="en-US" altLang="zh-CN" dirty="0"/>
+          </a:p>
+          <a:p>
+            <a:pPr marL="0" marR="0" lvl="0" indent="0" algn="l" defTabSz="914400" rtl="0" eaLnBrk="1" fontAlgn="auto" latinLnBrk="0" hangingPunct="1">
+              <a:lnSpc>
+                <a:spcPct val="100000"/>
+              </a:lnSpc>
+              <a:spcBef>
+                <a:spcPts val="0"/>
+              </a:spcBef>
+              <a:spcAft>
+                <a:spcPts val="0"/>
+              </a:spcAft>
+              <a:buClrTx/>
+              <a:buSzTx/>
+              <a:buFontTx/>
+              <a:buNone/>
+              <a:tabLst/>
+              <a:defRPr/>
+            </a:pPr>
+            <a:endParaRPr lang="zh-CN" altLang="en-US" dirty="0"/>
+          </a:p>
+          <a:p>
+            <a:endParaRPr lang="zh-CN" altLang="en-US" dirty="0"/>
           </a:p>
         </p:txBody>
       </p:sp>
@@ -3095,7 +4175,7 @@
           <a:p>
             <a:fld id="{A8F9E7B9-BE53-4F4B-9973-FE3C627EB8F7}" type="slidenum">
               <a:rPr lang="zh-CN" altLang="en-US" smtClean="0"/>
-              <a:t>16</a:t>
+              <a:t>8</a:t>
             </a:fld>
             <a:endParaRPr lang="zh-CN" altLang="en-US"/>
           </a:p>
@@ -3104,7 +4184,7 @@
     </p:spTree>
     <p:extLst>
       <p:ext uri="{BB962C8B-B14F-4D97-AF65-F5344CB8AC3E}">
-        <p14:creationId xmlns:p14="http://schemas.microsoft.com/office/powerpoint/2010/main" val="3207282251"/>
+        <p14:creationId xmlns:p14="http://schemas.microsoft.com/office/powerpoint/2010/main" val="26058514"/>
       </p:ext>
     </p:extLst>
   </p:cSld>
@@ -3160,22 +4240,30 @@
           <a:p>
             <a:r>
               <a:rPr lang="zh-CN" altLang="en-US" dirty="0"/>
-              <a:t>开始从最低优先级起步</a:t>
+              <a:t>假设我们有有一个墓碑的哈希表，插入新的</a:t>
+            </a:r>
+            <a:r>
+              <a:rPr lang="en-US" altLang="zh-CN" dirty="0"/>
+              <a:t>entry</a:t>
+            </a:r>
+            <a:r>
+              <a:rPr lang="zh-CN" altLang="en-US" dirty="0"/>
+              <a:t>，由于开放地址会直接插入到墓碑这里，如果索引是</a:t>
+            </a:r>
+            <a:r>
+              <a:rPr lang="en-US" altLang="zh-CN" dirty="0"/>
+              <a:t>2</a:t>
+            </a:r>
+            <a:r>
+              <a:rPr lang="zh-CN" altLang="en-US" dirty="0"/>
+              <a:t>，再插入要进行增长，增长会将整个哈希表的条目重新插入到新的数组之中。</a:t>
             </a:r>
             <a:endParaRPr lang="en-US" altLang="zh-CN" dirty="0"/>
           </a:p>
           <a:p>
             <a:r>
               <a:rPr lang="zh-CN" altLang="en-US" dirty="0"/>
-              <a:t>注：</a:t>
-            </a:r>
-            <a:r>
-              <a:rPr lang="en-US" altLang="zh-CN" dirty="0"/>
-              <a:t>Pratt</a:t>
-            </a:r>
-            <a:r>
-              <a:rPr lang="zh-CN" altLang="en-US" dirty="0"/>
-              <a:t>将数字，取负，取否设定为前缀</a:t>
+              <a:t>开销转移，这一个思路在后面一个优化过程中也用到了</a:t>
             </a:r>
           </a:p>
         </p:txBody>
@@ -3197,7 +4285,7 @@
           <a:p>
             <a:fld id="{A8F9E7B9-BE53-4F4B-9973-FE3C627EB8F7}" type="slidenum">
               <a:rPr lang="zh-CN" altLang="en-US" smtClean="0"/>
-              <a:t>17</a:t>
+              <a:t>9</a:t>
             </a:fld>
             <a:endParaRPr lang="zh-CN" altLang="en-US"/>
           </a:p>
@@ -3206,7 +4294,7 @@
     </p:spTree>
     <p:extLst>
       <p:ext uri="{BB962C8B-B14F-4D97-AF65-F5344CB8AC3E}">
-        <p14:creationId xmlns:p14="http://schemas.microsoft.com/office/powerpoint/2010/main" val="1298742173"/>
+        <p14:creationId xmlns:p14="http://schemas.microsoft.com/office/powerpoint/2010/main" val="4281481665"/>
       </p:ext>
     </p:extLst>
   </p:cSld>
@@ -3262,22 +4350,7 @@
           <a:p>
             <a:r>
               <a:rPr lang="zh-CN" altLang="en-US" dirty="0"/>
-              <a:t>开始从最低优先级起步</a:t>
-            </a:r>
-            <a:endParaRPr lang="en-US" altLang="zh-CN" dirty="0"/>
-          </a:p>
-          <a:p>
-            <a:r>
-              <a:rPr lang="zh-CN" altLang="en-US" dirty="0"/>
-              <a:t>注：</a:t>
-            </a:r>
-            <a:r>
-              <a:rPr lang="en-US" altLang="zh-CN" dirty="0"/>
-              <a:t>Pratt</a:t>
-            </a:r>
-            <a:r>
-              <a:rPr lang="zh-CN" altLang="en-US" dirty="0"/>
-              <a:t>将数字，取负，取否设定为前缀</a:t>
+              <a:t>因为是一个数据结构的课程，所以我们主要介绍实现的时候使用到的数据结构以及一些简单的思路，具体理论我们就不做描述了。</a:t>
             </a:r>
           </a:p>
         </p:txBody>
@@ -3299,7 +4372,7 @@
           <a:p>
             <a:fld id="{A8F9E7B9-BE53-4F4B-9973-FE3C627EB8F7}" type="slidenum">
               <a:rPr lang="zh-CN" altLang="en-US" smtClean="0"/>
-              <a:t>18</a:t>
+              <a:t>10</a:t>
             </a:fld>
             <a:endParaRPr lang="zh-CN" altLang="en-US"/>
           </a:p>
@@ -3308,7 +4381,7 @@
     </p:spTree>
     <p:extLst>
       <p:ext uri="{BB962C8B-B14F-4D97-AF65-F5344CB8AC3E}">
-        <p14:creationId xmlns:p14="http://schemas.microsoft.com/office/powerpoint/2010/main" val="2877552737"/>
+        <p14:creationId xmlns:p14="http://schemas.microsoft.com/office/powerpoint/2010/main" val="4012046778"/>
       </p:ext>
     </p:extLst>
   </p:cSld>
@@ -3465,7 +4538,7 @@
           <a:p>
             <a:fld id="{80C90489-0F2E-471C-A6A9-D09FFAE2E9E8}" type="datetimeFigureOut">
               <a:rPr lang="zh-CN" altLang="en-US" smtClean="0"/>
-              <a:t>2023-05-29</a:t>
+              <a:t>2023-06-05</a:t>
             </a:fld>
             <a:endParaRPr lang="zh-CN" altLang="en-US"/>
           </a:p>
@@ -3663,7 +4736,7 @@
           <a:p>
             <a:fld id="{80C90489-0F2E-471C-A6A9-D09FFAE2E9E8}" type="datetimeFigureOut">
               <a:rPr lang="zh-CN" altLang="en-US" smtClean="0"/>
-              <a:t>2023-05-29</a:t>
+              <a:t>2023-06-05</a:t>
             </a:fld>
             <a:endParaRPr lang="zh-CN" altLang="en-US"/>
           </a:p>
@@ -3871,7 +4944,7 @@
           <a:p>
             <a:fld id="{80C90489-0F2E-471C-A6A9-D09FFAE2E9E8}" type="datetimeFigureOut">
               <a:rPr lang="zh-CN" altLang="en-US" smtClean="0"/>
-              <a:t>2023-05-29</a:t>
+              <a:t>2023-06-05</a:t>
             </a:fld>
             <a:endParaRPr lang="zh-CN" altLang="en-US"/>
           </a:p>
@@ -4069,7 +5142,7 @@
           <a:p>
             <a:fld id="{80C90489-0F2E-471C-A6A9-D09FFAE2E9E8}" type="datetimeFigureOut">
               <a:rPr lang="zh-CN" altLang="en-US" smtClean="0"/>
-              <a:t>2023-05-29</a:t>
+              <a:t>2023-06-05</a:t>
             </a:fld>
             <a:endParaRPr lang="zh-CN" altLang="en-US"/>
           </a:p>
@@ -4344,7 +5417,7 @@
           <a:p>
             <a:fld id="{80C90489-0F2E-471C-A6A9-D09FFAE2E9E8}" type="datetimeFigureOut">
               <a:rPr lang="zh-CN" altLang="en-US" smtClean="0"/>
-              <a:t>2023-05-29</a:t>
+              <a:t>2023-06-05</a:t>
             </a:fld>
             <a:endParaRPr lang="zh-CN" altLang="en-US"/>
           </a:p>
@@ -4609,7 +5682,7 @@
           <a:p>
             <a:fld id="{80C90489-0F2E-471C-A6A9-D09FFAE2E9E8}" type="datetimeFigureOut">
               <a:rPr lang="zh-CN" altLang="en-US" smtClean="0"/>
-              <a:t>2023-05-29</a:t>
+              <a:t>2023-06-05</a:t>
             </a:fld>
             <a:endParaRPr lang="zh-CN" altLang="en-US"/>
           </a:p>
@@ -5021,7 +6094,7 @@
           <a:p>
             <a:fld id="{80C90489-0F2E-471C-A6A9-D09FFAE2E9E8}" type="datetimeFigureOut">
               <a:rPr lang="zh-CN" altLang="en-US" smtClean="0"/>
-              <a:t>2023-05-29</a:t>
+              <a:t>2023-06-05</a:t>
             </a:fld>
             <a:endParaRPr lang="zh-CN" altLang="en-US"/>
           </a:p>
@@ -5162,7 +6235,7 @@
           <a:p>
             <a:fld id="{80C90489-0F2E-471C-A6A9-D09FFAE2E9E8}" type="datetimeFigureOut">
               <a:rPr lang="zh-CN" altLang="en-US" smtClean="0"/>
-              <a:t>2023-05-29</a:t>
+              <a:t>2023-06-05</a:t>
             </a:fld>
             <a:endParaRPr lang="zh-CN" altLang="en-US"/>
           </a:p>
@@ -5275,7 +6348,7 @@
           <a:p>
             <a:fld id="{80C90489-0F2E-471C-A6A9-D09FFAE2E9E8}" type="datetimeFigureOut">
               <a:rPr lang="zh-CN" altLang="en-US" smtClean="0"/>
-              <a:t>2023-05-29</a:t>
+              <a:t>2023-06-05</a:t>
             </a:fld>
             <a:endParaRPr lang="zh-CN" altLang="en-US"/>
           </a:p>
@@ -5586,7 +6659,7 @@
           <a:p>
             <a:fld id="{80C90489-0F2E-471C-A6A9-D09FFAE2E9E8}" type="datetimeFigureOut">
               <a:rPr lang="zh-CN" altLang="en-US" smtClean="0"/>
-              <a:t>2023-05-29</a:t>
+              <a:t>2023-06-05</a:t>
             </a:fld>
             <a:endParaRPr lang="zh-CN" altLang="en-US"/>
           </a:p>
@@ -5874,7 +6947,7 @@
           <a:p>
             <a:fld id="{80C90489-0F2E-471C-A6A9-D09FFAE2E9E8}" type="datetimeFigureOut">
               <a:rPr lang="zh-CN" altLang="en-US" smtClean="0"/>
-              <a:t>2023-05-29</a:t>
+              <a:t>2023-06-05</a:t>
             </a:fld>
             <a:endParaRPr lang="zh-CN" altLang="en-US"/>
           </a:p>
@@ -6115,7 +7188,7 @@
           <a:p>
             <a:fld id="{80C90489-0F2E-471C-A6A9-D09FFAE2E9E8}" type="datetimeFigureOut">
               <a:rPr lang="zh-CN" altLang="en-US" smtClean="0"/>
-              <a:t>2023-05-29</a:t>
+              <a:t>2023-06-05</a:t>
             </a:fld>
             <a:endParaRPr lang="zh-CN" altLang="en-US"/>
           </a:p>
@@ -6630,566 +7703,6 @@
           <p:cNvPr id="2" name="标题 1">
             <a:extLst>
               <a:ext uri="{FF2B5EF4-FFF2-40B4-BE49-F238E27FC236}">
-                <a16:creationId xmlns:a16="http://schemas.microsoft.com/office/drawing/2014/main" id="{9C11809C-EF7A-7E9B-7B2D-8EC751609C1D}"/>
-              </a:ext>
-            </a:extLst>
-          </p:cNvPr>
-          <p:cNvSpPr>
-            <a:spLocks noGrp="1"/>
-          </p:cNvSpPr>
-          <p:nvPr>
-            <p:ph type="title"/>
-          </p:nvPr>
-        </p:nvSpPr>
-        <p:spPr/>
-        <p:txBody>
-          <a:bodyPr/>
-          <a:lstStyle/>
-          <a:p>
-            <a:r>
-              <a:rPr lang="en-US" altLang="zh-CN" dirty="0"/>
-              <a:t>2.</a:t>
-            </a:r>
-            <a:r>
-              <a:rPr lang="zh-CN" altLang="en-US" dirty="0"/>
-              <a:t>有意思的实现</a:t>
-            </a:r>
-            <a:r>
-              <a:rPr lang="en-US" altLang="zh-CN" dirty="0"/>
-              <a:t>1——</a:t>
-            </a:r>
-            <a:r>
-              <a:rPr lang="zh-CN" altLang="en-US" dirty="0"/>
-              <a:t>字符串驻留</a:t>
-            </a:r>
-          </a:p>
-        </p:txBody>
-      </p:sp>
-      <p:sp>
-        <p:nvSpPr>
-          <p:cNvPr id="3" name="内容占位符 2">
-            <a:extLst>
-              <a:ext uri="{FF2B5EF4-FFF2-40B4-BE49-F238E27FC236}">
-                <a16:creationId xmlns:a16="http://schemas.microsoft.com/office/drawing/2014/main" id="{82C0CDC8-8AB5-A74A-1C82-E8DAA6CC88A1}"/>
-              </a:ext>
-            </a:extLst>
-          </p:cNvPr>
-          <p:cNvSpPr>
-            <a:spLocks noGrp="1"/>
-          </p:cNvSpPr>
-          <p:nvPr>
-            <p:ph idx="1"/>
-          </p:nvPr>
-        </p:nvSpPr>
-        <p:spPr/>
-        <p:txBody>
-          <a:bodyPr/>
-          <a:lstStyle/>
-          <a:p>
-            <a:pPr marL="0" indent="0">
-              <a:buNone/>
-            </a:pPr>
-            <a:r>
-              <a:rPr lang="zh-CN" altLang="en-US" dirty="0"/>
-              <a:t>字符串驻留：让所有相同的字符串都指向同一个内存地址，比较的时候直接判断指针变量是否相同。</a:t>
-            </a:r>
-            <a:endParaRPr lang="en-US" altLang="zh-CN" dirty="0"/>
-          </a:p>
-          <a:p>
-            <a:pPr marL="0" indent="0">
-              <a:buNone/>
-            </a:pPr>
-            <a:r>
-              <a:rPr lang="zh-CN" altLang="en-US" dirty="0"/>
-              <a:t>因此，额外维护一个哈希表，在声明变量（就是要插入一个字符串）的时候，在哈希表中直接查找有没有已存在的相同值的字符串，如果存在，直接返回那个字符串的地址。即实现一个哈希集合。</a:t>
-            </a:r>
-            <a:endParaRPr lang="en-US" altLang="zh-CN" dirty="0"/>
-          </a:p>
-          <a:p>
-            <a:pPr marL="0" indent="0">
-              <a:buNone/>
-            </a:pPr>
-            <a:endParaRPr lang="en-US" altLang="zh-CN" dirty="0"/>
-          </a:p>
-          <a:p>
-            <a:pPr marL="0" indent="0">
-              <a:buNone/>
-            </a:pPr>
-            <a:r>
-              <a:rPr lang="zh-CN" altLang="en-US" dirty="0"/>
-              <a:t>实际上我认为只是将查找比较的</a:t>
-            </a:r>
-            <a:endParaRPr lang="en-US" altLang="zh-CN" dirty="0"/>
-          </a:p>
-          <a:p>
-            <a:pPr marL="0" indent="0">
-              <a:buNone/>
-            </a:pPr>
-            <a:r>
-              <a:rPr lang="zh-CN" altLang="en-US" b="1" dirty="0"/>
-              <a:t>开销转移</a:t>
-            </a:r>
-            <a:r>
-              <a:rPr lang="zh-CN" altLang="en-US" dirty="0"/>
-              <a:t>到插入时比较的开销了，</a:t>
-            </a:r>
-            <a:endParaRPr lang="en-US" altLang="zh-CN" dirty="0"/>
-          </a:p>
-          <a:p>
-            <a:pPr marL="0" indent="0">
-              <a:buNone/>
-            </a:pPr>
-            <a:r>
-              <a:rPr lang="zh-CN" altLang="en-US" dirty="0"/>
-              <a:t>效率没有提高，主要是解决占用。</a:t>
-            </a:r>
-          </a:p>
-        </p:txBody>
-      </p:sp>
-      <p:pic>
-        <p:nvPicPr>
-          <p:cNvPr id="7" name="图片 6">
-            <a:extLst>
-              <a:ext uri="{FF2B5EF4-FFF2-40B4-BE49-F238E27FC236}">
-                <a16:creationId xmlns:a16="http://schemas.microsoft.com/office/drawing/2014/main" id="{14CAB348-B862-9C0A-8388-A9BC0FC300C4}"/>
-              </a:ext>
-            </a:extLst>
-          </p:cNvPr>
-          <p:cNvPicPr>
-            <a:picLocks noChangeAspect="1"/>
-          </p:cNvPicPr>
-          <p:nvPr/>
-        </p:nvPicPr>
-        <p:blipFill>
-          <a:blip r:embed="rId2"/>
-          <a:stretch>
-            <a:fillRect/>
-          </a:stretch>
-        </p:blipFill>
-        <p:spPr>
-          <a:xfrm>
-            <a:off x="6166022" y="3942872"/>
-            <a:ext cx="4771711" cy="2234091"/>
-          </a:xfrm>
-          <a:prstGeom prst="rect">
-            <a:avLst/>
-          </a:prstGeom>
-        </p:spPr>
-      </p:pic>
-    </p:spTree>
-    <p:extLst>
-      <p:ext uri="{BB962C8B-B14F-4D97-AF65-F5344CB8AC3E}">
-        <p14:creationId xmlns:p14="http://schemas.microsoft.com/office/powerpoint/2010/main" val="629605884"/>
-      </p:ext>
-    </p:extLst>
-  </p:cSld>
-  <p:clrMapOvr>
-    <a:masterClrMapping/>
-  </p:clrMapOvr>
-</p:sld>
-</file>
-
-<file path=ppt/slides/slide11.xml><?xml version="1.0" encoding="utf-8"?>
-<p:sld xmlns:a="http://schemas.openxmlformats.org/drawingml/2006/main" xmlns:r="http://schemas.openxmlformats.org/officeDocument/2006/relationships" xmlns:p="http://schemas.openxmlformats.org/presentationml/2006/main">
-  <p:cSld>
-    <p:spTree>
-      <p:nvGrpSpPr>
-        <p:cNvPr id="1" name=""/>
-        <p:cNvGrpSpPr/>
-        <p:nvPr/>
-      </p:nvGrpSpPr>
-      <p:grpSpPr>
-        <a:xfrm>
-          <a:off x="0" y="0"/>
-          <a:ext cx="0" cy="0"/>
-          <a:chOff x="0" y="0"/>
-          <a:chExt cx="0" cy="0"/>
-        </a:xfrm>
-      </p:grpSpPr>
-      <p:sp>
-        <p:nvSpPr>
-          <p:cNvPr id="2" name="标题 1">
-            <a:extLst>
-              <a:ext uri="{FF2B5EF4-FFF2-40B4-BE49-F238E27FC236}">
-                <a16:creationId xmlns:a16="http://schemas.microsoft.com/office/drawing/2014/main" id="{0530F799-F884-0299-4293-36982D3BC96A}"/>
-              </a:ext>
-            </a:extLst>
-          </p:cNvPr>
-          <p:cNvSpPr>
-            <a:spLocks noGrp="1"/>
-          </p:cNvSpPr>
-          <p:nvPr>
-            <p:ph type="title"/>
-          </p:nvPr>
-        </p:nvSpPr>
-        <p:spPr/>
-        <p:txBody>
-          <a:bodyPr/>
-          <a:lstStyle/>
-          <a:p>
-            <a:r>
-              <a:rPr lang="en-US" altLang="zh-CN" dirty="0"/>
-              <a:t>2. </a:t>
-            </a:r>
-            <a:r>
-              <a:rPr lang="zh-CN" altLang="en-US" dirty="0"/>
-              <a:t>有意思的实现</a:t>
-            </a:r>
-            <a:r>
-              <a:rPr lang="en-US" altLang="zh-CN" dirty="0"/>
-              <a:t>2——</a:t>
-            </a:r>
-            <a:r>
-              <a:rPr lang="zh-CN" altLang="en-US" dirty="0"/>
-              <a:t>继承</a:t>
-            </a:r>
-          </a:p>
-        </p:txBody>
-      </p:sp>
-      <p:sp>
-        <p:nvSpPr>
-          <p:cNvPr id="3" name="内容占位符 2">
-            <a:extLst>
-              <a:ext uri="{FF2B5EF4-FFF2-40B4-BE49-F238E27FC236}">
-                <a16:creationId xmlns:a16="http://schemas.microsoft.com/office/drawing/2014/main" id="{F7C3FBE6-2C67-C358-1DDC-BE1D4C748321}"/>
-              </a:ext>
-            </a:extLst>
-          </p:cNvPr>
-          <p:cNvSpPr>
-            <a:spLocks noGrp="1"/>
-          </p:cNvSpPr>
-          <p:nvPr>
-            <p:ph idx="1"/>
-          </p:nvPr>
-        </p:nvSpPr>
-        <p:spPr/>
-        <p:txBody>
-          <a:bodyPr/>
-          <a:lstStyle/>
-          <a:p>
-            <a:pPr marL="0" indent="0">
-              <a:buNone/>
-            </a:pPr>
-            <a:r>
-              <a:rPr lang="en-US" altLang="zh-CN" dirty="0"/>
-              <a:t>OO</a:t>
-            </a:r>
-            <a:r>
-              <a:rPr lang="zh-CN" altLang="en-US" dirty="0"/>
-              <a:t>是一个很不错的设计方法，没有它很多东西就会变得复杂。</a:t>
-            </a:r>
-            <a:endParaRPr lang="en-US" altLang="zh-CN" dirty="0"/>
-          </a:p>
-          <a:p>
-            <a:pPr marL="0" indent="0">
-              <a:buNone/>
-            </a:pPr>
-            <a:endParaRPr lang="en-US" altLang="zh-CN" dirty="0"/>
-          </a:p>
-          <a:p>
-            <a:pPr marL="0" indent="0">
-              <a:buNone/>
-            </a:pPr>
-            <a:r>
-              <a:rPr lang="zh-CN" altLang="en-US" dirty="0"/>
-              <a:t>就比如值对象（</a:t>
-            </a:r>
-            <a:r>
-              <a:rPr lang="en-US" altLang="zh-CN" dirty="0" err="1"/>
-              <a:t>bool,num,nil.string,function</a:t>
-            </a:r>
-            <a:r>
-              <a:rPr lang="zh-CN" altLang="en-US" dirty="0"/>
-              <a:t>），要放在一个结构体里，操作就要针对每一个不同的类型构造一个函数，这样很不好，增加了代码的复杂度。</a:t>
-            </a:r>
-            <a:endParaRPr lang="en-US" altLang="zh-CN" dirty="0"/>
-          </a:p>
-          <a:p>
-            <a:pPr marL="0" indent="0">
-              <a:buNone/>
-            </a:pPr>
-            <a:endParaRPr lang="en-US" altLang="zh-CN" dirty="0"/>
-          </a:p>
-          <a:p>
-            <a:pPr marL="0" indent="0">
-              <a:buNone/>
-            </a:pPr>
-            <a:r>
-              <a:rPr lang="zh-CN" altLang="en-US" dirty="0"/>
-              <a:t>如果有了继承，代码复杂度就会降低，会更加易读。</a:t>
-            </a:r>
-            <a:endParaRPr lang="en-US" altLang="zh-CN" dirty="0"/>
-          </a:p>
-          <a:p>
-            <a:pPr marL="0" indent="0">
-              <a:buNone/>
-            </a:pPr>
-            <a:endParaRPr lang="en-US" altLang="zh-CN" dirty="0"/>
-          </a:p>
-          <a:p>
-            <a:pPr marL="0" indent="0">
-              <a:buNone/>
-            </a:pPr>
-            <a:r>
-              <a:rPr lang="zh-CN" altLang="en-US" dirty="0"/>
-              <a:t>那么如何在</a:t>
-            </a:r>
-            <a:r>
-              <a:rPr lang="en-US" altLang="zh-CN" dirty="0"/>
-              <a:t>C</a:t>
-            </a:r>
-            <a:r>
-              <a:rPr lang="zh-CN" altLang="en-US" dirty="0"/>
-              <a:t>中使用一点简单的继承？</a:t>
-            </a:r>
-            <a:endParaRPr lang="en-US" altLang="zh-CN" dirty="0"/>
-          </a:p>
-          <a:p>
-            <a:pPr marL="0" indent="0">
-              <a:buNone/>
-            </a:pPr>
-            <a:endParaRPr lang="en-US" altLang="zh-CN" dirty="0"/>
-          </a:p>
-          <a:p>
-            <a:pPr marL="0" indent="0">
-              <a:buNone/>
-            </a:pPr>
-            <a:endParaRPr lang="en-US" altLang="zh-CN" dirty="0"/>
-          </a:p>
-          <a:p>
-            <a:pPr marL="0" indent="0">
-              <a:buNone/>
-            </a:pPr>
-            <a:endParaRPr lang="en-US" altLang="zh-CN" dirty="0"/>
-          </a:p>
-        </p:txBody>
-      </p:sp>
-    </p:spTree>
-    <p:extLst>
-      <p:ext uri="{BB962C8B-B14F-4D97-AF65-F5344CB8AC3E}">
-        <p14:creationId xmlns:p14="http://schemas.microsoft.com/office/powerpoint/2010/main" val="3965533416"/>
-      </p:ext>
-    </p:extLst>
-  </p:cSld>
-  <p:clrMapOvr>
-    <a:masterClrMapping/>
-  </p:clrMapOvr>
-</p:sld>
-</file>
-
-<file path=ppt/slides/slide12.xml><?xml version="1.0" encoding="utf-8"?>
-<p:sld xmlns:a="http://schemas.openxmlformats.org/drawingml/2006/main" xmlns:r="http://schemas.openxmlformats.org/officeDocument/2006/relationships" xmlns:p="http://schemas.openxmlformats.org/presentationml/2006/main">
-  <p:cSld>
-    <p:spTree>
-      <p:nvGrpSpPr>
-        <p:cNvPr id="1" name=""/>
-        <p:cNvGrpSpPr/>
-        <p:nvPr/>
-      </p:nvGrpSpPr>
-      <p:grpSpPr>
-        <a:xfrm>
-          <a:off x="0" y="0"/>
-          <a:ext cx="0" cy="0"/>
-          <a:chOff x="0" y="0"/>
-          <a:chExt cx="0" cy="0"/>
-        </a:xfrm>
-      </p:grpSpPr>
-      <p:sp>
-        <p:nvSpPr>
-          <p:cNvPr id="2" name="标题 1">
-            <a:extLst>
-              <a:ext uri="{FF2B5EF4-FFF2-40B4-BE49-F238E27FC236}">
-                <a16:creationId xmlns:a16="http://schemas.microsoft.com/office/drawing/2014/main" id="{D3815454-C341-BBDE-EC25-D4E05AD499E1}"/>
-              </a:ext>
-            </a:extLst>
-          </p:cNvPr>
-          <p:cNvSpPr>
-            <a:spLocks noGrp="1"/>
-          </p:cNvSpPr>
-          <p:nvPr>
-            <p:ph type="title"/>
-          </p:nvPr>
-        </p:nvSpPr>
-        <p:spPr/>
-        <p:txBody>
-          <a:bodyPr/>
-          <a:lstStyle/>
-          <a:p>
-            <a:r>
-              <a:rPr lang="en-US" altLang="zh-CN" dirty="0"/>
-              <a:t>2. </a:t>
-            </a:r>
-            <a:r>
-              <a:rPr lang="zh-CN" altLang="en-US" dirty="0"/>
-              <a:t>有意思的实现</a:t>
-            </a:r>
-            <a:r>
-              <a:rPr lang="en-US" altLang="zh-CN" dirty="0"/>
-              <a:t>2——</a:t>
-            </a:r>
-            <a:r>
-              <a:rPr lang="zh-CN" altLang="en-US" dirty="0"/>
-              <a:t>继承</a:t>
-            </a:r>
-          </a:p>
-        </p:txBody>
-      </p:sp>
-      <p:sp>
-        <p:nvSpPr>
-          <p:cNvPr id="3" name="内容占位符 2">
-            <a:extLst>
-              <a:ext uri="{FF2B5EF4-FFF2-40B4-BE49-F238E27FC236}">
-                <a16:creationId xmlns:a16="http://schemas.microsoft.com/office/drawing/2014/main" id="{4973F585-2545-5A5A-B4EF-214DA75E638F}"/>
-              </a:ext>
-            </a:extLst>
-          </p:cNvPr>
-          <p:cNvSpPr>
-            <a:spLocks noGrp="1"/>
-          </p:cNvSpPr>
-          <p:nvPr>
-            <p:ph idx="1"/>
-          </p:nvPr>
-        </p:nvSpPr>
-        <p:spPr/>
-        <p:txBody>
-          <a:bodyPr/>
-          <a:lstStyle/>
-          <a:p>
-            <a:pPr marL="0" indent="0">
-              <a:buNone/>
-            </a:pPr>
-            <a:r>
-              <a:rPr lang="zh-CN" altLang="en-US" dirty="0"/>
-              <a:t>一个具体实现的小例子：</a:t>
-            </a:r>
-            <a:endParaRPr lang="en-US" altLang="zh-CN" dirty="0"/>
-          </a:p>
-          <a:p>
-            <a:pPr marL="0" indent="0">
-              <a:buNone/>
-            </a:pPr>
-            <a:r>
-              <a:rPr lang="zh-CN" altLang="en-US" dirty="0"/>
-              <a:t>结构体中的元素在内存空间是连续且</a:t>
-            </a:r>
-            <a:endParaRPr lang="en-US" altLang="zh-CN" dirty="0"/>
-          </a:p>
-          <a:p>
-            <a:pPr marL="0" indent="0">
-              <a:buNone/>
-            </a:pPr>
-            <a:r>
-              <a:rPr lang="zh-CN" altLang="en-US" dirty="0"/>
-              <a:t>有顺序的。</a:t>
-            </a:r>
-            <a:endParaRPr lang="en-US" altLang="zh-CN" dirty="0"/>
-          </a:p>
-          <a:p>
-            <a:pPr marL="0" indent="0">
-              <a:buNone/>
-            </a:pPr>
-            <a:r>
-              <a:rPr lang="zh-CN" altLang="en-US" dirty="0"/>
-              <a:t>要使用直接转变指针的类型。</a:t>
-            </a:r>
-          </a:p>
-        </p:txBody>
-      </p:sp>
-      <p:pic>
-        <p:nvPicPr>
-          <p:cNvPr id="5" name="图片 4">
-            <a:extLst>
-              <a:ext uri="{FF2B5EF4-FFF2-40B4-BE49-F238E27FC236}">
-                <a16:creationId xmlns:a16="http://schemas.microsoft.com/office/drawing/2014/main" id="{BCC6D0B3-72C5-B58B-682B-BAFDDC67E4B0}"/>
-              </a:ext>
-            </a:extLst>
-          </p:cNvPr>
-          <p:cNvPicPr>
-            <a:picLocks noChangeAspect="1"/>
-          </p:cNvPicPr>
-          <p:nvPr/>
-        </p:nvPicPr>
-        <p:blipFill>
-          <a:blip r:embed="rId2"/>
-          <a:stretch>
-            <a:fillRect/>
-          </a:stretch>
-        </p:blipFill>
-        <p:spPr>
-          <a:xfrm>
-            <a:off x="7160711" y="1690688"/>
-            <a:ext cx="3943553" cy="4026107"/>
-          </a:xfrm>
-          <a:prstGeom prst="rect">
-            <a:avLst/>
-          </a:prstGeom>
-        </p:spPr>
-      </p:pic>
-      <p:pic>
-        <p:nvPicPr>
-          <p:cNvPr id="7" name="图片 6">
-            <a:extLst>
-              <a:ext uri="{FF2B5EF4-FFF2-40B4-BE49-F238E27FC236}">
-                <a16:creationId xmlns:a16="http://schemas.microsoft.com/office/drawing/2014/main" id="{A04AADF2-83F9-E71E-DA29-52A097F46F80}"/>
-              </a:ext>
-            </a:extLst>
-          </p:cNvPr>
-          <p:cNvPicPr>
-            <a:picLocks noChangeAspect="1"/>
-          </p:cNvPicPr>
-          <p:nvPr/>
-        </p:nvPicPr>
-        <p:blipFill>
-          <a:blip r:embed="rId3"/>
-          <a:stretch>
-            <a:fillRect/>
-          </a:stretch>
-        </p:blipFill>
-        <p:spPr>
-          <a:xfrm>
-            <a:off x="3700315" y="3964105"/>
-            <a:ext cx="3460396" cy="1628628"/>
-          </a:xfrm>
-          <a:prstGeom prst="rect">
-            <a:avLst/>
-          </a:prstGeom>
-        </p:spPr>
-      </p:pic>
-    </p:spTree>
-    <p:extLst>
-      <p:ext uri="{BB962C8B-B14F-4D97-AF65-F5344CB8AC3E}">
-        <p14:creationId xmlns:p14="http://schemas.microsoft.com/office/powerpoint/2010/main" val="3234477265"/>
-      </p:ext>
-    </p:extLst>
-  </p:cSld>
-  <p:clrMapOvr>
-    <a:masterClrMapping/>
-  </p:clrMapOvr>
-</p:sld>
-</file>
-
-<file path=ppt/slides/slide13.xml><?xml version="1.0" encoding="utf-8"?>
-<p:sld xmlns:a="http://schemas.openxmlformats.org/drawingml/2006/main" xmlns:r="http://schemas.openxmlformats.org/officeDocument/2006/relationships" xmlns:p="http://schemas.openxmlformats.org/presentationml/2006/main">
-  <p:cSld>
-    <p:spTree>
-      <p:nvGrpSpPr>
-        <p:cNvPr id="1" name=""/>
-        <p:cNvGrpSpPr/>
-        <p:nvPr/>
-      </p:nvGrpSpPr>
-      <p:grpSpPr>
-        <a:xfrm>
-          <a:off x="0" y="0"/>
-          <a:ext cx="0" cy="0"/>
-          <a:chOff x="0" y="0"/>
-          <a:chExt cx="0" cy="0"/>
-        </a:xfrm>
-      </p:grpSpPr>
-      <p:sp>
-        <p:nvSpPr>
-          <p:cNvPr id="2" name="标题 1">
-            <a:extLst>
-              <a:ext uri="{FF2B5EF4-FFF2-40B4-BE49-F238E27FC236}">
                 <a16:creationId xmlns:a16="http://schemas.microsoft.com/office/drawing/2014/main" id="{79C9BA27-18D5-DBF6-2372-84BB84ABC648}"/>
               </a:ext>
             </a:extLst>
@@ -7334,7 +7847,7 @@
 </p:sld>
 </file>
 
-<file path=ppt/slides/slide14.xml><?xml version="1.0" encoding="utf-8"?>
+<file path=ppt/slides/slide11.xml><?xml version="1.0" encoding="utf-8"?>
 <p:sld xmlns:a="http://schemas.openxmlformats.org/drawingml/2006/main" xmlns:r="http://schemas.openxmlformats.org/officeDocument/2006/relationships" xmlns:p="http://schemas.openxmlformats.org/presentationml/2006/main">
   <p:cSld>
     <p:spTree>
@@ -7540,7 +8053,7 @@
 </p:sld>
 </file>
 
-<file path=ppt/slides/slide15.xml><?xml version="1.0" encoding="utf-8"?>
+<file path=ppt/slides/slide12.xml><?xml version="1.0" encoding="utf-8"?>
 <p:sld xmlns:a="http://schemas.openxmlformats.org/drawingml/2006/main" xmlns:r="http://schemas.openxmlformats.org/officeDocument/2006/relationships" xmlns:p="http://schemas.openxmlformats.org/presentationml/2006/main">
   <p:cSld>
     <p:spTree>
@@ -7755,7 +8268,7 @@
 </p:sld>
 </file>
 
-<file path=ppt/slides/slide16.xml><?xml version="1.0" encoding="utf-8"?>
+<file path=ppt/slides/slide13.xml><?xml version="1.0" encoding="utf-8"?>
 <p:sld xmlns:a="http://schemas.openxmlformats.org/drawingml/2006/main" xmlns:r="http://schemas.openxmlformats.org/officeDocument/2006/relationships" xmlns:p="http://schemas.openxmlformats.org/presentationml/2006/main">
   <p:cSld>
     <p:spTree>
@@ -7935,7 +8448,7 @@
 </p:sld>
 </file>
 
-<file path=ppt/slides/slide17.xml><?xml version="1.0" encoding="utf-8"?>
+<file path=ppt/slides/slide14.xml><?xml version="1.0" encoding="utf-8"?>
 <p:sld xmlns:a="http://schemas.openxmlformats.org/drawingml/2006/main" xmlns:r="http://schemas.openxmlformats.org/officeDocument/2006/relationships" xmlns:p="http://schemas.openxmlformats.org/presentationml/2006/main">
   <p:cSld>
     <p:spTree>
@@ -8077,8 +8590,16 @@
               <a:buNone/>
             </a:pPr>
             <a:r>
+              <a:rPr lang="en-US" altLang="zh-CN" dirty="0">
+                <a:solidFill>
+                  <a:srgbClr val="FF0000"/>
+                </a:solidFill>
+              </a:rPr>
+              <a:t>Prefix</a:t>
+            </a:r>
+            <a:r>
               <a:rPr lang="en-US" altLang="zh-CN" dirty="0"/>
-              <a:t>Prefix + infix + exp</a:t>
+              <a:t> + infix + exp</a:t>
             </a:r>
           </a:p>
           <a:p>
@@ -8745,6 +9266,36 @@
           </a:p>
         </p:txBody>
       </p:sp>
+      <p:pic>
+        <p:nvPicPr>
+          <p:cNvPr id="5" name="图片 4">
+            <a:extLst>
+              <a:ext uri="{FF2B5EF4-FFF2-40B4-BE49-F238E27FC236}">
+                <a16:creationId xmlns:a16="http://schemas.microsoft.com/office/drawing/2014/main" id="{2B621C86-F8D0-1BD7-FE74-B3FA9E52EEF0}"/>
+              </a:ext>
+            </a:extLst>
+          </p:cNvPr>
+          <p:cNvPicPr>
+            <a:picLocks noChangeAspect="1"/>
+          </p:cNvPicPr>
+          <p:nvPr/>
+        </p:nvPicPr>
+        <p:blipFill>
+          <a:blip r:embed="rId3"/>
+          <a:stretch>
+            <a:fillRect/>
+          </a:stretch>
+        </p:blipFill>
+        <p:spPr>
+          <a:xfrm>
+            <a:off x="10337705" y="3997410"/>
+            <a:ext cx="1854295" cy="736638"/>
+          </a:xfrm>
+          <a:prstGeom prst="rect">
+            <a:avLst/>
+          </a:prstGeom>
+        </p:spPr>
+      </p:pic>
     </p:spTree>
     <p:extLst>
       <p:ext uri="{BB962C8B-B14F-4D97-AF65-F5344CB8AC3E}">
@@ -8758,7 +9309,7 @@
 </p:sld>
 </file>
 
-<file path=ppt/slides/slide18.xml><?xml version="1.0" encoding="utf-8"?>
+<file path=ppt/slides/slide15.xml><?xml version="1.0" encoding="utf-8"?>
 <p:sld xmlns:a="http://schemas.openxmlformats.org/drawingml/2006/main" xmlns:r="http://schemas.openxmlformats.org/officeDocument/2006/relationships" xmlns:p="http://schemas.openxmlformats.org/presentationml/2006/main">
   <p:cSld>
     <p:spTree>
@@ -9476,12 +10027,296 @@
           </a:p>
         </p:txBody>
       </p:sp>
+      <p:sp>
+        <p:nvSpPr>
+          <p:cNvPr id="24" name="内容占位符 2">
+            <a:extLst>
+              <a:ext uri="{FF2B5EF4-FFF2-40B4-BE49-F238E27FC236}">
+                <a16:creationId xmlns:a16="http://schemas.microsoft.com/office/drawing/2014/main" id="{FAF9D564-AAB2-FCC9-9AC5-26E3DD0396D6}"/>
+              </a:ext>
+            </a:extLst>
+          </p:cNvPr>
+          <p:cNvSpPr txBox="1">
+            <a:spLocks/>
+          </p:cNvSpPr>
+          <p:nvPr/>
+        </p:nvSpPr>
+        <p:spPr>
+          <a:xfrm>
+            <a:off x="838200" y="1825625"/>
+            <a:ext cx="4135395" cy="4351338"/>
+          </a:xfrm>
+          <a:prstGeom prst="rect">
+            <a:avLst/>
+          </a:prstGeom>
+        </p:spPr>
+        <p:txBody>
+          <a:bodyPr vert="horz" lIns="91440" tIns="45720" rIns="91440" bIns="45720" rtlCol="0">
+            <a:normAutofit fontScale="92500" lnSpcReduction="10000"/>
+          </a:bodyPr>
+          <a:lstStyle>
+            <a:lvl1pPr marL="228600" indent="-228600" algn="l" defTabSz="914400" rtl="0" eaLnBrk="1" latinLnBrk="0" hangingPunct="1">
+              <a:lnSpc>
+                <a:spcPct val="90000"/>
+              </a:lnSpc>
+              <a:spcBef>
+                <a:spcPts val="1000"/>
+              </a:spcBef>
+              <a:buFont typeface="Arial" panose="020B0604020202020204" pitchFamily="34" charset="0"/>
+              <a:buChar char="•"/>
+              <a:defRPr sz="2800" kern="1200">
+                <a:solidFill>
+                  <a:schemeClr val="tx1"/>
+                </a:solidFill>
+                <a:latin typeface="+mn-lt"/>
+                <a:ea typeface="+mn-ea"/>
+                <a:cs typeface="+mn-cs"/>
+              </a:defRPr>
+            </a:lvl1pPr>
+            <a:lvl2pPr marL="685800" indent="-228600" algn="l" defTabSz="914400" rtl="0" eaLnBrk="1" latinLnBrk="0" hangingPunct="1">
+              <a:lnSpc>
+                <a:spcPct val="90000"/>
+              </a:lnSpc>
+              <a:spcBef>
+                <a:spcPts val="500"/>
+              </a:spcBef>
+              <a:buFont typeface="Arial" panose="020B0604020202020204" pitchFamily="34" charset="0"/>
+              <a:buChar char="•"/>
+              <a:defRPr sz="2400" kern="1200">
+                <a:solidFill>
+                  <a:schemeClr val="tx1"/>
+                </a:solidFill>
+                <a:latin typeface="+mn-lt"/>
+                <a:ea typeface="+mn-ea"/>
+                <a:cs typeface="+mn-cs"/>
+              </a:defRPr>
+            </a:lvl2pPr>
+            <a:lvl3pPr marL="1143000" indent="-228600" algn="l" defTabSz="914400" rtl="0" eaLnBrk="1" latinLnBrk="0" hangingPunct="1">
+              <a:lnSpc>
+                <a:spcPct val="90000"/>
+              </a:lnSpc>
+              <a:spcBef>
+                <a:spcPts val="500"/>
+              </a:spcBef>
+              <a:buFont typeface="Arial" panose="020B0604020202020204" pitchFamily="34" charset="0"/>
+              <a:buChar char="•"/>
+              <a:defRPr sz="2000" kern="1200">
+                <a:solidFill>
+                  <a:schemeClr val="tx1"/>
+                </a:solidFill>
+                <a:latin typeface="+mn-lt"/>
+                <a:ea typeface="+mn-ea"/>
+                <a:cs typeface="+mn-cs"/>
+              </a:defRPr>
+            </a:lvl3pPr>
+            <a:lvl4pPr marL="1600200" indent="-228600" algn="l" defTabSz="914400" rtl="0" eaLnBrk="1" latinLnBrk="0" hangingPunct="1">
+              <a:lnSpc>
+                <a:spcPct val="90000"/>
+              </a:lnSpc>
+              <a:spcBef>
+                <a:spcPts val="500"/>
+              </a:spcBef>
+              <a:buFont typeface="Arial" panose="020B0604020202020204" pitchFamily="34" charset="0"/>
+              <a:buChar char="•"/>
+              <a:defRPr sz="1800" kern="1200">
+                <a:solidFill>
+                  <a:schemeClr val="tx1"/>
+                </a:solidFill>
+                <a:latin typeface="+mn-lt"/>
+                <a:ea typeface="+mn-ea"/>
+                <a:cs typeface="+mn-cs"/>
+              </a:defRPr>
+            </a:lvl4pPr>
+            <a:lvl5pPr marL="2057400" indent="-228600" algn="l" defTabSz="914400" rtl="0" eaLnBrk="1" latinLnBrk="0" hangingPunct="1">
+              <a:lnSpc>
+                <a:spcPct val="90000"/>
+              </a:lnSpc>
+              <a:spcBef>
+                <a:spcPts val="500"/>
+              </a:spcBef>
+              <a:buFont typeface="Arial" panose="020B0604020202020204" pitchFamily="34" charset="0"/>
+              <a:buChar char="•"/>
+              <a:defRPr sz="1800" kern="1200">
+                <a:solidFill>
+                  <a:schemeClr val="tx1"/>
+                </a:solidFill>
+                <a:latin typeface="+mn-lt"/>
+                <a:ea typeface="+mn-ea"/>
+                <a:cs typeface="+mn-cs"/>
+              </a:defRPr>
+            </a:lvl5pPr>
+            <a:lvl6pPr marL="2514600" indent="-228600" algn="l" defTabSz="914400" rtl="0" eaLnBrk="1" latinLnBrk="0" hangingPunct="1">
+              <a:lnSpc>
+                <a:spcPct val="90000"/>
+              </a:lnSpc>
+              <a:spcBef>
+                <a:spcPts val="500"/>
+              </a:spcBef>
+              <a:buFont typeface="Arial" panose="020B0604020202020204" pitchFamily="34" charset="0"/>
+              <a:buChar char="•"/>
+              <a:defRPr sz="1800" kern="1200">
+                <a:solidFill>
+                  <a:schemeClr val="tx1"/>
+                </a:solidFill>
+                <a:latin typeface="+mn-lt"/>
+                <a:ea typeface="+mn-ea"/>
+                <a:cs typeface="+mn-cs"/>
+              </a:defRPr>
+            </a:lvl6pPr>
+            <a:lvl7pPr marL="2971800" indent="-228600" algn="l" defTabSz="914400" rtl="0" eaLnBrk="1" latinLnBrk="0" hangingPunct="1">
+              <a:lnSpc>
+                <a:spcPct val="90000"/>
+              </a:lnSpc>
+              <a:spcBef>
+                <a:spcPts val="500"/>
+              </a:spcBef>
+              <a:buFont typeface="Arial" panose="020B0604020202020204" pitchFamily="34" charset="0"/>
+              <a:buChar char="•"/>
+              <a:defRPr sz="1800" kern="1200">
+                <a:solidFill>
+                  <a:schemeClr val="tx1"/>
+                </a:solidFill>
+                <a:latin typeface="+mn-lt"/>
+                <a:ea typeface="+mn-ea"/>
+                <a:cs typeface="+mn-cs"/>
+              </a:defRPr>
+            </a:lvl7pPr>
+            <a:lvl8pPr marL="3429000" indent="-228600" algn="l" defTabSz="914400" rtl="0" eaLnBrk="1" latinLnBrk="0" hangingPunct="1">
+              <a:lnSpc>
+                <a:spcPct val="90000"/>
+              </a:lnSpc>
+              <a:spcBef>
+                <a:spcPts val="500"/>
+              </a:spcBef>
+              <a:buFont typeface="Arial" panose="020B0604020202020204" pitchFamily="34" charset="0"/>
+              <a:buChar char="•"/>
+              <a:defRPr sz="1800" kern="1200">
+                <a:solidFill>
+                  <a:schemeClr val="tx1"/>
+                </a:solidFill>
+                <a:latin typeface="+mn-lt"/>
+                <a:ea typeface="+mn-ea"/>
+                <a:cs typeface="+mn-cs"/>
+              </a:defRPr>
+            </a:lvl8pPr>
+            <a:lvl9pPr marL="3886200" indent="-228600" algn="l" defTabSz="914400" rtl="0" eaLnBrk="1" latinLnBrk="0" hangingPunct="1">
+              <a:lnSpc>
+                <a:spcPct val="90000"/>
+              </a:lnSpc>
+              <a:spcBef>
+                <a:spcPts val="500"/>
+              </a:spcBef>
+              <a:buFont typeface="Arial" panose="020B0604020202020204" pitchFamily="34" charset="0"/>
+              <a:buChar char="•"/>
+              <a:defRPr sz="1800" kern="1200">
+                <a:solidFill>
+                  <a:schemeClr val="tx1"/>
+                </a:solidFill>
+                <a:latin typeface="+mn-lt"/>
+                <a:ea typeface="+mn-ea"/>
+                <a:cs typeface="+mn-cs"/>
+              </a:defRPr>
+            </a:lvl9pPr>
+          </a:lstStyle>
+          <a:p>
+            <a:pPr marL="0" indent="0">
+              <a:buFont typeface="Arial" panose="020B0604020202020204" pitchFamily="34" charset="0"/>
+              <a:buNone/>
+            </a:pPr>
+            <a:r>
+              <a:rPr lang="zh-CN" altLang="en-US" dirty="0"/>
+              <a:t>一个小例子：</a:t>
+            </a:r>
+            <a:endParaRPr lang="en-US" altLang="zh-CN" dirty="0"/>
+          </a:p>
+          <a:p>
+            <a:pPr marL="0" indent="0">
+              <a:buFont typeface="Arial" panose="020B0604020202020204" pitchFamily="34" charset="0"/>
+              <a:buNone/>
+            </a:pPr>
+            <a:r>
+              <a:rPr lang="zh-CN" altLang="en-US" dirty="0"/>
+              <a:t>从最低优先级起步，若中缀运算符大于前一个的优先级，就解析此中缀运算符，并将优先级作为参数带入解析下一个表达式</a:t>
+            </a:r>
+            <a:endParaRPr lang="en-US" altLang="zh-CN" dirty="0"/>
+          </a:p>
+          <a:p>
+            <a:pPr marL="0" indent="0">
+              <a:buFont typeface="Arial" panose="020B0604020202020204" pitchFamily="34" charset="0"/>
+              <a:buNone/>
+            </a:pPr>
+            <a:endParaRPr lang="en-US" altLang="zh-CN" dirty="0"/>
+          </a:p>
+          <a:p>
+            <a:pPr marL="0" indent="0">
+              <a:buFont typeface="Arial" panose="020B0604020202020204" pitchFamily="34" charset="0"/>
+              <a:buNone/>
+            </a:pPr>
+            <a:r>
+              <a:rPr lang="en-US" altLang="zh-CN" dirty="0"/>
+              <a:t>Pratt</a:t>
+            </a:r>
+            <a:r>
+              <a:rPr lang="zh-CN" altLang="en-US" dirty="0"/>
+              <a:t>将值，取负，</a:t>
+            </a:r>
+            <a:endParaRPr lang="en-US" altLang="zh-CN" dirty="0"/>
+          </a:p>
+          <a:p>
+            <a:pPr marL="0" indent="0">
+              <a:buFont typeface="Arial" panose="020B0604020202020204" pitchFamily="34" charset="0"/>
+              <a:buNone/>
+            </a:pPr>
+            <a:r>
+              <a:rPr lang="zh-CN" altLang="en-US" dirty="0"/>
+              <a:t>取否，左括号设定为前缀</a:t>
+            </a:r>
+            <a:endParaRPr lang="en-US" altLang="zh-CN" dirty="0"/>
+          </a:p>
+          <a:p>
+            <a:pPr marL="0" indent="0">
+              <a:buFont typeface="Arial" panose="020B0604020202020204" pitchFamily="34" charset="0"/>
+              <a:buNone/>
+            </a:pPr>
+            <a:endParaRPr lang="en-US" altLang="zh-CN" dirty="0"/>
+          </a:p>
+          <a:p>
+            <a:pPr marL="0" indent="0">
+              <a:buFont typeface="Arial" panose="020B0604020202020204" pitchFamily="34" charset="0"/>
+              <a:buNone/>
+            </a:pPr>
+            <a:r>
+              <a:rPr lang="en-US" altLang="zh-CN" dirty="0"/>
+              <a:t>Prefix + </a:t>
+            </a:r>
+            <a:r>
+              <a:rPr lang="en-US" altLang="zh-CN" dirty="0">
+                <a:solidFill>
+                  <a:srgbClr val="FF0000"/>
+                </a:solidFill>
+              </a:rPr>
+              <a:t>infix</a:t>
+            </a:r>
+            <a:r>
+              <a:rPr lang="en-US" altLang="zh-CN" dirty="0"/>
+              <a:t> + exp</a:t>
+            </a:r>
+          </a:p>
+          <a:p>
+            <a:pPr marL="0" indent="0">
+              <a:buFont typeface="Arial" panose="020B0604020202020204" pitchFamily="34" charset="0"/>
+              <a:buNone/>
+            </a:pPr>
+            <a:endParaRPr lang="zh-CN" altLang="en-US" dirty="0"/>
+          </a:p>
+        </p:txBody>
+      </p:sp>
       <p:pic>
         <p:nvPicPr>
-          <p:cNvPr id="20" name="图片 19">
+          <p:cNvPr id="3" name="图片 2">
             <a:extLst>
               <a:ext uri="{FF2B5EF4-FFF2-40B4-BE49-F238E27FC236}">
-                <a16:creationId xmlns:a16="http://schemas.microsoft.com/office/drawing/2014/main" id="{E8A89275-0DC9-80D7-569D-13B1B20FF908}"/>
+                <a16:creationId xmlns:a16="http://schemas.microsoft.com/office/drawing/2014/main" id="{3CAF8A41-7173-69D0-4113-EA2705961296}"/>
               </a:ext>
             </a:extLst>
           </p:cNvPr>
@@ -9498,286 +10333,14 @@
         </p:blipFill>
         <p:spPr>
           <a:xfrm>
-            <a:off x="10337705" y="3997410"/>
-            <a:ext cx="1854295" cy="736638"/>
+            <a:off x="9848730" y="3744371"/>
+            <a:ext cx="2343270" cy="1251014"/>
           </a:xfrm>
           <a:prstGeom prst="rect">
             <a:avLst/>
           </a:prstGeom>
         </p:spPr>
       </p:pic>
-      <p:sp>
-        <p:nvSpPr>
-          <p:cNvPr id="24" name="内容占位符 2">
-            <a:extLst>
-              <a:ext uri="{FF2B5EF4-FFF2-40B4-BE49-F238E27FC236}">
-                <a16:creationId xmlns:a16="http://schemas.microsoft.com/office/drawing/2014/main" id="{FAF9D564-AAB2-FCC9-9AC5-26E3DD0396D6}"/>
-              </a:ext>
-            </a:extLst>
-          </p:cNvPr>
-          <p:cNvSpPr txBox="1">
-            <a:spLocks/>
-          </p:cNvSpPr>
-          <p:nvPr/>
-        </p:nvSpPr>
-        <p:spPr>
-          <a:xfrm>
-            <a:off x="838200" y="1825625"/>
-            <a:ext cx="4135395" cy="4351338"/>
-          </a:xfrm>
-          <a:prstGeom prst="rect">
-            <a:avLst/>
-          </a:prstGeom>
-        </p:spPr>
-        <p:txBody>
-          <a:bodyPr vert="horz" lIns="91440" tIns="45720" rIns="91440" bIns="45720" rtlCol="0">
-            <a:normAutofit fontScale="92500" lnSpcReduction="10000"/>
-          </a:bodyPr>
-          <a:lstStyle>
-            <a:lvl1pPr marL="228600" indent="-228600" algn="l" defTabSz="914400" rtl="0" eaLnBrk="1" latinLnBrk="0" hangingPunct="1">
-              <a:lnSpc>
-                <a:spcPct val="90000"/>
-              </a:lnSpc>
-              <a:spcBef>
-                <a:spcPts val="1000"/>
-              </a:spcBef>
-              <a:buFont typeface="Arial" panose="020B0604020202020204" pitchFamily="34" charset="0"/>
-              <a:buChar char="•"/>
-              <a:defRPr sz="2800" kern="1200">
-                <a:solidFill>
-                  <a:schemeClr val="tx1"/>
-                </a:solidFill>
-                <a:latin typeface="+mn-lt"/>
-                <a:ea typeface="+mn-ea"/>
-                <a:cs typeface="+mn-cs"/>
-              </a:defRPr>
-            </a:lvl1pPr>
-            <a:lvl2pPr marL="685800" indent="-228600" algn="l" defTabSz="914400" rtl="0" eaLnBrk="1" latinLnBrk="0" hangingPunct="1">
-              <a:lnSpc>
-                <a:spcPct val="90000"/>
-              </a:lnSpc>
-              <a:spcBef>
-                <a:spcPts val="500"/>
-              </a:spcBef>
-              <a:buFont typeface="Arial" panose="020B0604020202020204" pitchFamily="34" charset="0"/>
-              <a:buChar char="•"/>
-              <a:defRPr sz="2400" kern="1200">
-                <a:solidFill>
-                  <a:schemeClr val="tx1"/>
-                </a:solidFill>
-                <a:latin typeface="+mn-lt"/>
-                <a:ea typeface="+mn-ea"/>
-                <a:cs typeface="+mn-cs"/>
-              </a:defRPr>
-            </a:lvl2pPr>
-            <a:lvl3pPr marL="1143000" indent="-228600" algn="l" defTabSz="914400" rtl="0" eaLnBrk="1" latinLnBrk="0" hangingPunct="1">
-              <a:lnSpc>
-                <a:spcPct val="90000"/>
-              </a:lnSpc>
-              <a:spcBef>
-                <a:spcPts val="500"/>
-              </a:spcBef>
-              <a:buFont typeface="Arial" panose="020B0604020202020204" pitchFamily="34" charset="0"/>
-              <a:buChar char="•"/>
-              <a:defRPr sz="2000" kern="1200">
-                <a:solidFill>
-                  <a:schemeClr val="tx1"/>
-                </a:solidFill>
-                <a:latin typeface="+mn-lt"/>
-                <a:ea typeface="+mn-ea"/>
-                <a:cs typeface="+mn-cs"/>
-              </a:defRPr>
-            </a:lvl3pPr>
-            <a:lvl4pPr marL="1600200" indent="-228600" algn="l" defTabSz="914400" rtl="0" eaLnBrk="1" latinLnBrk="0" hangingPunct="1">
-              <a:lnSpc>
-                <a:spcPct val="90000"/>
-              </a:lnSpc>
-              <a:spcBef>
-                <a:spcPts val="500"/>
-              </a:spcBef>
-              <a:buFont typeface="Arial" panose="020B0604020202020204" pitchFamily="34" charset="0"/>
-              <a:buChar char="•"/>
-              <a:defRPr sz="1800" kern="1200">
-                <a:solidFill>
-                  <a:schemeClr val="tx1"/>
-                </a:solidFill>
-                <a:latin typeface="+mn-lt"/>
-                <a:ea typeface="+mn-ea"/>
-                <a:cs typeface="+mn-cs"/>
-              </a:defRPr>
-            </a:lvl4pPr>
-            <a:lvl5pPr marL="2057400" indent="-228600" algn="l" defTabSz="914400" rtl="0" eaLnBrk="1" latinLnBrk="0" hangingPunct="1">
-              <a:lnSpc>
-                <a:spcPct val="90000"/>
-              </a:lnSpc>
-              <a:spcBef>
-                <a:spcPts val="500"/>
-              </a:spcBef>
-              <a:buFont typeface="Arial" panose="020B0604020202020204" pitchFamily="34" charset="0"/>
-              <a:buChar char="•"/>
-              <a:defRPr sz="1800" kern="1200">
-                <a:solidFill>
-                  <a:schemeClr val="tx1"/>
-                </a:solidFill>
-                <a:latin typeface="+mn-lt"/>
-                <a:ea typeface="+mn-ea"/>
-                <a:cs typeface="+mn-cs"/>
-              </a:defRPr>
-            </a:lvl5pPr>
-            <a:lvl6pPr marL="2514600" indent="-228600" algn="l" defTabSz="914400" rtl="0" eaLnBrk="1" latinLnBrk="0" hangingPunct="1">
-              <a:lnSpc>
-                <a:spcPct val="90000"/>
-              </a:lnSpc>
-              <a:spcBef>
-                <a:spcPts val="500"/>
-              </a:spcBef>
-              <a:buFont typeface="Arial" panose="020B0604020202020204" pitchFamily="34" charset="0"/>
-              <a:buChar char="•"/>
-              <a:defRPr sz="1800" kern="1200">
-                <a:solidFill>
-                  <a:schemeClr val="tx1"/>
-                </a:solidFill>
-                <a:latin typeface="+mn-lt"/>
-                <a:ea typeface="+mn-ea"/>
-                <a:cs typeface="+mn-cs"/>
-              </a:defRPr>
-            </a:lvl6pPr>
-            <a:lvl7pPr marL="2971800" indent="-228600" algn="l" defTabSz="914400" rtl="0" eaLnBrk="1" latinLnBrk="0" hangingPunct="1">
-              <a:lnSpc>
-                <a:spcPct val="90000"/>
-              </a:lnSpc>
-              <a:spcBef>
-                <a:spcPts val="500"/>
-              </a:spcBef>
-              <a:buFont typeface="Arial" panose="020B0604020202020204" pitchFamily="34" charset="0"/>
-              <a:buChar char="•"/>
-              <a:defRPr sz="1800" kern="1200">
-                <a:solidFill>
-                  <a:schemeClr val="tx1"/>
-                </a:solidFill>
-                <a:latin typeface="+mn-lt"/>
-                <a:ea typeface="+mn-ea"/>
-                <a:cs typeface="+mn-cs"/>
-              </a:defRPr>
-            </a:lvl7pPr>
-            <a:lvl8pPr marL="3429000" indent="-228600" algn="l" defTabSz="914400" rtl="0" eaLnBrk="1" latinLnBrk="0" hangingPunct="1">
-              <a:lnSpc>
-                <a:spcPct val="90000"/>
-              </a:lnSpc>
-              <a:spcBef>
-                <a:spcPts val="500"/>
-              </a:spcBef>
-              <a:buFont typeface="Arial" panose="020B0604020202020204" pitchFamily="34" charset="0"/>
-              <a:buChar char="•"/>
-              <a:defRPr sz="1800" kern="1200">
-                <a:solidFill>
-                  <a:schemeClr val="tx1"/>
-                </a:solidFill>
-                <a:latin typeface="+mn-lt"/>
-                <a:ea typeface="+mn-ea"/>
-                <a:cs typeface="+mn-cs"/>
-              </a:defRPr>
-            </a:lvl8pPr>
-            <a:lvl9pPr marL="3886200" indent="-228600" algn="l" defTabSz="914400" rtl="0" eaLnBrk="1" latinLnBrk="0" hangingPunct="1">
-              <a:lnSpc>
-                <a:spcPct val="90000"/>
-              </a:lnSpc>
-              <a:spcBef>
-                <a:spcPts val="500"/>
-              </a:spcBef>
-              <a:buFont typeface="Arial" panose="020B0604020202020204" pitchFamily="34" charset="0"/>
-              <a:buChar char="•"/>
-              <a:defRPr sz="1800" kern="1200">
-                <a:solidFill>
-                  <a:schemeClr val="tx1"/>
-                </a:solidFill>
-                <a:latin typeface="+mn-lt"/>
-                <a:ea typeface="+mn-ea"/>
-                <a:cs typeface="+mn-cs"/>
-              </a:defRPr>
-            </a:lvl9pPr>
-          </a:lstStyle>
-          <a:p>
-            <a:pPr marL="0" indent="0">
-              <a:buFont typeface="Arial" panose="020B0604020202020204" pitchFamily="34" charset="0"/>
-              <a:buNone/>
-            </a:pPr>
-            <a:r>
-              <a:rPr lang="zh-CN" altLang="en-US"/>
-              <a:t>一个小例子：</a:t>
-            </a:r>
-            <a:endParaRPr lang="en-US" altLang="zh-CN"/>
-          </a:p>
-          <a:p>
-            <a:pPr marL="0" indent="0">
-              <a:buFont typeface="Arial" panose="020B0604020202020204" pitchFamily="34" charset="0"/>
-              <a:buNone/>
-            </a:pPr>
-            <a:r>
-              <a:rPr lang="zh-CN" altLang="en-US"/>
-              <a:t>从最低优先级起步，若中缀运算符大于前一个的优先级，就解析此中缀运算符，并将优先级作为参数带入解析下一个表达式</a:t>
-            </a:r>
-            <a:endParaRPr lang="en-US" altLang="zh-CN"/>
-          </a:p>
-          <a:p>
-            <a:pPr marL="0" indent="0">
-              <a:buFont typeface="Arial" panose="020B0604020202020204" pitchFamily="34" charset="0"/>
-              <a:buNone/>
-            </a:pPr>
-            <a:endParaRPr lang="en-US" altLang="zh-CN"/>
-          </a:p>
-          <a:p>
-            <a:pPr marL="0" indent="0">
-              <a:buFont typeface="Arial" panose="020B0604020202020204" pitchFamily="34" charset="0"/>
-              <a:buNone/>
-            </a:pPr>
-            <a:r>
-              <a:rPr lang="en-US" altLang="zh-CN"/>
-              <a:t>Pratt</a:t>
-            </a:r>
-            <a:r>
-              <a:rPr lang="zh-CN" altLang="en-US"/>
-              <a:t>将值，取负，</a:t>
-            </a:r>
-            <a:endParaRPr lang="en-US" altLang="zh-CN"/>
-          </a:p>
-          <a:p>
-            <a:pPr marL="0" indent="0">
-              <a:buFont typeface="Arial" panose="020B0604020202020204" pitchFamily="34" charset="0"/>
-              <a:buNone/>
-            </a:pPr>
-            <a:r>
-              <a:rPr lang="zh-CN" altLang="en-US"/>
-              <a:t>取否，左括号设定为前缀</a:t>
-            </a:r>
-            <a:endParaRPr lang="en-US" altLang="zh-CN"/>
-          </a:p>
-          <a:p>
-            <a:pPr marL="0" indent="0">
-              <a:buFont typeface="Arial" panose="020B0604020202020204" pitchFamily="34" charset="0"/>
-              <a:buNone/>
-            </a:pPr>
-            <a:endParaRPr lang="en-US" altLang="zh-CN"/>
-          </a:p>
-          <a:p>
-            <a:pPr marL="0" indent="0">
-              <a:buFont typeface="Arial" panose="020B0604020202020204" pitchFamily="34" charset="0"/>
-              <a:buNone/>
-            </a:pPr>
-            <a:r>
-              <a:rPr lang="en-US" altLang="zh-CN"/>
-              <a:t>Prefix + infix + exp</a:t>
-            </a:r>
-          </a:p>
-          <a:p>
-            <a:pPr marL="0" indent="0">
-              <a:buFont typeface="Arial" panose="020B0604020202020204" pitchFamily="34" charset="0"/>
-              <a:buNone/>
-            </a:pPr>
-            <a:endParaRPr lang="zh-CN" altLang="en-US" dirty="0"/>
-          </a:p>
-        </p:txBody>
-      </p:sp>
     </p:spTree>
     <p:extLst>
       <p:ext uri="{BB962C8B-B14F-4D97-AF65-F5344CB8AC3E}">
@@ -9803,7 +10366,7 @@
 </p:sld>
 </file>
 
-<file path=ppt/slides/slide19.xml><?xml version="1.0" encoding="utf-8"?>
+<file path=ppt/slides/slide16.xml><?xml version="1.0" encoding="utf-8"?>
 <p:sld xmlns:a="http://schemas.openxmlformats.org/drawingml/2006/main" xmlns:r="http://schemas.openxmlformats.org/officeDocument/2006/relationships" xmlns:p="http://schemas.openxmlformats.org/presentationml/2006/main">
   <p:cSld>
     <p:spTree>
@@ -10632,7 +11195,15 @@
             </a:pPr>
             <a:r>
               <a:rPr lang="en-US" altLang="zh-CN" dirty="0"/>
-              <a:t>Prefix + infix + exp</a:t>
+              <a:t>Prefix + infix + </a:t>
+            </a:r>
+            <a:r>
+              <a:rPr lang="en-US" altLang="zh-CN" dirty="0">
+                <a:solidFill>
+                  <a:srgbClr val="FF0000"/>
+                </a:solidFill>
+              </a:rPr>
+              <a:t>exp</a:t>
             </a:r>
           </a:p>
           <a:p>
@@ -10668,141 +11239,7 @@
 </p:sld>
 </file>
 
-<file path=ppt/slides/slide2.xml><?xml version="1.0" encoding="utf-8"?>
-<p:sld xmlns:a="http://schemas.openxmlformats.org/drawingml/2006/main" xmlns:r="http://schemas.openxmlformats.org/officeDocument/2006/relationships" xmlns:p="http://schemas.openxmlformats.org/presentationml/2006/main">
-  <p:cSld>
-    <p:spTree>
-      <p:nvGrpSpPr>
-        <p:cNvPr id="1" name=""/>
-        <p:cNvGrpSpPr/>
-        <p:nvPr/>
-      </p:nvGrpSpPr>
-      <p:grpSpPr>
-        <a:xfrm>
-          <a:off x="0" y="0"/>
-          <a:ext cx="0" cy="0"/>
-          <a:chOff x="0" y="0"/>
-          <a:chExt cx="0" cy="0"/>
-        </a:xfrm>
-      </p:grpSpPr>
-      <p:sp>
-        <p:nvSpPr>
-          <p:cNvPr id="2" name="标题 1">
-            <a:extLst>
-              <a:ext uri="{FF2B5EF4-FFF2-40B4-BE49-F238E27FC236}">
-                <a16:creationId xmlns:a16="http://schemas.microsoft.com/office/drawing/2014/main" id="{1F4630B8-5F6D-766E-BBC3-3677334C43F2}"/>
-              </a:ext>
-            </a:extLst>
-          </p:cNvPr>
-          <p:cNvSpPr>
-            <a:spLocks noGrp="1"/>
-          </p:cNvSpPr>
-          <p:nvPr>
-            <p:ph type="title"/>
-          </p:nvPr>
-        </p:nvSpPr>
-        <p:spPr/>
-        <p:txBody>
-          <a:bodyPr/>
-          <a:lstStyle/>
-          <a:p>
-            <a:r>
-              <a:rPr lang="zh-CN" altLang="en-US" dirty="0"/>
-              <a:t>纲要</a:t>
-            </a:r>
-          </a:p>
-        </p:txBody>
-      </p:sp>
-      <p:sp>
-        <p:nvSpPr>
-          <p:cNvPr id="3" name="内容占位符 2">
-            <a:extLst>
-              <a:ext uri="{FF2B5EF4-FFF2-40B4-BE49-F238E27FC236}">
-                <a16:creationId xmlns:a16="http://schemas.microsoft.com/office/drawing/2014/main" id="{0584B4BD-7761-27F5-2ED5-B61314209099}"/>
-              </a:ext>
-            </a:extLst>
-          </p:cNvPr>
-          <p:cNvSpPr>
-            <a:spLocks noGrp="1"/>
-          </p:cNvSpPr>
-          <p:nvPr>
-            <p:ph idx="1"/>
-          </p:nvPr>
-        </p:nvSpPr>
-        <p:spPr/>
-        <p:txBody>
-          <a:bodyPr/>
-          <a:lstStyle/>
-          <a:p>
-            <a:r>
-              <a:rPr lang="en-US" altLang="zh-CN" dirty="0"/>
-              <a:t>1. </a:t>
-            </a:r>
-            <a:r>
-              <a:rPr lang="zh-CN" altLang="en-US" dirty="0"/>
-              <a:t>目的与功能</a:t>
-            </a:r>
-            <a:endParaRPr lang="en-US" altLang="zh-CN" dirty="0"/>
-          </a:p>
-          <a:p>
-            <a:r>
-              <a:rPr lang="en-US" altLang="zh-CN" dirty="0"/>
-              <a:t>2. </a:t>
-            </a:r>
-            <a:r>
-              <a:rPr lang="zh-CN" altLang="en-US" dirty="0"/>
-              <a:t>数据结构及其实现</a:t>
-            </a:r>
-            <a:endParaRPr lang="en-US" altLang="zh-CN" dirty="0"/>
-          </a:p>
-          <a:p>
-            <a:r>
-              <a:rPr lang="en-US" altLang="zh-CN" dirty="0"/>
-              <a:t>3.</a:t>
-            </a:r>
-            <a:r>
-              <a:rPr lang="zh-CN" altLang="en-US" dirty="0"/>
-              <a:t> 语法</a:t>
-            </a:r>
-            <a:endParaRPr lang="en-US" altLang="zh-CN" dirty="0"/>
-          </a:p>
-          <a:p>
-            <a:r>
-              <a:rPr lang="en-US" altLang="zh-CN" dirty="0"/>
-              <a:t>4. </a:t>
-            </a:r>
-            <a:r>
-              <a:rPr lang="zh-CN" altLang="en-US" dirty="0"/>
-              <a:t>功能实现</a:t>
-            </a:r>
-            <a:endParaRPr lang="en-US" altLang="zh-CN" dirty="0"/>
-          </a:p>
-          <a:p>
-            <a:r>
-              <a:rPr lang="en-US" altLang="zh-CN" dirty="0"/>
-              <a:t>5. </a:t>
-            </a:r>
-            <a:r>
-              <a:rPr lang="zh-CN" altLang="en-US" dirty="0"/>
-              <a:t>总结</a:t>
-            </a:r>
-          </a:p>
-        </p:txBody>
-      </p:sp>
-    </p:spTree>
-    <p:extLst>
-      <p:ext uri="{BB962C8B-B14F-4D97-AF65-F5344CB8AC3E}">
-        <p14:creationId xmlns:p14="http://schemas.microsoft.com/office/powerpoint/2010/main" val="3015883178"/>
-      </p:ext>
-    </p:extLst>
-  </p:cSld>
-  <p:clrMapOvr>
-    <a:masterClrMapping/>
-  </p:clrMapOvr>
-</p:sld>
-</file>
-
-<file path=ppt/slides/slide20.xml><?xml version="1.0" encoding="utf-8"?>
+<file path=ppt/slides/slide17.xml><?xml version="1.0" encoding="utf-8"?>
 <p:sld xmlns:a="http://schemas.openxmlformats.org/drawingml/2006/main" xmlns:r="http://schemas.openxmlformats.org/officeDocument/2006/relationships" xmlns:p="http://schemas.openxmlformats.org/presentationml/2006/main">
   <p:cSld>
     <p:spTree>
@@ -11515,8 +11952,13 @@
             </a:r>
             <a:r>
               <a:rPr lang="zh-CN" altLang="en-US" sz="1600" dirty="0"/>
-              <a:t>，回溯</a:t>
-            </a:r>
+              <a:t>，录入</a:t>
+            </a:r>
+            <a:r>
+              <a:rPr lang="en-US" altLang="zh-CN" sz="1600" dirty="0"/>
+              <a:t>*</a:t>
+            </a:r>
+            <a:endParaRPr lang="zh-CN" altLang="en-US" sz="1600" dirty="0"/>
           </a:p>
         </p:txBody>
       </p:sp>
@@ -11639,7 +12081,19 @@
             </a:pPr>
             <a:r>
               <a:rPr lang="en-US" altLang="zh-CN" dirty="0"/>
-              <a:t>Prefix + infix + exp</a:t>
+              <a:t>Prefix + </a:t>
+            </a:r>
+            <a:r>
+              <a:rPr lang="en-US" altLang="zh-CN" dirty="0">
+                <a:solidFill>
+                  <a:srgbClr val="FF0000"/>
+                </a:solidFill>
+              </a:rPr>
+              <a:t>infix</a:t>
+            </a:r>
+            <a:r>
+              <a:rPr lang="en-US" altLang="zh-CN" dirty="0"/>
+              <a:t> + exp</a:t>
             </a:r>
           </a:p>
           <a:p>
@@ -11675,7 +12129,7 @@
 </p:sld>
 </file>
 
-<file path=ppt/slides/slide21.xml><?xml version="1.0" encoding="utf-8"?>
+<file path=ppt/slides/slide18.xml><?xml version="1.0" encoding="utf-8"?>
 <p:sld xmlns:a="http://schemas.openxmlformats.org/drawingml/2006/main" xmlns:r="http://schemas.openxmlformats.org/officeDocument/2006/relationships" xmlns:p="http://schemas.openxmlformats.org/presentationml/2006/main">
   <p:cSld>
     <p:spTree>
@@ -12540,7 +12994,7 @@
 </p:sld>
 </file>
 
-<file path=ppt/slides/slide22.xml><?xml version="1.0" encoding="utf-8"?>
+<file path=ppt/slides/slide19.xml><?xml version="1.0" encoding="utf-8"?>
 <p:sld xmlns:a="http://schemas.openxmlformats.org/drawingml/2006/main" xmlns:r="http://schemas.openxmlformats.org/officeDocument/2006/relationships" xmlns:p="http://schemas.openxmlformats.org/presentationml/2006/main">
   <p:cSld>
     <p:spTree>
@@ -13369,7 +13823,27 @@
             </a:pPr>
             <a:r>
               <a:rPr lang="en-US" altLang="zh-CN" dirty="0"/>
-              <a:t>Prefix + infix + exp</a:t>
+              <a:t>Prefix + </a:t>
+            </a:r>
+            <a:r>
+              <a:rPr lang="en-US" altLang="zh-CN" dirty="0">
+                <a:solidFill>
+                  <a:srgbClr val="FF0000"/>
+                </a:solidFill>
+              </a:rPr>
+              <a:t>infix</a:t>
+            </a:r>
+            <a:r>
+              <a:rPr lang="en-US" altLang="zh-CN" dirty="0"/>
+              <a:t> + </a:t>
+            </a:r>
+            <a:r>
+              <a:rPr lang="en-US" altLang="zh-CN" dirty="0">
+                <a:solidFill>
+                  <a:srgbClr val="FF0000"/>
+                </a:solidFill>
+              </a:rPr>
+              <a:t>exp</a:t>
             </a:r>
           </a:p>
           <a:p>
@@ -13405,7 +13879,141 @@
 </p:sld>
 </file>
 
-<file path=ppt/slides/slide23.xml><?xml version="1.0" encoding="utf-8"?>
+<file path=ppt/slides/slide2.xml><?xml version="1.0" encoding="utf-8"?>
+<p:sld xmlns:a="http://schemas.openxmlformats.org/drawingml/2006/main" xmlns:r="http://schemas.openxmlformats.org/officeDocument/2006/relationships" xmlns:p="http://schemas.openxmlformats.org/presentationml/2006/main">
+  <p:cSld>
+    <p:spTree>
+      <p:nvGrpSpPr>
+        <p:cNvPr id="1" name=""/>
+        <p:cNvGrpSpPr/>
+        <p:nvPr/>
+      </p:nvGrpSpPr>
+      <p:grpSpPr>
+        <a:xfrm>
+          <a:off x="0" y="0"/>
+          <a:ext cx="0" cy="0"/>
+          <a:chOff x="0" y="0"/>
+          <a:chExt cx="0" cy="0"/>
+        </a:xfrm>
+      </p:grpSpPr>
+      <p:sp>
+        <p:nvSpPr>
+          <p:cNvPr id="2" name="标题 1">
+            <a:extLst>
+              <a:ext uri="{FF2B5EF4-FFF2-40B4-BE49-F238E27FC236}">
+                <a16:creationId xmlns:a16="http://schemas.microsoft.com/office/drawing/2014/main" id="{1F4630B8-5F6D-766E-BBC3-3677334C43F2}"/>
+              </a:ext>
+            </a:extLst>
+          </p:cNvPr>
+          <p:cNvSpPr>
+            <a:spLocks noGrp="1"/>
+          </p:cNvSpPr>
+          <p:nvPr>
+            <p:ph type="title"/>
+          </p:nvPr>
+        </p:nvSpPr>
+        <p:spPr/>
+        <p:txBody>
+          <a:bodyPr/>
+          <a:lstStyle/>
+          <a:p>
+            <a:r>
+              <a:rPr lang="zh-CN" altLang="en-US" dirty="0"/>
+              <a:t>纲要</a:t>
+            </a:r>
+          </a:p>
+        </p:txBody>
+      </p:sp>
+      <p:sp>
+        <p:nvSpPr>
+          <p:cNvPr id="3" name="内容占位符 2">
+            <a:extLst>
+              <a:ext uri="{FF2B5EF4-FFF2-40B4-BE49-F238E27FC236}">
+                <a16:creationId xmlns:a16="http://schemas.microsoft.com/office/drawing/2014/main" id="{0584B4BD-7761-27F5-2ED5-B61314209099}"/>
+              </a:ext>
+            </a:extLst>
+          </p:cNvPr>
+          <p:cNvSpPr>
+            <a:spLocks noGrp="1"/>
+          </p:cNvSpPr>
+          <p:nvPr>
+            <p:ph idx="1"/>
+          </p:nvPr>
+        </p:nvSpPr>
+        <p:spPr/>
+        <p:txBody>
+          <a:bodyPr/>
+          <a:lstStyle/>
+          <a:p>
+            <a:r>
+              <a:rPr lang="en-US" altLang="zh-CN" dirty="0"/>
+              <a:t>1. </a:t>
+            </a:r>
+            <a:r>
+              <a:rPr lang="zh-CN" altLang="en-US" dirty="0"/>
+              <a:t>目的与功能</a:t>
+            </a:r>
+            <a:endParaRPr lang="en-US" altLang="zh-CN" dirty="0"/>
+          </a:p>
+          <a:p>
+            <a:r>
+              <a:rPr lang="en-US" altLang="zh-CN" dirty="0"/>
+              <a:t>2. </a:t>
+            </a:r>
+            <a:r>
+              <a:rPr lang="zh-CN" altLang="en-US" dirty="0"/>
+              <a:t>数据结构及其实现</a:t>
+            </a:r>
+            <a:endParaRPr lang="en-US" altLang="zh-CN" dirty="0"/>
+          </a:p>
+          <a:p>
+            <a:r>
+              <a:rPr lang="en-US" altLang="zh-CN" dirty="0"/>
+              <a:t>3.</a:t>
+            </a:r>
+            <a:r>
+              <a:rPr lang="zh-CN" altLang="en-US" dirty="0"/>
+              <a:t> 语法</a:t>
+            </a:r>
+            <a:endParaRPr lang="en-US" altLang="zh-CN" dirty="0"/>
+          </a:p>
+          <a:p>
+            <a:r>
+              <a:rPr lang="en-US" altLang="zh-CN" dirty="0"/>
+              <a:t>4. </a:t>
+            </a:r>
+            <a:r>
+              <a:rPr lang="zh-CN" altLang="en-US" dirty="0"/>
+              <a:t>功能实现与优化</a:t>
+            </a:r>
+            <a:endParaRPr lang="en-US" altLang="zh-CN" dirty="0"/>
+          </a:p>
+          <a:p>
+            <a:r>
+              <a:rPr lang="en-US" altLang="zh-CN" dirty="0"/>
+              <a:t>5. </a:t>
+            </a:r>
+            <a:r>
+              <a:rPr lang="zh-CN" altLang="en-US" dirty="0"/>
+              <a:t>总结</a:t>
+            </a:r>
+          </a:p>
+        </p:txBody>
+      </p:sp>
+    </p:spTree>
+    <p:extLst>
+      <p:ext uri="{BB962C8B-B14F-4D97-AF65-F5344CB8AC3E}">
+        <p14:creationId xmlns:p14="http://schemas.microsoft.com/office/powerpoint/2010/main" val="3015883178"/>
+      </p:ext>
+    </p:extLst>
+  </p:cSld>
+  <p:clrMapOvr>
+    <a:masterClrMapping/>
+  </p:clrMapOvr>
+</p:sld>
+</file>
+
+<file path=ppt/slides/slide20.xml><?xml version="1.0" encoding="utf-8"?>
 <p:sld xmlns:a="http://schemas.openxmlformats.org/drawingml/2006/main" xmlns:r="http://schemas.openxmlformats.org/officeDocument/2006/relationships" xmlns:p="http://schemas.openxmlformats.org/presentationml/2006/main">
   <p:cSld>
     <p:spTree>
@@ -14233,8 +14841,16 @@
               <a:buNone/>
             </a:pPr>
             <a:r>
+              <a:rPr lang="en-US" altLang="zh-CN" dirty="0">
+                <a:solidFill>
+                  <a:srgbClr val="FF0000"/>
+                </a:solidFill>
+              </a:rPr>
+              <a:t>Prefix</a:t>
+            </a:r>
+            <a:r>
               <a:rPr lang="en-US" altLang="zh-CN" dirty="0"/>
-              <a:t>Prefix + infix + exp</a:t>
+              <a:t> + infix + exp</a:t>
             </a:r>
           </a:p>
           <a:p>
@@ -14270,7 +14886,7 @@
 </p:sld>
 </file>
 
-<file path=ppt/slides/slide24.xml><?xml version="1.0" encoding="utf-8"?>
+<file path=ppt/slides/slide21.xml><?xml version="1.0" encoding="utf-8"?>
 <p:sld xmlns:a="http://schemas.openxmlformats.org/drawingml/2006/main" xmlns:r="http://schemas.openxmlformats.org/officeDocument/2006/relationships" xmlns:p="http://schemas.openxmlformats.org/presentationml/2006/main">
   <p:cSld>
     <p:spTree>
@@ -15104,7 +15720,19 @@
             </a:pPr>
             <a:r>
               <a:rPr lang="en-US" altLang="zh-CN" dirty="0"/>
-              <a:t>Prefix + infix + exp</a:t>
+              <a:t>Prefix + </a:t>
+            </a:r>
+            <a:r>
+              <a:rPr lang="en-US" altLang="zh-CN" dirty="0">
+                <a:solidFill>
+                  <a:srgbClr val="FF0000"/>
+                </a:solidFill>
+              </a:rPr>
+              <a:t>infix</a:t>
+            </a:r>
+            <a:r>
+              <a:rPr lang="en-US" altLang="zh-CN" dirty="0"/>
+              <a:t> + exp</a:t>
             </a:r>
           </a:p>
           <a:p>
@@ -15140,7 +15768,7 @@
 </p:sld>
 </file>
 
-<file path=ppt/slides/slide25.xml><?xml version="1.0" encoding="utf-8"?>
+<file path=ppt/slides/slide22.xml><?xml version="1.0" encoding="utf-8"?>
 <p:sld xmlns:a="http://schemas.openxmlformats.org/drawingml/2006/main" xmlns:r="http://schemas.openxmlformats.org/officeDocument/2006/relationships" xmlns:p="http://schemas.openxmlformats.org/presentationml/2006/main">
   <p:cSld>
     <p:spTree>
@@ -16005,7 +16633,7 @@
 </p:sld>
 </file>
 
-<file path=ppt/slides/slide26.xml><?xml version="1.0" encoding="utf-8"?>
+<file path=ppt/slides/slide23.xml><?xml version="1.0" encoding="utf-8"?>
 <p:sld xmlns:a="http://schemas.openxmlformats.org/drawingml/2006/main" xmlns:r="http://schemas.openxmlformats.org/officeDocument/2006/relationships" xmlns:p="http://schemas.openxmlformats.org/presentationml/2006/main">
   <p:cSld>
     <p:spTree>
@@ -16834,7 +17462,27 @@
             </a:pPr>
             <a:r>
               <a:rPr lang="en-US" altLang="zh-CN" dirty="0"/>
-              <a:t>Prefix + infix + exp</a:t>
+              <a:t>Prefix + </a:t>
+            </a:r>
+            <a:r>
+              <a:rPr lang="en-US" altLang="zh-CN" dirty="0">
+                <a:solidFill>
+                  <a:srgbClr val="FF0000"/>
+                </a:solidFill>
+              </a:rPr>
+              <a:t>infix</a:t>
+            </a:r>
+            <a:r>
+              <a:rPr lang="en-US" altLang="zh-CN" dirty="0"/>
+              <a:t> + </a:t>
+            </a:r>
+            <a:r>
+              <a:rPr lang="en-US" altLang="zh-CN" dirty="0">
+                <a:solidFill>
+                  <a:srgbClr val="FF0000"/>
+                </a:solidFill>
+              </a:rPr>
+              <a:t>exp</a:t>
             </a:r>
           </a:p>
           <a:p>
@@ -16870,7 +17518,7 @@
 </p:sld>
 </file>
 
-<file path=ppt/slides/slide27.xml><?xml version="1.0" encoding="utf-8"?>
+<file path=ppt/slides/slide24.xml><?xml version="1.0" encoding="utf-8"?>
 <p:sld xmlns:a="http://schemas.openxmlformats.org/drawingml/2006/main" xmlns:r="http://schemas.openxmlformats.org/officeDocument/2006/relationships" xmlns:p="http://schemas.openxmlformats.org/presentationml/2006/main">
   <p:cSld>
     <p:spTree>
@@ -17735,7 +18383,7 @@
 </p:sld>
 </file>
 
-<file path=ppt/slides/slide28.xml><?xml version="1.0" encoding="utf-8"?>
+<file path=ppt/slides/slide25.xml><?xml version="1.0" encoding="utf-8"?>
 <p:sld xmlns:a="http://schemas.openxmlformats.org/drawingml/2006/main" xmlns:r="http://schemas.openxmlformats.org/officeDocument/2006/relationships" xmlns:p="http://schemas.openxmlformats.org/presentationml/2006/main">
   <p:cSld>
     <p:spTree>
@@ -18600,7 +19248,7 @@
 </p:sld>
 </file>
 
-<file path=ppt/slides/slide29.xml><?xml version="1.0" encoding="utf-8"?>
+<file path=ppt/slides/slide26.xml><?xml version="1.0" encoding="utf-8"?>
 <p:sld xmlns:a="http://schemas.openxmlformats.org/drawingml/2006/main" xmlns:r="http://schemas.openxmlformats.org/officeDocument/2006/relationships" xmlns:p="http://schemas.openxmlformats.org/presentationml/2006/main">
   <p:cSld>
     <p:spTree>
@@ -19495,177 +20143,7 @@
 </p:sld>
 </file>
 
-<file path=ppt/slides/slide3.xml><?xml version="1.0" encoding="utf-8"?>
-<p:sld xmlns:a="http://schemas.openxmlformats.org/drawingml/2006/main" xmlns:r="http://schemas.openxmlformats.org/officeDocument/2006/relationships" xmlns:p="http://schemas.openxmlformats.org/presentationml/2006/main">
-  <p:cSld>
-    <p:spTree>
-      <p:nvGrpSpPr>
-        <p:cNvPr id="1" name=""/>
-        <p:cNvGrpSpPr/>
-        <p:nvPr/>
-      </p:nvGrpSpPr>
-      <p:grpSpPr>
-        <a:xfrm>
-          <a:off x="0" y="0"/>
-          <a:ext cx="0" cy="0"/>
-          <a:chOff x="0" y="0"/>
-          <a:chExt cx="0" cy="0"/>
-        </a:xfrm>
-      </p:grpSpPr>
-      <p:sp>
-        <p:nvSpPr>
-          <p:cNvPr id="2" name="标题 1">
-            <a:extLst>
-              <a:ext uri="{FF2B5EF4-FFF2-40B4-BE49-F238E27FC236}">
-                <a16:creationId xmlns:a16="http://schemas.microsoft.com/office/drawing/2014/main" id="{1F4630B8-5F6D-766E-BBC3-3677334C43F2}"/>
-              </a:ext>
-            </a:extLst>
-          </p:cNvPr>
-          <p:cNvSpPr>
-            <a:spLocks noGrp="1"/>
-          </p:cNvSpPr>
-          <p:nvPr>
-            <p:ph type="title"/>
-          </p:nvPr>
-        </p:nvSpPr>
-        <p:spPr/>
-        <p:txBody>
-          <a:bodyPr/>
-          <a:lstStyle/>
-          <a:p>
-            <a:r>
-              <a:rPr lang="en-US" altLang="zh-CN" dirty="0"/>
-              <a:t>1. </a:t>
-            </a:r>
-            <a:r>
-              <a:rPr lang="zh-CN" altLang="en-US" dirty="0"/>
-              <a:t>目的</a:t>
-            </a:r>
-          </a:p>
-        </p:txBody>
-      </p:sp>
-      <p:sp>
-        <p:nvSpPr>
-          <p:cNvPr id="3" name="内容占位符 2">
-            <a:extLst>
-              <a:ext uri="{FF2B5EF4-FFF2-40B4-BE49-F238E27FC236}">
-                <a16:creationId xmlns:a16="http://schemas.microsoft.com/office/drawing/2014/main" id="{0584B4BD-7761-27F5-2ED5-B61314209099}"/>
-              </a:ext>
-            </a:extLst>
-          </p:cNvPr>
-          <p:cNvSpPr>
-            <a:spLocks noGrp="1"/>
-          </p:cNvSpPr>
-          <p:nvPr>
-            <p:ph idx="1"/>
-          </p:nvPr>
-        </p:nvSpPr>
-        <p:spPr/>
-        <p:txBody>
-          <a:bodyPr/>
-          <a:lstStyle/>
-          <a:p>
-            <a:pPr marL="0" indent="0">
-              <a:buNone/>
-            </a:pPr>
-            <a:r>
-              <a:rPr lang="zh-CN" altLang="en-US" dirty="0"/>
-              <a:t>谈到数据结构的应用，应该逃不出编译原理、操作系统和数据库这三门课程，它们对高效和实现的要求都很高。</a:t>
-            </a:r>
-            <a:endParaRPr lang="en-US" altLang="zh-CN" dirty="0"/>
-          </a:p>
-          <a:p>
-            <a:pPr marL="0" indent="0">
-              <a:buNone/>
-            </a:pPr>
-            <a:r>
-              <a:rPr lang="zh-CN" altLang="en-US" dirty="0"/>
-              <a:t>实际上并没有解决什么实际问题（但对各种任务的一些操作的理解是有帮助的），也没有什么深刻的选题背景。</a:t>
-            </a:r>
-            <a:endParaRPr lang="en-US" altLang="zh-CN" dirty="0"/>
-          </a:p>
-          <a:p>
-            <a:pPr marL="0" indent="0">
-              <a:buNone/>
-            </a:pPr>
-            <a:r>
-              <a:rPr lang="zh-CN" altLang="en-US" dirty="0"/>
-              <a:t>仅仅是因为好奇，机器是怎么识别高级语言并执行的，还有一些术语实际上是什么意思。（例如函数调用栈）</a:t>
-            </a:r>
-            <a:endParaRPr lang="en-US" altLang="zh-CN" dirty="0"/>
-          </a:p>
-          <a:p>
-            <a:pPr marL="0" indent="0">
-              <a:buNone/>
-            </a:pPr>
-            <a:endParaRPr lang="en-US" altLang="zh-CN" dirty="0"/>
-          </a:p>
-          <a:p>
-            <a:pPr marL="0" indent="0">
-              <a:buNone/>
-            </a:pPr>
-            <a:r>
-              <a:rPr lang="zh-CN" altLang="en-US" dirty="0"/>
-              <a:t>并不是完全自己构建的，是一个学习模仿</a:t>
-            </a:r>
-            <a:endParaRPr lang="en-US" altLang="zh-CN" dirty="0"/>
-          </a:p>
-          <a:p>
-            <a:pPr marL="0" indent="0">
-              <a:buNone/>
-            </a:pPr>
-            <a:r>
-              <a:rPr lang="zh-CN" altLang="en-US" dirty="0"/>
-              <a:t>的项目。</a:t>
-            </a:r>
-            <a:endParaRPr lang="en-US" altLang="zh-CN" dirty="0"/>
-          </a:p>
-        </p:txBody>
-      </p:sp>
-      <p:pic>
-        <p:nvPicPr>
-          <p:cNvPr id="5" name="图片 4">
-            <a:extLst>
-              <a:ext uri="{FF2B5EF4-FFF2-40B4-BE49-F238E27FC236}">
-                <a16:creationId xmlns:a16="http://schemas.microsoft.com/office/drawing/2014/main" id="{7C86EDC4-1DEE-B108-955E-507E73FD7E73}"/>
-              </a:ext>
-            </a:extLst>
-          </p:cNvPr>
-          <p:cNvPicPr>
-            <a:picLocks noChangeAspect="1"/>
-          </p:cNvPicPr>
-          <p:nvPr/>
-        </p:nvPicPr>
-        <p:blipFill>
-          <a:blip r:embed="rId2"/>
-          <a:stretch>
-            <a:fillRect/>
-          </a:stretch>
-        </p:blipFill>
-        <p:spPr>
-          <a:xfrm>
-            <a:off x="7451357" y="4411506"/>
-            <a:ext cx="3902443" cy="1765457"/>
-          </a:xfrm>
-          <a:prstGeom prst="rect">
-            <a:avLst/>
-          </a:prstGeom>
-        </p:spPr>
-      </p:pic>
-    </p:spTree>
-    <p:extLst>
-      <p:ext uri="{BB962C8B-B14F-4D97-AF65-F5344CB8AC3E}">
-        <p14:creationId xmlns:p14="http://schemas.microsoft.com/office/powerpoint/2010/main" val="1888299448"/>
-      </p:ext>
-    </p:extLst>
-  </p:cSld>
-  <p:clrMapOvr>
-    <a:masterClrMapping/>
-  </p:clrMapOvr>
-</p:sld>
-</file>
-
-<file path=ppt/slides/slide30.xml><?xml version="1.0" encoding="utf-8"?>
+<file path=ppt/slides/slide27.xml><?xml version="1.0" encoding="utf-8"?>
 <p:sld xmlns:a="http://schemas.openxmlformats.org/drawingml/2006/main" xmlns:r="http://schemas.openxmlformats.org/officeDocument/2006/relationships" xmlns:p="http://schemas.openxmlformats.org/presentationml/2006/main">
   <p:cSld>
     <p:spTree>
@@ -20560,7 +21038,7 @@
 </p:sld>
 </file>
 
-<file path=ppt/slides/slide31.xml><?xml version="1.0" encoding="utf-8"?>
+<file path=ppt/slides/slide28.xml><?xml version="1.0" encoding="utf-8"?>
 <p:sld xmlns:a="http://schemas.openxmlformats.org/drawingml/2006/main" xmlns:r="http://schemas.openxmlformats.org/officeDocument/2006/relationships" xmlns:p="http://schemas.openxmlformats.org/presentationml/2006/main">
   <p:cSld>
     <p:spTree>
@@ -21302,7 +21780,7 @@
 </p:sld>
 </file>
 
-<file path=ppt/slides/slide32.xml><?xml version="1.0" encoding="utf-8"?>
+<file path=ppt/slides/slide29.xml><?xml version="1.0" encoding="utf-8"?>
 <p:sld xmlns:a="http://schemas.openxmlformats.org/drawingml/2006/main" xmlns:r="http://schemas.openxmlformats.org/officeDocument/2006/relationships" xmlns:p="http://schemas.openxmlformats.org/presentationml/2006/main">
   <p:cSld>
     <p:spTree>
@@ -22537,7 +23015,185 @@
 </p:sld>
 </file>
 
-<file path=ppt/slides/slide33.xml><?xml version="1.0" encoding="utf-8"?>
+<file path=ppt/slides/slide3.xml><?xml version="1.0" encoding="utf-8"?>
+<p:sld xmlns:a="http://schemas.openxmlformats.org/drawingml/2006/main" xmlns:r="http://schemas.openxmlformats.org/officeDocument/2006/relationships" xmlns:p="http://schemas.openxmlformats.org/presentationml/2006/main">
+  <p:cSld>
+    <p:spTree>
+      <p:nvGrpSpPr>
+        <p:cNvPr id="1" name=""/>
+        <p:cNvGrpSpPr/>
+        <p:nvPr/>
+      </p:nvGrpSpPr>
+      <p:grpSpPr>
+        <a:xfrm>
+          <a:off x="0" y="0"/>
+          <a:ext cx="0" cy="0"/>
+          <a:chOff x="0" y="0"/>
+          <a:chExt cx="0" cy="0"/>
+        </a:xfrm>
+      </p:grpSpPr>
+      <p:sp>
+        <p:nvSpPr>
+          <p:cNvPr id="2" name="标题 1">
+            <a:extLst>
+              <a:ext uri="{FF2B5EF4-FFF2-40B4-BE49-F238E27FC236}">
+                <a16:creationId xmlns:a16="http://schemas.microsoft.com/office/drawing/2014/main" id="{1F4630B8-5F6D-766E-BBC3-3677334C43F2}"/>
+              </a:ext>
+            </a:extLst>
+          </p:cNvPr>
+          <p:cNvSpPr>
+            <a:spLocks noGrp="1"/>
+          </p:cNvSpPr>
+          <p:nvPr>
+            <p:ph type="title"/>
+          </p:nvPr>
+        </p:nvSpPr>
+        <p:spPr/>
+        <p:txBody>
+          <a:bodyPr/>
+          <a:lstStyle/>
+          <a:p>
+            <a:r>
+              <a:rPr lang="en-US" altLang="zh-CN" dirty="0"/>
+              <a:t>1. </a:t>
+            </a:r>
+            <a:r>
+              <a:rPr lang="zh-CN" altLang="en-US" dirty="0"/>
+              <a:t>目的</a:t>
+            </a:r>
+          </a:p>
+        </p:txBody>
+      </p:sp>
+      <p:sp>
+        <p:nvSpPr>
+          <p:cNvPr id="3" name="内容占位符 2">
+            <a:extLst>
+              <a:ext uri="{FF2B5EF4-FFF2-40B4-BE49-F238E27FC236}">
+                <a16:creationId xmlns:a16="http://schemas.microsoft.com/office/drawing/2014/main" id="{0584B4BD-7761-27F5-2ED5-B61314209099}"/>
+              </a:ext>
+            </a:extLst>
+          </p:cNvPr>
+          <p:cNvSpPr>
+            <a:spLocks noGrp="1"/>
+          </p:cNvSpPr>
+          <p:nvPr>
+            <p:ph idx="1"/>
+          </p:nvPr>
+        </p:nvSpPr>
+        <p:spPr/>
+        <p:txBody>
+          <a:bodyPr/>
+          <a:lstStyle/>
+          <a:p>
+            <a:pPr marL="0" indent="0">
+              <a:buNone/>
+            </a:pPr>
+            <a:r>
+              <a:rPr lang="zh-CN" altLang="en-US" dirty="0"/>
+              <a:t>谈到数据结构的应用，应该逃不出编译原理、操作系统和数据库这三门课程，它们对高效和实现的要求都很高。</a:t>
+            </a:r>
+            <a:endParaRPr lang="en-US" altLang="zh-CN" dirty="0"/>
+          </a:p>
+          <a:p>
+            <a:pPr marL="0" indent="0">
+              <a:buNone/>
+            </a:pPr>
+            <a:r>
+              <a:rPr lang="zh-CN" altLang="en-US" dirty="0"/>
+              <a:t>实际上并没有解决什么实际问题（但对各种任务的一些操作的理解是有帮助的），也没有什么深刻的选题背景。</a:t>
+            </a:r>
+            <a:endParaRPr lang="en-US" altLang="zh-CN" dirty="0"/>
+          </a:p>
+          <a:p>
+            <a:pPr marL="0" indent="0">
+              <a:buNone/>
+            </a:pPr>
+            <a:r>
+              <a:rPr lang="zh-CN" altLang="en-US" dirty="0"/>
+              <a:t>仅仅是因为好奇，机器是怎么识别高级语言并执行的，还有一些术语实际上是什么意思。（例如函数调用栈）</a:t>
+            </a:r>
+            <a:endParaRPr lang="en-US" altLang="zh-CN" dirty="0"/>
+          </a:p>
+          <a:p>
+            <a:pPr marL="0" indent="0">
+              <a:buNone/>
+            </a:pPr>
+            <a:endParaRPr lang="en-US" altLang="zh-CN" dirty="0"/>
+          </a:p>
+          <a:p>
+            <a:pPr marL="0" indent="0">
+              <a:buNone/>
+            </a:pPr>
+            <a:endParaRPr lang="en-US" altLang="zh-CN" sz="1100" dirty="0"/>
+          </a:p>
+          <a:p>
+            <a:pPr marL="0" indent="0">
+              <a:buNone/>
+            </a:pPr>
+            <a:endParaRPr lang="en-US" altLang="zh-CN" sz="1100" dirty="0"/>
+          </a:p>
+          <a:p>
+            <a:pPr marL="0" indent="0">
+              <a:buNone/>
+            </a:pPr>
+            <a:endParaRPr lang="en-US" altLang="zh-CN" sz="1100" dirty="0"/>
+          </a:p>
+          <a:p>
+            <a:pPr marL="0" indent="0" algn="r">
+              <a:buNone/>
+            </a:pPr>
+            <a:r>
+              <a:rPr lang="zh-CN" altLang="en-US" sz="1100" dirty="0"/>
+              <a:t>并不是完全自己构建的，是一个学习模仿的项目                                                                                                           。</a:t>
+            </a:r>
+            <a:endParaRPr lang="en-US" altLang="zh-CN" sz="1100" dirty="0"/>
+          </a:p>
+        </p:txBody>
+      </p:sp>
+      <p:pic>
+        <p:nvPicPr>
+          <p:cNvPr id="5" name="图片 4">
+            <a:extLst>
+              <a:ext uri="{FF2B5EF4-FFF2-40B4-BE49-F238E27FC236}">
+                <a16:creationId xmlns:a16="http://schemas.microsoft.com/office/drawing/2014/main" id="{7C86EDC4-1DEE-B108-955E-507E73FD7E73}"/>
+              </a:ext>
+            </a:extLst>
+          </p:cNvPr>
+          <p:cNvPicPr>
+            <a:picLocks noChangeAspect="1"/>
+          </p:cNvPicPr>
+          <p:nvPr/>
+        </p:nvPicPr>
+        <p:blipFill>
+          <a:blip r:embed="rId3"/>
+          <a:stretch>
+            <a:fillRect/>
+          </a:stretch>
+        </p:blipFill>
+        <p:spPr>
+          <a:xfrm>
+            <a:off x="7278362" y="4411506"/>
+            <a:ext cx="3902443" cy="1765457"/>
+          </a:xfrm>
+          <a:prstGeom prst="rect">
+            <a:avLst/>
+          </a:prstGeom>
+        </p:spPr>
+      </p:pic>
+    </p:spTree>
+    <p:extLst>
+      <p:ext uri="{BB962C8B-B14F-4D97-AF65-F5344CB8AC3E}">
+        <p14:creationId xmlns:p14="http://schemas.microsoft.com/office/powerpoint/2010/main" val="1888299448"/>
+      </p:ext>
+    </p:extLst>
+  </p:cSld>
+  <p:clrMapOvr>
+    <a:masterClrMapping/>
+  </p:clrMapOvr>
+</p:sld>
+</file>
+
+<file path=ppt/slides/slide30.xml><?xml version="1.0" encoding="utf-8"?>
 <p:sld xmlns:a="http://schemas.openxmlformats.org/drawingml/2006/main" xmlns:r="http://schemas.openxmlformats.org/officeDocument/2006/relationships" xmlns:p="http://schemas.openxmlformats.org/presentationml/2006/main">
   <p:cSld>
     <p:spTree>
@@ -24285,7 +24941,7 @@
 </p:sld>
 </file>
 
-<file path=ppt/slides/slide34.xml><?xml version="1.0" encoding="utf-8"?>
+<file path=ppt/slides/slide31.xml><?xml version="1.0" encoding="utf-8"?>
 <p:sld xmlns:a="http://schemas.openxmlformats.org/drawingml/2006/main" xmlns:r="http://schemas.openxmlformats.org/officeDocument/2006/relationships" xmlns:p="http://schemas.openxmlformats.org/presentationml/2006/main">
   <p:cSld>
     <p:spTree>
@@ -24686,7 +25342,7 @@
 </p:sld>
 </file>
 
-<file path=ppt/slides/slide35.xml><?xml version="1.0" encoding="utf-8"?>
+<file path=ppt/slides/slide32.xml><?xml version="1.0" encoding="utf-8"?>
 <p:sld xmlns:a="http://schemas.openxmlformats.org/drawingml/2006/main" xmlns:r="http://schemas.openxmlformats.org/officeDocument/2006/relationships" xmlns:p="http://schemas.openxmlformats.org/presentationml/2006/main">
   <p:cSld>
     <p:spTree>
@@ -24708,7 +25364,7 @@
           <p:cNvPr id="2" name="标题 1">
             <a:extLst>
               <a:ext uri="{FF2B5EF4-FFF2-40B4-BE49-F238E27FC236}">
-                <a16:creationId xmlns:a16="http://schemas.microsoft.com/office/drawing/2014/main" id="{5FFE7544-9988-E94F-E290-440E2CFAB91E}"/>
+                <a16:creationId xmlns:a16="http://schemas.microsoft.com/office/drawing/2014/main" id="{7ED4DC22-8D5F-3441-7DDD-571FD1FFFC20}"/>
               </a:ext>
             </a:extLst>
           </p:cNvPr>
@@ -24730,222 +25386,25 @@
             </a:r>
             <a:r>
               <a:rPr lang="zh-CN" altLang="en-US" dirty="0"/>
-              <a:t>功能实现</a:t>
+              <a:t>一个优化</a:t>
             </a:r>
             <a:r>
               <a:rPr lang="en-US" altLang="zh-CN" dirty="0"/>
-              <a:t>——Local</a:t>
-            </a:r>
-            <a:endParaRPr lang="zh-CN" altLang="en-US" dirty="0"/>
+              <a:t>——</a:t>
+            </a:r>
+            <a:r>
+              <a:rPr lang="zh-CN" altLang="en-US" dirty="0"/>
+              <a:t>字符串驻留</a:t>
+            </a:r>
           </a:p>
         </p:txBody>
       </p:sp>
       <p:sp>
         <p:nvSpPr>
-          <p:cNvPr id="11" name="内容占位符 2">
+          <p:cNvPr id="3" name="内容占位符 2">
             <a:extLst>
               <a:ext uri="{FF2B5EF4-FFF2-40B4-BE49-F238E27FC236}">
-                <a16:creationId xmlns:a16="http://schemas.microsoft.com/office/drawing/2014/main" id="{A4C02A5B-6E1E-DCCF-5179-7888D0FB08B5}"/>
-              </a:ext>
-            </a:extLst>
-          </p:cNvPr>
-          <p:cNvSpPr txBox="1">
-            <a:spLocks/>
-          </p:cNvSpPr>
-          <p:nvPr/>
-        </p:nvSpPr>
-        <p:spPr>
-          <a:xfrm>
-            <a:off x="1123950" y="2216171"/>
-            <a:ext cx="3235582" cy="639012"/>
-          </a:xfrm>
-          <a:prstGeom prst="rect">
-            <a:avLst/>
-          </a:prstGeom>
-        </p:spPr>
-        <p:txBody>
-          <a:bodyPr vert="horz" lIns="91440" tIns="45720" rIns="91440" bIns="45720" rtlCol="0">
-            <a:noAutofit/>
-          </a:bodyPr>
-          <a:lstStyle>
-            <a:lvl1pPr marL="228600" indent="-228600" algn="l" defTabSz="914400" rtl="0" eaLnBrk="1" latinLnBrk="0" hangingPunct="1">
-              <a:lnSpc>
-                <a:spcPct val="90000"/>
-              </a:lnSpc>
-              <a:spcBef>
-                <a:spcPts val="1000"/>
-              </a:spcBef>
-              <a:buFont typeface="Arial" panose="020B0604020202020204" pitchFamily="34" charset="0"/>
-              <a:buChar char="•"/>
-              <a:defRPr sz="2800" kern="1200">
-                <a:solidFill>
-                  <a:schemeClr val="tx1"/>
-                </a:solidFill>
-                <a:latin typeface="+mn-lt"/>
-                <a:ea typeface="+mn-ea"/>
-                <a:cs typeface="+mn-cs"/>
-              </a:defRPr>
-            </a:lvl1pPr>
-            <a:lvl2pPr marL="685800" indent="-228600" algn="l" defTabSz="914400" rtl="0" eaLnBrk="1" latinLnBrk="0" hangingPunct="1">
-              <a:lnSpc>
-                <a:spcPct val="90000"/>
-              </a:lnSpc>
-              <a:spcBef>
-                <a:spcPts val="500"/>
-              </a:spcBef>
-              <a:buFont typeface="Arial" panose="020B0604020202020204" pitchFamily="34" charset="0"/>
-              <a:buChar char="•"/>
-              <a:defRPr sz="2400" kern="1200">
-                <a:solidFill>
-                  <a:schemeClr val="tx1"/>
-                </a:solidFill>
-                <a:latin typeface="+mn-lt"/>
-                <a:ea typeface="+mn-ea"/>
-                <a:cs typeface="+mn-cs"/>
-              </a:defRPr>
-            </a:lvl2pPr>
-            <a:lvl3pPr marL="1143000" indent="-228600" algn="l" defTabSz="914400" rtl="0" eaLnBrk="1" latinLnBrk="0" hangingPunct="1">
-              <a:lnSpc>
-                <a:spcPct val="90000"/>
-              </a:lnSpc>
-              <a:spcBef>
-                <a:spcPts val="500"/>
-              </a:spcBef>
-              <a:buFont typeface="Arial" panose="020B0604020202020204" pitchFamily="34" charset="0"/>
-              <a:buChar char="•"/>
-              <a:defRPr sz="2000" kern="1200">
-                <a:solidFill>
-                  <a:schemeClr val="tx1"/>
-                </a:solidFill>
-                <a:latin typeface="+mn-lt"/>
-                <a:ea typeface="+mn-ea"/>
-                <a:cs typeface="+mn-cs"/>
-              </a:defRPr>
-            </a:lvl3pPr>
-            <a:lvl4pPr marL="1600200" indent="-228600" algn="l" defTabSz="914400" rtl="0" eaLnBrk="1" latinLnBrk="0" hangingPunct="1">
-              <a:lnSpc>
-                <a:spcPct val="90000"/>
-              </a:lnSpc>
-              <a:spcBef>
-                <a:spcPts val="500"/>
-              </a:spcBef>
-              <a:buFont typeface="Arial" panose="020B0604020202020204" pitchFamily="34" charset="0"/>
-              <a:buChar char="•"/>
-              <a:defRPr sz="1800" kern="1200">
-                <a:solidFill>
-                  <a:schemeClr val="tx1"/>
-                </a:solidFill>
-                <a:latin typeface="+mn-lt"/>
-                <a:ea typeface="+mn-ea"/>
-                <a:cs typeface="+mn-cs"/>
-              </a:defRPr>
-            </a:lvl4pPr>
-            <a:lvl5pPr marL="2057400" indent="-228600" algn="l" defTabSz="914400" rtl="0" eaLnBrk="1" latinLnBrk="0" hangingPunct="1">
-              <a:lnSpc>
-                <a:spcPct val="90000"/>
-              </a:lnSpc>
-              <a:spcBef>
-                <a:spcPts val="500"/>
-              </a:spcBef>
-              <a:buFont typeface="Arial" panose="020B0604020202020204" pitchFamily="34" charset="0"/>
-              <a:buChar char="•"/>
-              <a:defRPr sz="1800" kern="1200">
-                <a:solidFill>
-                  <a:schemeClr val="tx1"/>
-                </a:solidFill>
-                <a:latin typeface="+mn-lt"/>
-                <a:ea typeface="+mn-ea"/>
-                <a:cs typeface="+mn-cs"/>
-              </a:defRPr>
-            </a:lvl5pPr>
-            <a:lvl6pPr marL="2514600" indent="-228600" algn="l" defTabSz="914400" rtl="0" eaLnBrk="1" latinLnBrk="0" hangingPunct="1">
-              <a:lnSpc>
-                <a:spcPct val="90000"/>
-              </a:lnSpc>
-              <a:spcBef>
-                <a:spcPts val="500"/>
-              </a:spcBef>
-              <a:buFont typeface="Arial" panose="020B0604020202020204" pitchFamily="34" charset="0"/>
-              <a:buChar char="•"/>
-              <a:defRPr sz="1800" kern="1200">
-                <a:solidFill>
-                  <a:schemeClr val="tx1"/>
-                </a:solidFill>
-                <a:latin typeface="+mn-lt"/>
-                <a:ea typeface="+mn-ea"/>
-                <a:cs typeface="+mn-cs"/>
-              </a:defRPr>
-            </a:lvl6pPr>
-            <a:lvl7pPr marL="2971800" indent="-228600" algn="l" defTabSz="914400" rtl="0" eaLnBrk="1" latinLnBrk="0" hangingPunct="1">
-              <a:lnSpc>
-                <a:spcPct val="90000"/>
-              </a:lnSpc>
-              <a:spcBef>
-                <a:spcPts val="500"/>
-              </a:spcBef>
-              <a:buFont typeface="Arial" panose="020B0604020202020204" pitchFamily="34" charset="0"/>
-              <a:buChar char="•"/>
-              <a:defRPr sz="1800" kern="1200">
-                <a:solidFill>
-                  <a:schemeClr val="tx1"/>
-                </a:solidFill>
-                <a:latin typeface="+mn-lt"/>
-                <a:ea typeface="+mn-ea"/>
-                <a:cs typeface="+mn-cs"/>
-              </a:defRPr>
-            </a:lvl7pPr>
-            <a:lvl8pPr marL="3429000" indent="-228600" algn="l" defTabSz="914400" rtl="0" eaLnBrk="1" latinLnBrk="0" hangingPunct="1">
-              <a:lnSpc>
-                <a:spcPct val="90000"/>
-              </a:lnSpc>
-              <a:spcBef>
-                <a:spcPts val="500"/>
-              </a:spcBef>
-              <a:buFont typeface="Arial" panose="020B0604020202020204" pitchFamily="34" charset="0"/>
-              <a:buChar char="•"/>
-              <a:defRPr sz="1800" kern="1200">
-                <a:solidFill>
-                  <a:schemeClr val="tx1"/>
-                </a:solidFill>
-                <a:latin typeface="+mn-lt"/>
-                <a:ea typeface="+mn-ea"/>
-                <a:cs typeface="+mn-cs"/>
-              </a:defRPr>
-            </a:lvl8pPr>
-            <a:lvl9pPr marL="3886200" indent="-228600" algn="l" defTabSz="914400" rtl="0" eaLnBrk="1" latinLnBrk="0" hangingPunct="1">
-              <a:lnSpc>
-                <a:spcPct val="90000"/>
-              </a:lnSpc>
-              <a:spcBef>
-                <a:spcPts val="500"/>
-              </a:spcBef>
-              <a:buFont typeface="Arial" panose="020B0604020202020204" pitchFamily="34" charset="0"/>
-              <a:buChar char="•"/>
-              <a:defRPr sz="1800" kern="1200">
-                <a:solidFill>
-                  <a:schemeClr val="tx1"/>
-                </a:solidFill>
-                <a:latin typeface="+mn-lt"/>
-                <a:ea typeface="+mn-ea"/>
-                <a:cs typeface="+mn-cs"/>
-              </a:defRPr>
-            </a:lvl9pPr>
-          </a:lstStyle>
-          <a:p>
-            <a:pPr marL="0" indent="0">
-              <a:buFont typeface="Arial" panose="020B0604020202020204" pitchFamily="34" charset="0"/>
-              <a:buNone/>
-            </a:pPr>
-            <a:endParaRPr lang="zh-CN" altLang="en-US" sz="3200" dirty="0"/>
-          </a:p>
-        </p:txBody>
-      </p:sp>
-      <p:sp>
-        <p:nvSpPr>
-          <p:cNvPr id="15" name="内容占位符 2">
-            <a:extLst>
-              <a:ext uri="{FF2B5EF4-FFF2-40B4-BE49-F238E27FC236}">
-                <a16:creationId xmlns:a16="http://schemas.microsoft.com/office/drawing/2014/main" id="{9B6CDA02-8D91-FCD6-9569-56F76ACCC84D}"/>
+                <a16:creationId xmlns:a16="http://schemas.microsoft.com/office/drawing/2014/main" id="{EE8291FE-E8FE-A3AF-DA66-3A231BB5B0CD}"/>
               </a:ext>
             </a:extLst>
           </p:cNvPr>
@@ -24958,12 +25417,14 @@
         </p:nvSpPr>
         <p:spPr>
           <a:xfrm>
-            <a:off x="838200" y="1825625"/>
-            <a:ext cx="10515600" cy="4351338"/>
+            <a:off x="5252888" y="1825625"/>
+            <a:ext cx="6100912" cy="4351338"/>
           </a:xfrm>
         </p:spPr>
         <p:txBody>
-          <a:bodyPr/>
+          <a:bodyPr>
+            <a:normAutofit lnSpcReduction="10000"/>
+          </a:bodyPr>
           <a:lstStyle/>
           <a:p>
             <a:pPr marL="0" indent="0">
@@ -24971,7 +25432,7 @@
             </a:pPr>
             <a:r>
               <a:rPr lang="zh-CN" altLang="en-US" dirty="0"/>
-              <a:t>局部变量由于它的作用域的原因，如果使用哈希表存储，需要频繁的插入和删除，这会导致效率的降低。</a:t>
+              <a:t>在哈希表的开放地址查找中，会存在有很多字符串值是相同的，但是又是不同的对象，浪费了内存。</a:t>
             </a:r>
             <a:endParaRPr lang="en-US" altLang="zh-CN" dirty="0"/>
           </a:p>
@@ -24981,15 +25442,37 @@
             </a:pPr>
             <a:r>
               <a:rPr lang="zh-CN" altLang="en-US" dirty="0"/>
-              <a:t>而由于局部变量声明也具有栈的语义，表达式求值也是用的栈，二者的索引是能够对的上的（如果表达式求完值不</a:t>
+              <a:t>查找这是一个高频的操作，两个字符串的比较又是一个耗时的操作。</a:t>
+            </a:r>
+            <a:endParaRPr lang="en-US" altLang="zh-CN" dirty="0"/>
+          </a:p>
+          <a:p>
+            <a:pPr marL="0" indent="0">
+              <a:buNone/>
+            </a:pPr>
+            <a:r>
+              <a:rPr lang="zh-CN" altLang="en-US" dirty="0"/>
+              <a:t>最快的方法就是比较哈希值</a:t>
             </a:r>
             <a:r>
               <a:rPr lang="en-US" altLang="zh-CN" dirty="0"/>
-              <a:t>pop</a:t>
-            </a:r>
-            <a:r>
-              <a:rPr lang="zh-CN" altLang="en-US" dirty="0"/>
-              <a:t>掉的话）。</a:t>
+              <a:t>+</a:t>
+            </a:r>
+            <a:r>
+              <a:rPr lang="zh-CN" altLang="en-US" dirty="0"/>
+              <a:t>比较长度</a:t>
+            </a:r>
+            <a:r>
+              <a:rPr lang="en-US" altLang="zh-CN" dirty="0"/>
+              <a:t>+</a:t>
+            </a:r>
+            <a:r>
+              <a:rPr lang="en-US" altLang="zh-CN" dirty="0" err="1"/>
+              <a:t>memcmp</a:t>
+            </a:r>
+            <a:r>
+              <a:rPr lang="zh-CN" altLang="en-US" dirty="0"/>
+              <a:t>。</a:t>
             </a:r>
             <a:endParaRPr lang="en-US" altLang="zh-CN" dirty="0"/>
           </a:p>
@@ -24997,10 +25480,6 @@
             <a:pPr marL="0" indent="0">
               <a:buNone/>
             </a:pPr>
-            <a:r>
-              <a:rPr lang="zh-CN" altLang="en-US" dirty="0"/>
-              <a:t>因此，局部变量就不用哈希表存储了，直接使用栈的索引取值。</a:t>
-            </a:r>
             <a:endParaRPr lang="en-US" altLang="zh-CN" dirty="0"/>
           </a:p>
           <a:p>
@@ -25009,17 +25488,18 @@
             </a:pPr>
             <a:r>
               <a:rPr lang="zh-CN" altLang="en-US" dirty="0"/>
-              <a:t>调用与全局变量类似。</a:t>
-            </a:r>
+              <a:t>有没有方法既能节省内存，又能降低一点这个查找的开销？</a:t>
+            </a:r>
+            <a:endParaRPr lang="en-US" altLang="zh-CN" dirty="0"/>
           </a:p>
         </p:txBody>
       </p:sp>
       <p:pic>
         <p:nvPicPr>
-          <p:cNvPr id="4" name="图片 3">
+          <p:cNvPr id="5" name="图片 4">
             <a:extLst>
               <a:ext uri="{FF2B5EF4-FFF2-40B4-BE49-F238E27FC236}">
-                <a16:creationId xmlns:a16="http://schemas.microsoft.com/office/drawing/2014/main" id="{865098DB-6D88-89E0-0939-6D8FAF3027D1}"/>
+                <a16:creationId xmlns:a16="http://schemas.microsoft.com/office/drawing/2014/main" id="{131FD7D6-5D62-D193-ED98-27BDF30D6AAE}"/>
               </a:ext>
             </a:extLst>
           </p:cNvPr>
@@ -25036,8 +25516,156 @@
         </p:blipFill>
         <p:spPr>
           <a:xfrm>
-            <a:off x="1123950" y="4646043"/>
-            <a:ext cx="3792564" cy="1530920"/>
+            <a:off x="175434" y="1690688"/>
+            <a:ext cx="5077454" cy="2076969"/>
+          </a:xfrm>
+          <a:prstGeom prst="rect">
+            <a:avLst/>
+          </a:prstGeom>
+        </p:spPr>
+      </p:pic>
+    </p:spTree>
+    <p:extLst>
+      <p:ext uri="{BB962C8B-B14F-4D97-AF65-F5344CB8AC3E}">
+        <p14:creationId xmlns:p14="http://schemas.microsoft.com/office/powerpoint/2010/main" val="1522410653"/>
+      </p:ext>
+    </p:extLst>
+  </p:cSld>
+  <p:clrMapOvr>
+    <a:masterClrMapping/>
+  </p:clrMapOvr>
+</p:sld>
+</file>
+
+<file path=ppt/slides/slide33.xml><?xml version="1.0" encoding="utf-8"?>
+<p:sld xmlns:a="http://schemas.openxmlformats.org/drawingml/2006/main" xmlns:r="http://schemas.openxmlformats.org/officeDocument/2006/relationships" xmlns:p="http://schemas.openxmlformats.org/presentationml/2006/main">
+  <p:cSld>
+    <p:spTree>
+      <p:nvGrpSpPr>
+        <p:cNvPr id="1" name=""/>
+        <p:cNvGrpSpPr/>
+        <p:nvPr/>
+      </p:nvGrpSpPr>
+      <p:grpSpPr>
+        <a:xfrm>
+          <a:off x="0" y="0"/>
+          <a:ext cx="0" cy="0"/>
+          <a:chOff x="0" y="0"/>
+          <a:chExt cx="0" cy="0"/>
+        </a:xfrm>
+      </p:grpSpPr>
+      <p:sp>
+        <p:nvSpPr>
+          <p:cNvPr id="2" name="标题 1">
+            <a:extLst>
+              <a:ext uri="{FF2B5EF4-FFF2-40B4-BE49-F238E27FC236}">
+                <a16:creationId xmlns:a16="http://schemas.microsoft.com/office/drawing/2014/main" id="{9C11809C-EF7A-7E9B-7B2D-8EC751609C1D}"/>
+              </a:ext>
+            </a:extLst>
+          </p:cNvPr>
+          <p:cNvSpPr>
+            <a:spLocks noGrp="1"/>
+          </p:cNvSpPr>
+          <p:nvPr>
+            <p:ph type="title"/>
+          </p:nvPr>
+        </p:nvSpPr>
+        <p:spPr/>
+        <p:txBody>
+          <a:bodyPr/>
+          <a:lstStyle/>
+          <a:p>
+            <a:r>
+              <a:rPr lang="en-US" altLang="zh-CN" dirty="0"/>
+              <a:t>4. </a:t>
+            </a:r>
+            <a:r>
+              <a:rPr lang="zh-CN" altLang="en-US" dirty="0"/>
+              <a:t>一个优化</a:t>
+            </a:r>
+            <a:r>
+              <a:rPr lang="en-US" altLang="zh-CN" dirty="0"/>
+              <a:t>——</a:t>
+            </a:r>
+            <a:r>
+              <a:rPr lang="zh-CN" altLang="en-US" dirty="0"/>
+              <a:t>字符串驻留</a:t>
+            </a:r>
+          </a:p>
+        </p:txBody>
+      </p:sp>
+      <p:sp>
+        <p:nvSpPr>
+          <p:cNvPr id="3" name="内容占位符 2">
+            <a:extLst>
+              <a:ext uri="{FF2B5EF4-FFF2-40B4-BE49-F238E27FC236}">
+                <a16:creationId xmlns:a16="http://schemas.microsoft.com/office/drawing/2014/main" id="{82C0CDC8-8AB5-A74A-1C82-E8DAA6CC88A1}"/>
+              </a:ext>
+            </a:extLst>
+          </p:cNvPr>
+          <p:cNvSpPr>
+            <a:spLocks noGrp="1"/>
+          </p:cNvSpPr>
+          <p:nvPr>
+            <p:ph idx="1"/>
+          </p:nvPr>
+        </p:nvSpPr>
+        <p:spPr/>
+        <p:txBody>
+          <a:bodyPr/>
+          <a:lstStyle/>
+          <a:p>
+            <a:pPr marL="0" indent="0">
+              <a:buNone/>
+            </a:pPr>
+            <a:r>
+              <a:rPr lang="zh-CN" altLang="en-US" dirty="0"/>
+              <a:t>字符串驻留：让所有相同的字符串都指向同一个内存地址，比较的时候直接判断指针变量是否相同。</a:t>
+            </a:r>
+            <a:endParaRPr lang="en-US" altLang="zh-CN" dirty="0"/>
+          </a:p>
+          <a:p>
+            <a:pPr marL="0" indent="0">
+              <a:buNone/>
+            </a:pPr>
+            <a:r>
+              <a:rPr lang="zh-CN" altLang="en-US" dirty="0"/>
+              <a:t>因此，额外维护一个哈希表，在声明变量（就是要插入一个字符串）的时候，在哈希表中直接查找有没有已存在的相同值的字符串，如果存在，直接返回那个字符串的地址。即实现一个哈希集合。</a:t>
+            </a:r>
+            <a:endParaRPr lang="en-US" altLang="zh-CN" dirty="0"/>
+          </a:p>
+          <a:p>
+            <a:pPr marL="0" indent="0">
+              <a:buNone/>
+            </a:pPr>
+            <a:endParaRPr lang="en-US" altLang="zh-CN" dirty="0"/>
+          </a:p>
+        </p:txBody>
+      </p:sp>
+      <p:pic>
+        <p:nvPicPr>
+          <p:cNvPr id="7" name="图片 6">
+            <a:extLst>
+              <a:ext uri="{FF2B5EF4-FFF2-40B4-BE49-F238E27FC236}">
+                <a16:creationId xmlns:a16="http://schemas.microsoft.com/office/drawing/2014/main" id="{14CAB348-B862-9C0A-8388-A9BC0FC300C4}"/>
+              </a:ext>
+            </a:extLst>
+          </p:cNvPr>
+          <p:cNvPicPr>
+            <a:picLocks noChangeAspect="1"/>
+          </p:cNvPicPr>
+          <p:nvPr/>
+        </p:nvPicPr>
+        <p:blipFill>
+          <a:blip r:embed="rId3"/>
+          <a:stretch>
+            <a:fillRect/>
+          </a:stretch>
+        </p:blipFill>
+        <p:spPr>
+          <a:xfrm>
+            <a:off x="6166022" y="3942872"/>
+            <a:ext cx="4771711" cy="2234091"/>
           </a:xfrm>
           <a:prstGeom prst="rect">
             <a:avLst/>
@@ -25046,10 +25674,10 @@
       </p:pic>
       <p:pic>
         <p:nvPicPr>
-          <p:cNvPr id="6" name="图片 5">
+          <p:cNvPr id="5" name="图片 4">
             <a:extLst>
               <a:ext uri="{FF2B5EF4-FFF2-40B4-BE49-F238E27FC236}">
-                <a16:creationId xmlns:a16="http://schemas.microsoft.com/office/drawing/2014/main" id="{C6BDAB8F-D766-F4C6-C256-073915A867C8}"/>
+                <a16:creationId xmlns:a16="http://schemas.microsoft.com/office/drawing/2014/main" id="{E3AD5CD6-0D0C-7390-5687-47EE9784AC0A}"/>
               </a:ext>
             </a:extLst>
           </p:cNvPr>
@@ -25066,8 +25694,409 @@
         </p:blipFill>
         <p:spPr>
           <a:xfrm>
-            <a:off x="5268785" y="4947929"/>
-            <a:ext cx="2006703" cy="927148"/>
+            <a:off x="796231" y="4037475"/>
+            <a:ext cx="5229748" cy="2044883"/>
+          </a:xfrm>
+          <a:prstGeom prst="rect">
+            <a:avLst/>
+          </a:prstGeom>
+        </p:spPr>
+      </p:pic>
+    </p:spTree>
+    <p:extLst>
+      <p:ext uri="{BB962C8B-B14F-4D97-AF65-F5344CB8AC3E}">
+        <p14:creationId xmlns:p14="http://schemas.microsoft.com/office/powerpoint/2010/main" val="3271965300"/>
+      </p:ext>
+    </p:extLst>
+  </p:cSld>
+  <p:clrMapOvr>
+    <a:masterClrMapping/>
+  </p:clrMapOvr>
+</p:sld>
+</file>
+
+<file path=ppt/slides/slide34.xml><?xml version="1.0" encoding="utf-8"?>
+<p:sld xmlns:a="http://schemas.openxmlformats.org/drawingml/2006/main" xmlns:r="http://schemas.openxmlformats.org/officeDocument/2006/relationships" xmlns:p="http://schemas.openxmlformats.org/presentationml/2006/main">
+  <p:cSld>
+    <p:spTree>
+      <p:nvGrpSpPr>
+        <p:cNvPr id="1" name=""/>
+        <p:cNvGrpSpPr/>
+        <p:nvPr/>
+      </p:nvGrpSpPr>
+      <p:grpSpPr>
+        <a:xfrm>
+          <a:off x="0" y="0"/>
+          <a:ext cx="0" cy="0"/>
+          <a:chOff x="0" y="0"/>
+          <a:chExt cx="0" cy="0"/>
+        </a:xfrm>
+      </p:grpSpPr>
+      <p:sp>
+        <p:nvSpPr>
+          <p:cNvPr id="2" name="标题 1">
+            <a:extLst>
+              <a:ext uri="{FF2B5EF4-FFF2-40B4-BE49-F238E27FC236}">
+                <a16:creationId xmlns:a16="http://schemas.microsoft.com/office/drawing/2014/main" id="{5FFE7544-9988-E94F-E290-440E2CFAB91E}"/>
+              </a:ext>
+            </a:extLst>
+          </p:cNvPr>
+          <p:cNvSpPr>
+            <a:spLocks noGrp="1"/>
+          </p:cNvSpPr>
+          <p:nvPr>
+            <p:ph type="title"/>
+          </p:nvPr>
+        </p:nvSpPr>
+        <p:spPr/>
+        <p:txBody>
+          <a:bodyPr/>
+          <a:lstStyle/>
+          <a:p>
+            <a:r>
+              <a:rPr lang="en-US" altLang="zh-CN" dirty="0"/>
+              <a:t>4. </a:t>
+            </a:r>
+            <a:r>
+              <a:rPr lang="zh-CN" altLang="en-US" dirty="0"/>
+              <a:t>功能实现</a:t>
+            </a:r>
+            <a:r>
+              <a:rPr lang="en-US" altLang="zh-CN" dirty="0"/>
+              <a:t>——Local</a:t>
+            </a:r>
+            <a:endParaRPr lang="zh-CN" altLang="en-US" dirty="0"/>
+          </a:p>
+        </p:txBody>
+      </p:sp>
+      <p:sp>
+        <p:nvSpPr>
+          <p:cNvPr id="11" name="内容占位符 2">
+            <a:extLst>
+              <a:ext uri="{FF2B5EF4-FFF2-40B4-BE49-F238E27FC236}">
+                <a16:creationId xmlns:a16="http://schemas.microsoft.com/office/drawing/2014/main" id="{A4C02A5B-6E1E-DCCF-5179-7888D0FB08B5}"/>
+              </a:ext>
+            </a:extLst>
+          </p:cNvPr>
+          <p:cNvSpPr txBox="1">
+            <a:spLocks/>
+          </p:cNvSpPr>
+          <p:nvPr/>
+        </p:nvSpPr>
+        <p:spPr>
+          <a:xfrm>
+            <a:off x="1123950" y="2216171"/>
+            <a:ext cx="3235582" cy="639012"/>
+          </a:xfrm>
+          <a:prstGeom prst="rect">
+            <a:avLst/>
+          </a:prstGeom>
+        </p:spPr>
+        <p:txBody>
+          <a:bodyPr vert="horz" lIns="91440" tIns="45720" rIns="91440" bIns="45720" rtlCol="0">
+            <a:noAutofit/>
+          </a:bodyPr>
+          <a:lstStyle>
+            <a:lvl1pPr marL="228600" indent="-228600" algn="l" defTabSz="914400" rtl="0" eaLnBrk="1" latinLnBrk="0" hangingPunct="1">
+              <a:lnSpc>
+                <a:spcPct val="90000"/>
+              </a:lnSpc>
+              <a:spcBef>
+                <a:spcPts val="1000"/>
+              </a:spcBef>
+              <a:buFont typeface="Arial" panose="020B0604020202020204" pitchFamily="34" charset="0"/>
+              <a:buChar char="•"/>
+              <a:defRPr sz="2800" kern="1200">
+                <a:solidFill>
+                  <a:schemeClr val="tx1"/>
+                </a:solidFill>
+                <a:latin typeface="+mn-lt"/>
+                <a:ea typeface="+mn-ea"/>
+                <a:cs typeface="+mn-cs"/>
+              </a:defRPr>
+            </a:lvl1pPr>
+            <a:lvl2pPr marL="685800" indent="-228600" algn="l" defTabSz="914400" rtl="0" eaLnBrk="1" latinLnBrk="0" hangingPunct="1">
+              <a:lnSpc>
+                <a:spcPct val="90000"/>
+              </a:lnSpc>
+              <a:spcBef>
+                <a:spcPts val="500"/>
+              </a:spcBef>
+              <a:buFont typeface="Arial" panose="020B0604020202020204" pitchFamily="34" charset="0"/>
+              <a:buChar char="•"/>
+              <a:defRPr sz="2400" kern="1200">
+                <a:solidFill>
+                  <a:schemeClr val="tx1"/>
+                </a:solidFill>
+                <a:latin typeface="+mn-lt"/>
+                <a:ea typeface="+mn-ea"/>
+                <a:cs typeface="+mn-cs"/>
+              </a:defRPr>
+            </a:lvl2pPr>
+            <a:lvl3pPr marL="1143000" indent="-228600" algn="l" defTabSz="914400" rtl="0" eaLnBrk="1" latinLnBrk="0" hangingPunct="1">
+              <a:lnSpc>
+                <a:spcPct val="90000"/>
+              </a:lnSpc>
+              <a:spcBef>
+                <a:spcPts val="500"/>
+              </a:spcBef>
+              <a:buFont typeface="Arial" panose="020B0604020202020204" pitchFamily="34" charset="0"/>
+              <a:buChar char="•"/>
+              <a:defRPr sz="2000" kern="1200">
+                <a:solidFill>
+                  <a:schemeClr val="tx1"/>
+                </a:solidFill>
+                <a:latin typeface="+mn-lt"/>
+                <a:ea typeface="+mn-ea"/>
+                <a:cs typeface="+mn-cs"/>
+              </a:defRPr>
+            </a:lvl3pPr>
+            <a:lvl4pPr marL="1600200" indent="-228600" algn="l" defTabSz="914400" rtl="0" eaLnBrk="1" latinLnBrk="0" hangingPunct="1">
+              <a:lnSpc>
+                <a:spcPct val="90000"/>
+              </a:lnSpc>
+              <a:spcBef>
+                <a:spcPts val="500"/>
+              </a:spcBef>
+              <a:buFont typeface="Arial" panose="020B0604020202020204" pitchFamily="34" charset="0"/>
+              <a:buChar char="•"/>
+              <a:defRPr sz="1800" kern="1200">
+                <a:solidFill>
+                  <a:schemeClr val="tx1"/>
+                </a:solidFill>
+                <a:latin typeface="+mn-lt"/>
+                <a:ea typeface="+mn-ea"/>
+                <a:cs typeface="+mn-cs"/>
+              </a:defRPr>
+            </a:lvl4pPr>
+            <a:lvl5pPr marL="2057400" indent="-228600" algn="l" defTabSz="914400" rtl="0" eaLnBrk="1" latinLnBrk="0" hangingPunct="1">
+              <a:lnSpc>
+                <a:spcPct val="90000"/>
+              </a:lnSpc>
+              <a:spcBef>
+                <a:spcPts val="500"/>
+              </a:spcBef>
+              <a:buFont typeface="Arial" panose="020B0604020202020204" pitchFamily="34" charset="0"/>
+              <a:buChar char="•"/>
+              <a:defRPr sz="1800" kern="1200">
+                <a:solidFill>
+                  <a:schemeClr val="tx1"/>
+                </a:solidFill>
+                <a:latin typeface="+mn-lt"/>
+                <a:ea typeface="+mn-ea"/>
+                <a:cs typeface="+mn-cs"/>
+              </a:defRPr>
+            </a:lvl5pPr>
+            <a:lvl6pPr marL="2514600" indent="-228600" algn="l" defTabSz="914400" rtl="0" eaLnBrk="1" latinLnBrk="0" hangingPunct="1">
+              <a:lnSpc>
+                <a:spcPct val="90000"/>
+              </a:lnSpc>
+              <a:spcBef>
+                <a:spcPts val="500"/>
+              </a:spcBef>
+              <a:buFont typeface="Arial" panose="020B0604020202020204" pitchFamily="34" charset="0"/>
+              <a:buChar char="•"/>
+              <a:defRPr sz="1800" kern="1200">
+                <a:solidFill>
+                  <a:schemeClr val="tx1"/>
+                </a:solidFill>
+                <a:latin typeface="+mn-lt"/>
+                <a:ea typeface="+mn-ea"/>
+                <a:cs typeface="+mn-cs"/>
+              </a:defRPr>
+            </a:lvl6pPr>
+            <a:lvl7pPr marL="2971800" indent="-228600" algn="l" defTabSz="914400" rtl="0" eaLnBrk="1" latinLnBrk="0" hangingPunct="1">
+              <a:lnSpc>
+                <a:spcPct val="90000"/>
+              </a:lnSpc>
+              <a:spcBef>
+                <a:spcPts val="500"/>
+              </a:spcBef>
+              <a:buFont typeface="Arial" panose="020B0604020202020204" pitchFamily="34" charset="0"/>
+              <a:buChar char="•"/>
+              <a:defRPr sz="1800" kern="1200">
+                <a:solidFill>
+                  <a:schemeClr val="tx1"/>
+                </a:solidFill>
+                <a:latin typeface="+mn-lt"/>
+                <a:ea typeface="+mn-ea"/>
+                <a:cs typeface="+mn-cs"/>
+              </a:defRPr>
+            </a:lvl7pPr>
+            <a:lvl8pPr marL="3429000" indent="-228600" algn="l" defTabSz="914400" rtl="0" eaLnBrk="1" latinLnBrk="0" hangingPunct="1">
+              <a:lnSpc>
+                <a:spcPct val="90000"/>
+              </a:lnSpc>
+              <a:spcBef>
+                <a:spcPts val="500"/>
+              </a:spcBef>
+              <a:buFont typeface="Arial" panose="020B0604020202020204" pitchFamily="34" charset="0"/>
+              <a:buChar char="•"/>
+              <a:defRPr sz="1800" kern="1200">
+                <a:solidFill>
+                  <a:schemeClr val="tx1"/>
+                </a:solidFill>
+                <a:latin typeface="+mn-lt"/>
+                <a:ea typeface="+mn-ea"/>
+                <a:cs typeface="+mn-cs"/>
+              </a:defRPr>
+            </a:lvl8pPr>
+            <a:lvl9pPr marL="3886200" indent="-228600" algn="l" defTabSz="914400" rtl="0" eaLnBrk="1" latinLnBrk="0" hangingPunct="1">
+              <a:lnSpc>
+                <a:spcPct val="90000"/>
+              </a:lnSpc>
+              <a:spcBef>
+                <a:spcPts val="500"/>
+              </a:spcBef>
+              <a:buFont typeface="Arial" panose="020B0604020202020204" pitchFamily="34" charset="0"/>
+              <a:buChar char="•"/>
+              <a:defRPr sz="1800" kern="1200">
+                <a:solidFill>
+                  <a:schemeClr val="tx1"/>
+                </a:solidFill>
+                <a:latin typeface="+mn-lt"/>
+                <a:ea typeface="+mn-ea"/>
+                <a:cs typeface="+mn-cs"/>
+              </a:defRPr>
+            </a:lvl9pPr>
+          </a:lstStyle>
+          <a:p>
+            <a:pPr marL="0" indent="0">
+              <a:buFont typeface="Arial" panose="020B0604020202020204" pitchFamily="34" charset="0"/>
+              <a:buNone/>
+            </a:pPr>
+            <a:endParaRPr lang="zh-CN" altLang="en-US" sz="3200" dirty="0"/>
+          </a:p>
+        </p:txBody>
+      </p:sp>
+      <p:sp>
+        <p:nvSpPr>
+          <p:cNvPr id="15" name="内容占位符 2">
+            <a:extLst>
+              <a:ext uri="{FF2B5EF4-FFF2-40B4-BE49-F238E27FC236}">
+                <a16:creationId xmlns:a16="http://schemas.microsoft.com/office/drawing/2014/main" id="{9B6CDA02-8D91-FCD6-9569-56F76ACCC84D}"/>
+              </a:ext>
+            </a:extLst>
+          </p:cNvPr>
+          <p:cNvSpPr>
+            <a:spLocks noGrp="1"/>
+          </p:cNvSpPr>
+          <p:nvPr>
+            <p:ph idx="1"/>
+          </p:nvPr>
+        </p:nvSpPr>
+        <p:spPr>
+          <a:xfrm>
+            <a:off x="838200" y="1825625"/>
+            <a:ext cx="10515600" cy="4351338"/>
+          </a:xfrm>
+        </p:spPr>
+        <p:txBody>
+          <a:bodyPr/>
+          <a:lstStyle/>
+          <a:p>
+            <a:pPr marL="0" indent="0">
+              <a:buNone/>
+            </a:pPr>
+            <a:r>
+              <a:rPr lang="zh-CN" altLang="en-US" dirty="0"/>
+              <a:t>局部变量由于它的作用域的原因，如果使用哈希表存储，需要频繁的插入和删除，这会导致效率的降低。</a:t>
+            </a:r>
+            <a:endParaRPr lang="en-US" altLang="zh-CN" dirty="0"/>
+          </a:p>
+          <a:p>
+            <a:pPr marL="0" indent="0">
+              <a:buNone/>
+            </a:pPr>
+            <a:r>
+              <a:rPr lang="zh-CN" altLang="en-US" dirty="0"/>
+              <a:t>而由于局部变量声明也具有栈的语义，表达式求值也是用的栈，二者的索引是能够对的上的（如果表达式求完值不</a:t>
+            </a:r>
+            <a:r>
+              <a:rPr lang="en-US" altLang="zh-CN" dirty="0"/>
+              <a:t>pop</a:t>
+            </a:r>
+            <a:r>
+              <a:rPr lang="zh-CN" altLang="en-US" dirty="0"/>
+              <a:t>掉的话）。</a:t>
+            </a:r>
+            <a:endParaRPr lang="en-US" altLang="zh-CN" dirty="0"/>
+          </a:p>
+          <a:p>
+            <a:pPr marL="0" indent="0">
+              <a:buNone/>
+            </a:pPr>
+            <a:r>
+              <a:rPr lang="zh-CN" altLang="en-US" dirty="0"/>
+              <a:t>因此，局部变量就不用哈希表存储了，直接使用栈的索引取值。</a:t>
+            </a:r>
+            <a:endParaRPr lang="en-US" altLang="zh-CN" dirty="0"/>
+          </a:p>
+          <a:p>
+            <a:pPr marL="0" indent="0">
+              <a:buNone/>
+            </a:pPr>
+            <a:r>
+              <a:rPr lang="zh-CN" altLang="en-US" dirty="0"/>
+              <a:t>调用与全局变量类似。</a:t>
+            </a:r>
+          </a:p>
+        </p:txBody>
+      </p:sp>
+      <p:pic>
+        <p:nvPicPr>
+          <p:cNvPr id="5" name="图片 4">
+            <a:extLst>
+              <a:ext uri="{FF2B5EF4-FFF2-40B4-BE49-F238E27FC236}">
+                <a16:creationId xmlns:a16="http://schemas.microsoft.com/office/drawing/2014/main" id="{9002783D-CE2F-8DB6-AECE-53A77899D2F0}"/>
+              </a:ext>
+            </a:extLst>
+          </p:cNvPr>
+          <p:cNvPicPr>
+            <a:picLocks noChangeAspect="1"/>
+          </p:cNvPicPr>
+          <p:nvPr/>
+        </p:nvPicPr>
+        <p:blipFill>
+          <a:blip r:embed="rId3"/>
+          <a:stretch>
+            <a:fillRect/>
+          </a:stretch>
+        </p:blipFill>
+        <p:spPr>
+          <a:xfrm>
+            <a:off x="868680" y="4575730"/>
+            <a:ext cx="2476715" cy="1851820"/>
+          </a:xfrm>
+          <a:prstGeom prst="rect">
+            <a:avLst/>
+          </a:prstGeom>
+        </p:spPr>
+      </p:pic>
+      <p:pic>
+        <p:nvPicPr>
+          <p:cNvPr id="16" name="图片 15">
+            <a:extLst>
+              <a:ext uri="{FF2B5EF4-FFF2-40B4-BE49-F238E27FC236}">
+                <a16:creationId xmlns:a16="http://schemas.microsoft.com/office/drawing/2014/main" id="{E6408DF7-D30A-9E20-3331-D6EA30A82A93}"/>
+              </a:ext>
+            </a:extLst>
+          </p:cNvPr>
+          <p:cNvPicPr>
+            <a:picLocks noChangeAspect="1"/>
+          </p:cNvPicPr>
+          <p:nvPr/>
+        </p:nvPicPr>
+        <p:blipFill>
+          <a:blip r:embed="rId4"/>
+          <a:stretch>
+            <a:fillRect/>
+          </a:stretch>
+        </p:blipFill>
+        <p:spPr>
+          <a:xfrm>
+            <a:off x="4359532" y="4100658"/>
+            <a:ext cx="4626988" cy="2684323"/>
           </a:xfrm>
           <a:prstGeom prst="rect">
             <a:avLst/>
@@ -25087,7 +26116,7 @@
 </p:sld>
 </file>
 
-<file path=ppt/slides/slide36.xml><?xml version="1.0" encoding="utf-8"?>
+<file path=ppt/slides/slide35.xml><?xml version="1.0" encoding="utf-8"?>
 <p:sld xmlns:a="http://schemas.openxmlformats.org/drawingml/2006/main" xmlns:r="http://schemas.openxmlformats.org/officeDocument/2006/relationships" xmlns:p="http://schemas.openxmlformats.org/presentationml/2006/main">
   <p:cSld>
     <p:spTree>
@@ -25499,7 +26528,7 @@
 </p:sld>
 </file>
 
-<file path=ppt/slides/slide37.xml><?xml version="1.0" encoding="utf-8"?>
+<file path=ppt/slides/slide36.xml><?xml version="1.0" encoding="utf-8"?>
 <p:sld xmlns:a="http://schemas.openxmlformats.org/drawingml/2006/main" xmlns:r="http://schemas.openxmlformats.org/officeDocument/2006/relationships" xmlns:p="http://schemas.openxmlformats.org/presentationml/2006/main">
   <p:cSld>
     <p:spTree>
@@ -25714,6 +26743,139 @@
 </p:sld>
 </file>
 
+<file path=ppt/slides/slide37.xml><?xml version="1.0" encoding="utf-8"?>
+<p:sld xmlns:a="http://schemas.openxmlformats.org/drawingml/2006/main" xmlns:r="http://schemas.openxmlformats.org/officeDocument/2006/relationships" xmlns:p="http://schemas.openxmlformats.org/presentationml/2006/main">
+  <p:cSld>
+    <p:spTree>
+      <p:nvGrpSpPr>
+        <p:cNvPr id="1" name=""/>
+        <p:cNvGrpSpPr/>
+        <p:nvPr/>
+      </p:nvGrpSpPr>
+      <p:grpSpPr>
+        <a:xfrm>
+          <a:off x="0" y="0"/>
+          <a:ext cx="0" cy="0"/>
+          <a:chOff x="0" y="0"/>
+          <a:chExt cx="0" cy="0"/>
+        </a:xfrm>
+      </p:grpSpPr>
+      <p:sp>
+        <p:nvSpPr>
+          <p:cNvPr id="2" name="标题 1">
+            <a:extLst>
+              <a:ext uri="{FF2B5EF4-FFF2-40B4-BE49-F238E27FC236}">
+                <a16:creationId xmlns:a16="http://schemas.microsoft.com/office/drawing/2014/main" id="{F863076F-11CB-0A29-220E-D937DB7FC9F1}"/>
+              </a:ext>
+            </a:extLst>
+          </p:cNvPr>
+          <p:cNvSpPr>
+            <a:spLocks noGrp="1"/>
+          </p:cNvSpPr>
+          <p:nvPr>
+            <p:ph type="title"/>
+          </p:nvPr>
+        </p:nvSpPr>
+        <p:spPr/>
+        <p:txBody>
+          <a:bodyPr/>
+          <a:lstStyle/>
+          <a:p>
+            <a:r>
+              <a:rPr lang="en-US" altLang="zh-CN" dirty="0"/>
+              <a:t>5. </a:t>
+            </a:r>
+            <a:r>
+              <a:rPr lang="zh-CN" altLang="en-US" dirty="0"/>
+              <a:t>总结</a:t>
+            </a:r>
+          </a:p>
+        </p:txBody>
+      </p:sp>
+      <p:sp>
+        <p:nvSpPr>
+          <p:cNvPr id="3" name="内容占位符 2">
+            <a:extLst>
+              <a:ext uri="{FF2B5EF4-FFF2-40B4-BE49-F238E27FC236}">
+                <a16:creationId xmlns:a16="http://schemas.microsoft.com/office/drawing/2014/main" id="{0534D679-15AB-AF1B-0EE5-CA2B6B0CCF49}"/>
+              </a:ext>
+            </a:extLst>
+          </p:cNvPr>
+          <p:cNvSpPr>
+            <a:spLocks noGrp="1"/>
+          </p:cNvSpPr>
+          <p:nvPr>
+            <p:ph idx="1"/>
+          </p:nvPr>
+        </p:nvSpPr>
+        <p:spPr/>
+        <p:txBody>
+          <a:bodyPr/>
+          <a:lstStyle/>
+          <a:p>
+            <a:pPr marL="0" indent="0">
+              <a:buNone/>
+            </a:pPr>
+            <a:r>
+              <a:rPr lang="zh-CN" altLang="en-US" dirty="0"/>
+              <a:t>谢谢大家的聆听，时间有限，我只能讲述与课程有关的主要数据结构，以及比较神奇的</a:t>
+            </a:r>
+            <a:r>
+              <a:rPr lang="en-US" altLang="zh-CN" dirty="0"/>
+              <a:t>Pratt</a:t>
+            </a:r>
+            <a:r>
+              <a:rPr lang="zh-CN" altLang="en-US" dirty="0"/>
+              <a:t>解析方法。</a:t>
+            </a:r>
+            <a:endParaRPr lang="en-US" altLang="zh-CN" dirty="0"/>
+          </a:p>
+          <a:p>
+            <a:pPr marL="0" indent="0">
+              <a:buNone/>
+            </a:pPr>
+            <a:endParaRPr lang="en-US" altLang="zh-CN" dirty="0"/>
+          </a:p>
+          <a:p>
+            <a:pPr marL="0" indent="0">
+              <a:buNone/>
+            </a:pPr>
+            <a:r>
+              <a:rPr lang="zh-CN" altLang="en-US" dirty="0"/>
+              <a:t>实际上实现过程要比顶层的思路困难很多。</a:t>
+            </a:r>
+            <a:endParaRPr lang="en-US" altLang="zh-CN" dirty="0"/>
+          </a:p>
+          <a:p>
+            <a:pPr marL="0" indent="0">
+              <a:buNone/>
+            </a:pPr>
+            <a:endParaRPr lang="en-US" altLang="zh-CN" dirty="0"/>
+          </a:p>
+          <a:p>
+            <a:pPr marL="0" indent="0">
+              <a:buNone/>
+            </a:pPr>
+            <a:r>
+              <a:rPr lang="zh-CN" altLang="en-US" dirty="0"/>
+              <a:t>不过，有些看起来困难的事情，实际上只需要简单的想法、合适的数据结构和耐心的实现即可完成。</a:t>
+            </a:r>
+          </a:p>
+        </p:txBody>
+      </p:sp>
+    </p:spTree>
+    <p:extLst>
+      <p:ext uri="{BB962C8B-B14F-4D97-AF65-F5344CB8AC3E}">
+        <p14:creationId xmlns:p14="http://schemas.microsoft.com/office/powerpoint/2010/main" val="3916070145"/>
+      </p:ext>
+    </p:extLst>
+  </p:cSld>
+  <p:clrMapOvr>
+    <a:masterClrMapping/>
+  </p:clrMapOvr>
+</p:sld>
+</file>
+
 <file path=ppt/slides/slide38.xml><?xml version="1.0" encoding="utf-8"?>
 <p:sld xmlns:a="http://schemas.openxmlformats.org/drawingml/2006/main" xmlns:r="http://schemas.openxmlformats.org/officeDocument/2006/relationships" xmlns:p="http://schemas.openxmlformats.org/presentationml/2006/main">
   <p:cSld>
@@ -25736,7 +26898,7 @@
           <p:cNvPr id="2" name="标题 1">
             <a:extLst>
               <a:ext uri="{FF2B5EF4-FFF2-40B4-BE49-F238E27FC236}">
-                <a16:creationId xmlns:a16="http://schemas.microsoft.com/office/drawing/2014/main" id="{F863076F-11CB-0A29-220E-D937DB7FC9F1}"/>
+                <a16:creationId xmlns:a16="http://schemas.microsoft.com/office/drawing/2014/main" id="{B348FDF0-BA31-2024-48C3-399F587DBFB2}"/>
               </a:ext>
             </a:extLst>
           </p:cNvPr>
@@ -25747,97 +26909,29 @@
             <p:ph type="title"/>
           </p:nvPr>
         </p:nvSpPr>
-        <p:spPr/>
+        <p:spPr>
+          <a:xfrm>
+            <a:off x="838200" y="2766218"/>
+            <a:ext cx="10515600" cy="1325563"/>
+          </a:xfrm>
+        </p:spPr>
         <p:txBody>
           <a:bodyPr/>
           <a:lstStyle/>
           <a:p>
+            <a:pPr algn="ctr"/>
             <a:r>
               <a:rPr lang="en-US" altLang="zh-CN" dirty="0"/>
-              <a:t>5. </a:t>
-            </a:r>
-            <a:r>
-              <a:rPr lang="zh-CN" altLang="en-US" dirty="0"/>
-              <a:t>总结</a:t>
-            </a:r>
-          </a:p>
-        </p:txBody>
-      </p:sp>
-      <p:sp>
-        <p:nvSpPr>
-          <p:cNvPr id="3" name="内容占位符 2">
-            <a:extLst>
-              <a:ext uri="{FF2B5EF4-FFF2-40B4-BE49-F238E27FC236}">
-                <a16:creationId xmlns:a16="http://schemas.microsoft.com/office/drawing/2014/main" id="{0534D679-15AB-AF1B-0EE5-CA2B6B0CCF49}"/>
-              </a:ext>
-            </a:extLst>
-          </p:cNvPr>
-          <p:cNvSpPr>
-            <a:spLocks noGrp="1"/>
-          </p:cNvSpPr>
-          <p:nvPr>
-            <p:ph idx="1"/>
-          </p:nvPr>
-        </p:nvSpPr>
-        <p:spPr/>
-        <p:txBody>
-          <a:bodyPr/>
-          <a:lstStyle/>
-          <a:p>
-            <a:pPr marL="0" indent="0">
-              <a:buNone/>
-            </a:pPr>
-            <a:r>
-              <a:rPr lang="zh-CN" altLang="en-US" dirty="0"/>
-              <a:t>谢谢大家的聆听，时间有限，我只能讲述与课程有关的主要数据结构，以及比较新颖的</a:t>
-            </a:r>
-            <a:r>
-              <a:rPr lang="en-US" altLang="zh-CN" dirty="0"/>
-              <a:t>Pratt</a:t>
-            </a:r>
-            <a:r>
-              <a:rPr lang="zh-CN" altLang="en-US" dirty="0"/>
-              <a:t>解析方法。</a:t>
-            </a:r>
-            <a:endParaRPr lang="en-US" altLang="zh-CN" dirty="0"/>
-          </a:p>
-          <a:p>
-            <a:pPr marL="0" indent="0">
-              <a:buNone/>
-            </a:pPr>
-            <a:endParaRPr lang="en-US" altLang="zh-CN" dirty="0"/>
-          </a:p>
-          <a:p>
-            <a:pPr marL="0" indent="0">
-              <a:buNone/>
-            </a:pPr>
-            <a:r>
-              <a:rPr lang="zh-CN" altLang="en-US" dirty="0"/>
-              <a:t>实际上实现过程要比顶层的思路困难很多。</a:t>
-            </a:r>
-            <a:endParaRPr lang="en-US" altLang="zh-CN" dirty="0"/>
-          </a:p>
-          <a:p>
-            <a:pPr marL="0" indent="0">
-              <a:buNone/>
-            </a:pPr>
-            <a:endParaRPr lang="en-US" altLang="zh-CN" dirty="0"/>
-          </a:p>
-          <a:p>
-            <a:pPr marL="0" indent="0">
-              <a:buNone/>
-            </a:pPr>
-            <a:r>
-              <a:rPr lang="zh-CN" altLang="en-US" dirty="0"/>
-              <a:t>不过，有些看起来困难的事情，实际上只需要简单的想法、合适的数据结构和耐心的实现即可完成。</a:t>
-            </a:r>
+              <a:t>Q&amp;A</a:t>
+            </a:r>
+            <a:endParaRPr lang="zh-CN" altLang="en-US" dirty="0"/>
           </a:p>
         </p:txBody>
       </p:sp>
     </p:spTree>
     <p:extLst>
       <p:ext uri="{BB962C8B-B14F-4D97-AF65-F5344CB8AC3E}">
-        <p14:creationId xmlns:p14="http://schemas.microsoft.com/office/powerpoint/2010/main" val="3916070145"/>
+        <p14:creationId xmlns:p14="http://schemas.microsoft.com/office/powerpoint/2010/main" val="3272703238"/>
       </p:ext>
     </p:extLst>
   </p:cSld>
@@ -26004,7 +27098,7 @@
           <p:nvPr/>
         </p:nvPicPr>
         <p:blipFill>
-          <a:blip r:embed="rId2"/>
+          <a:blip r:embed="rId3"/>
           <a:stretch>
             <a:fillRect/>
           </a:stretch>
@@ -26107,7 +27201,7 @@
             </a:pPr>
             <a:r>
               <a:rPr lang="zh-CN" altLang="en-US" dirty="0"/>
-              <a:t>需要数据结构其实不是很多，最主要的只有栈、哈希表、以及动态数组（如果调库也能算使用的话）。</a:t>
+              <a:t>需要数据结构不是很多，最主要的只有栈、哈希表、以及动态数组（如果调库也能算使用的话）。</a:t>
             </a:r>
             <a:endParaRPr lang="en-US" altLang="zh-CN" dirty="0"/>
           </a:p>
@@ -26252,7 +27346,7 @@
             </a:r>
             <a:r>
               <a:rPr lang="zh-CN" altLang="en-US" dirty="0"/>
-              <a:t>来动态增长数组，没什么技术含量。</a:t>
+              <a:t>来动态增长数组，没什么新的东西。</a:t>
             </a:r>
             <a:endParaRPr lang="en-US" altLang="zh-CN" dirty="0"/>
           </a:p>
@@ -26321,7 +27415,7 @@
           <p:nvPr/>
         </p:nvPicPr>
         <p:blipFill>
-          <a:blip r:embed="rId2"/>
+          <a:blip r:embed="rId3"/>
           <a:stretch>
             <a:fillRect/>
           </a:stretch>
@@ -26450,7 +27544,15 @@
             </a:pPr>
             <a:r>
               <a:rPr lang="zh-CN" altLang="en-US" dirty="0"/>
-              <a:t>根据标识符作为键来查找，所以要对字符串哈希。</a:t>
+              <a:t>根据标识符作为键来查找，所以要对字符串哈希（</a:t>
+            </a:r>
+            <a:r>
+              <a:rPr lang="en-US" altLang="zh-CN" dirty="0"/>
+              <a:t>FNV-1a</a:t>
+            </a:r>
+            <a:r>
+              <a:rPr lang="zh-CN" altLang="en-US" dirty="0"/>
+              <a:t>）。</a:t>
             </a:r>
             <a:endParaRPr lang="en-US" altLang="zh-CN" dirty="0"/>
           </a:p>
@@ -26459,23 +27561,6 @@
               <a:buNone/>
             </a:pPr>
             <a:endParaRPr lang="en-US" altLang="zh-CN" dirty="0"/>
-          </a:p>
-          <a:p>
-            <a:pPr marL="0" indent="0">
-              <a:buNone/>
-            </a:pPr>
-            <a:r>
-              <a:rPr lang="zh-CN" altLang="en-US" dirty="0"/>
-              <a:t>实际上需要考虑到的一些问题都在课上讲哈希表的那几张</a:t>
-            </a:r>
-            <a:r>
-              <a:rPr lang="en-US" altLang="zh-CN" dirty="0"/>
-              <a:t>ppt</a:t>
-            </a:r>
-            <a:r>
-              <a:rPr lang="zh-CN" altLang="en-US" dirty="0"/>
-              <a:t>讲过。</a:t>
-            </a:r>
           </a:p>
         </p:txBody>
       </p:sp>
@@ -26494,7 +27579,7 @@
           <p:nvPr/>
         </p:nvPicPr>
         <p:blipFill>
-          <a:blip r:embed="rId2">
+          <a:blip r:embed="rId3">
             <a:extLst>
               <a:ext uri="{28A0092B-C50C-407E-A947-70E740481C1C}">
                 <a14:useLocalDpi xmlns:a14="http://schemas.microsoft.com/office/drawing/2010/main" val="0"/>
@@ -26508,7 +27593,7 @@
         </p:blipFill>
         <p:spPr bwMode="auto">
           <a:xfrm>
-            <a:off x="838200" y="4608622"/>
+            <a:off x="2263419" y="4001294"/>
             <a:ext cx="7665161" cy="1210989"/>
           </a:xfrm>
           <a:prstGeom prst="rect">
@@ -26524,6 +27609,36 @@
               </a14:hiddenFill>
             </a:ext>
           </a:extLst>
+        </p:spPr>
+      </p:pic>
+      <p:pic>
+        <p:nvPicPr>
+          <p:cNvPr id="5" name="图片 4">
+            <a:extLst>
+              <a:ext uri="{FF2B5EF4-FFF2-40B4-BE49-F238E27FC236}">
+                <a16:creationId xmlns:a16="http://schemas.microsoft.com/office/drawing/2014/main" id="{259DEB29-A5AB-58BF-D70D-EA85F159EF87}"/>
+              </a:ext>
+            </a:extLst>
+          </p:cNvPr>
+          <p:cNvPicPr>
+            <a:picLocks noChangeAspect="1"/>
+          </p:cNvPicPr>
+          <p:nvPr/>
+        </p:nvPicPr>
+        <p:blipFill>
+          <a:blip r:embed="rId4"/>
+          <a:stretch>
+            <a:fillRect/>
+          </a:stretch>
+        </p:blipFill>
+        <p:spPr>
+          <a:xfrm>
+            <a:off x="12779019" y="2000176"/>
+            <a:ext cx="6642441" cy="2857647"/>
+          </a:xfrm>
+          <a:prstGeom prst="rect">
+            <a:avLst/>
+          </a:prstGeom>
         </p:spPr>
       </p:pic>
     </p:spTree>
@@ -26561,6 +27676,229 @@
           <p:cNvPr id="2" name="标题 1">
             <a:extLst>
               <a:ext uri="{FF2B5EF4-FFF2-40B4-BE49-F238E27FC236}">
+                <a16:creationId xmlns:a16="http://schemas.microsoft.com/office/drawing/2014/main" id="{9C8E3F33-C5AE-81D4-ABA9-E492592176BE}"/>
+              </a:ext>
+            </a:extLst>
+          </p:cNvPr>
+          <p:cNvSpPr>
+            <a:spLocks noGrp="1"/>
+          </p:cNvSpPr>
+          <p:nvPr>
+            <p:ph type="title"/>
+          </p:nvPr>
+        </p:nvSpPr>
+        <p:spPr/>
+        <p:txBody>
+          <a:bodyPr/>
+          <a:lstStyle/>
+          <a:p>
+            <a:r>
+              <a:rPr lang="en-US" altLang="zh-CN" dirty="0"/>
+              <a:t>2.</a:t>
+            </a:r>
+            <a:r>
+              <a:rPr lang="zh-CN" altLang="en-US" dirty="0"/>
+              <a:t>数据结构与实现</a:t>
+            </a:r>
+            <a:r>
+              <a:rPr lang="en-US" altLang="zh-CN" dirty="0"/>
+              <a:t>——</a:t>
+            </a:r>
+            <a:r>
+              <a:rPr lang="zh-CN" altLang="en-US" dirty="0"/>
+              <a:t>哈希表</a:t>
+            </a:r>
+          </a:p>
+        </p:txBody>
+      </p:sp>
+      <p:sp>
+        <p:nvSpPr>
+          <p:cNvPr id="3" name="内容占位符 2">
+            <a:extLst>
+              <a:ext uri="{FF2B5EF4-FFF2-40B4-BE49-F238E27FC236}">
+                <a16:creationId xmlns:a16="http://schemas.microsoft.com/office/drawing/2014/main" id="{2FAAC6FF-26C1-EEC3-A897-8BAF9B9FD0AF}"/>
+              </a:ext>
+            </a:extLst>
+          </p:cNvPr>
+          <p:cNvSpPr>
+            <a:spLocks noGrp="1"/>
+          </p:cNvSpPr>
+          <p:nvPr>
+            <p:ph idx="1"/>
+          </p:nvPr>
+        </p:nvSpPr>
+        <p:spPr/>
+        <p:txBody>
+          <a:bodyPr/>
+          <a:lstStyle/>
+          <a:p>
+            <a:pPr marL="0" indent="0">
+              <a:buNone/>
+            </a:pPr>
+            <a:r>
+              <a:rPr lang="zh-CN" altLang="en-US" dirty="0"/>
+              <a:t>采用开放地址法解决冲突；用预定义负载因子（</a:t>
+            </a:r>
+            <a:r>
+              <a:rPr lang="en-US" altLang="zh-CN" dirty="0"/>
+              <a:t>0.75</a:t>
+            </a:r>
+            <a:r>
+              <a:rPr lang="zh-CN" altLang="en-US" dirty="0"/>
+              <a:t>）判断是否已满；使用墓碑来解决删除操作破坏线性查找的缺点。</a:t>
+            </a:r>
+            <a:endParaRPr lang="en-US" altLang="zh-CN" dirty="0"/>
+          </a:p>
+          <a:p>
+            <a:pPr marL="0" indent="0">
+              <a:buNone/>
+            </a:pPr>
+            <a:r>
+              <a:rPr lang="zh-CN" altLang="en-US" dirty="0"/>
+              <a:t>根据标识符作为键来查找，所以要对字符串哈希（</a:t>
+            </a:r>
+            <a:r>
+              <a:rPr lang="en-US" altLang="zh-CN" dirty="0"/>
+              <a:t>FNV-1a</a:t>
+            </a:r>
+            <a:r>
+              <a:rPr lang="zh-CN" altLang="en-US" dirty="0"/>
+              <a:t>）。</a:t>
+            </a:r>
+            <a:endParaRPr lang="en-US" altLang="zh-CN" dirty="0"/>
+          </a:p>
+          <a:p>
+            <a:pPr marL="0" indent="0">
+              <a:buNone/>
+            </a:pPr>
+            <a:endParaRPr lang="en-US" altLang="zh-CN" dirty="0"/>
+          </a:p>
+        </p:txBody>
+      </p:sp>
+      <p:pic>
+        <p:nvPicPr>
+          <p:cNvPr id="2050" name="Picture 2" descr="Instead of deleting 'biscuit', it's replaced with a tombstone.">
+            <a:extLst>
+              <a:ext uri="{FF2B5EF4-FFF2-40B4-BE49-F238E27FC236}">
+                <a16:creationId xmlns:a16="http://schemas.microsoft.com/office/drawing/2014/main" id="{9AE8EBF7-4A66-EBA2-9C84-EC782D418BEC}"/>
+              </a:ext>
+            </a:extLst>
+          </p:cNvPr>
+          <p:cNvPicPr>
+            <a:picLocks noChangeAspect="1" noChangeArrowheads="1"/>
+          </p:cNvPicPr>
+          <p:nvPr/>
+        </p:nvPicPr>
+        <p:blipFill>
+          <a:blip r:embed="rId3">
+            <a:extLst>
+              <a:ext uri="{28A0092B-C50C-407E-A947-70E740481C1C}">
+                <a14:useLocalDpi xmlns:a14="http://schemas.microsoft.com/office/drawing/2010/main" val="0"/>
+              </a:ext>
+            </a:extLst>
+          </a:blip>
+          <a:srcRect/>
+          <a:stretch>
+            <a:fillRect/>
+          </a:stretch>
+        </p:blipFill>
+        <p:spPr bwMode="auto">
+          <a:xfrm>
+            <a:off x="2263419" y="4001294"/>
+            <a:ext cx="7665161" cy="1210989"/>
+          </a:xfrm>
+          <a:prstGeom prst="rect">
+            <a:avLst/>
+          </a:prstGeom>
+          <a:noFill/>
+          <a:extLst>
+            <a:ext uri="{909E8E84-426E-40DD-AFC4-6F175D3DCCD1}">
+              <a14:hiddenFill xmlns:a14="http://schemas.microsoft.com/office/drawing/2010/main">
+                <a:solidFill>
+                  <a:srgbClr val="FFFFFF"/>
+                </a:solidFill>
+              </a14:hiddenFill>
+            </a:ext>
+          </a:extLst>
+        </p:spPr>
+      </p:pic>
+      <p:pic>
+        <p:nvPicPr>
+          <p:cNvPr id="5" name="图片 4">
+            <a:extLst>
+              <a:ext uri="{FF2B5EF4-FFF2-40B4-BE49-F238E27FC236}">
+                <a16:creationId xmlns:a16="http://schemas.microsoft.com/office/drawing/2014/main" id="{259DEB29-A5AB-58BF-D70D-EA85F159EF87}"/>
+              </a:ext>
+            </a:extLst>
+          </p:cNvPr>
+          <p:cNvPicPr>
+            <a:picLocks noChangeAspect="1"/>
+          </p:cNvPicPr>
+          <p:nvPr/>
+        </p:nvPicPr>
+        <p:blipFill>
+          <a:blip r:embed="rId4"/>
+          <a:stretch>
+            <a:fillRect/>
+          </a:stretch>
+        </p:blipFill>
+        <p:spPr>
+          <a:xfrm>
+            <a:off x="5423969" y="2000176"/>
+            <a:ext cx="6642441" cy="2857647"/>
+          </a:xfrm>
+          <a:prstGeom prst="rect">
+            <a:avLst/>
+          </a:prstGeom>
+        </p:spPr>
+      </p:pic>
+    </p:spTree>
+    <p:extLst>
+      <p:ext uri="{BB962C8B-B14F-4D97-AF65-F5344CB8AC3E}">
+        <p14:creationId xmlns:p14="http://schemas.microsoft.com/office/powerpoint/2010/main" val="1453832463"/>
+      </p:ext>
+    </p:extLst>
+  </p:cSld>
+  <p:clrMapOvr>
+    <a:masterClrMapping/>
+  </p:clrMapOvr>
+  <mc:AlternateContent xmlns:mc="http://schemas.openxmlformats.org/markup-compatibility/2006" xmlns:p159="http://schemas.microsoft.com/office/powerpoint/2015/09/main">
+    <mc:Choice Requires="p159">
+      <p:transition xmlns:p14="http://schemas.microsoft.com/office/powerpoint/2010/main" spd="slow" p14:dur="2000">
+        <p159:morph option="byObject"/>
+      </p:transition>
+    </mc:Choice>
+    <mc:Fallback xmlns="">
+      <p:transition spd="slow">
+        <p:fade/>
+      </p:transition>
+    </mc:Fallback>
+  </mc:AlternateContent>
+</p:sld>
+</file>
+
+<file path=ppt/slides/slide9.xml><?xml version="1.0" encoding="utf-8"?>
+<p:sld xmlns:a="http://schemas.openxmlformats.org/drawingml/2006/main" xmlns:r="http://schemas.openxmlformats.org/officeDocument/2006/relationships" xmlns:p="http://schemas.openxmlformats.org/presentationml/2006/main">
+  <p:cSld>
+    <p:spTree>
+      <p:nvGrpSpPr>
+        <p:cNvPr id="1" name=""/>
+        <p:cNvGrpSpPr/>
+        <p:nvPr/>
+      </p:nvGrpSpPr>
+      <p:grpSpPr>
+        <a:xfrm>
+          <a:off x="0" y="0"/>
+          <a:ext cx="0" cy="0"/>
+          <a:chOff x="0" y="0"/>
+          <a:chExt cx="0" cy="0"/>
+        </a:xfrm>
+      </p:grpSpPr>
+      <p:sp>
+        <p:nvSpPr>
+          <p:cNvPr id="2" name="标题 1">
+            <a:extLst>
+              <a:ext uri="{FF2B5EF4-FFF2-40B4-BE49-F238E27FC236}">
                 <a16:creationId xmlns:a16="http://schemas.microsoft.com/office/drawing/2014/main" id="{37F36B63-55C1-D282-A042-0EEA4BB90789}"/>
               </a:ext>
             </a:extLst>
@@ -26686,7 +28024,7 @@
             </a:pPr>
             <a:r>
               <a:rPr lang="zh-CN" altLang="en-US" b="1" dirty="0"/>
-              <a:t>开销转移</a:t>
+              <a:t>操作转移</a:t>
             </a:r>
             <a:r>
               <a:rPr lang="zh-CN" altLang="en-US" dirty="0"/>
@@ -26740,164 +28078,6 @@
     <p:extLst>
       <p:ext uri="{BB962C8B-B14F-4D97-AF65-F5344CB8AC3E}">
         <p14:creationId xmlns:p14="http://schemas.microsoft.com/office/powerpoint/2010/main" val="239811796"/>
-      </p:ext>
-    </p:extLst>
-  </p:cSld>
-  <p:clrMapOvr>
-    <a:masterClrMapping/>
-  </p:clrMapOvr>
-</p:sld>
-</file>
-
-<file path=ppt/slides/slide9.xml><?xml version="1.0" encoding="utf-8"?>
-<p:sld xmlns:a="http://schemas.openxmlformats.org/drawingml/2006/main" xmlns:r="http://schemas.openxmlformats.org/officeDocument/2006/relationships" xmlns:p="http://schemas.openxmlformats.org/presentationml/2006/main">
-  <p:cSld>
-    <p:spTree>
-      <p:nvGrpSpPr>
-        <p:cNvPr id="1" name=""/>
-        <p:cNvGrpSpPr/>
-        <p:nvPr/>
-      </p:nvGrpSpPr>
-      <p:grpSpPr>
-        <a:xfrm>
-          <a:off x="0" y="0"/>
-          <a:ext cx="0" cy="0"/>
-          <a:chOff x="0" y="0"/>
-          <a:chExt cx="0" cy="0"/>
-        </a:xfrm>
-      </p:grpSpPr>
-      <p:sp>
-        <p:nvSpPr>
-          <p:cNvPr id="2" name="标题 1">
-            <a:extLst>
-              <a:ext uri="{FF2B5EF4-FFF2-40B4-BE49-F238E27FC236}">
-                <a16:creationId xmlns:a16="http://schemas.microsoft.com/office/drawing/2014/main" id="{7ED4DC22-8D5F-3441-7DDD-571FD1FFFC20}"/>
-              </a:ext>
-            </a:extLst>
-          </p:cNvPr>
-          <p:cNvSpPr>
-            <a:spLocks noGrp="1"/>
-          </p:cNvSpPr>
-          <p:nvPr>
-            <p:ph type="title"/>
-          </p:nvPr>
-        </p:nvSpPr>
-        <p:spPr/>
-        <p:txBody>
-          <a:bodyPr/>
-          <a:lstStyle/>
-          <a:p>
-            <a:r>
-              <a:rPr lang="en-US" altLang="zh-CN" dirty="0"/>
-              <a:t>2. </a:t>
-            </a:r>
-            <a:r>
-              <a:rPr lang="zh-CN" altLang="en-US" dirty="0"/>
-              <a:t>有意思的实现</a:t>
-            </a:r>
-            <a:r>
-              <a:rPr lang="en-US" altLang="zh-CN" dirty="0"/>
-              <a:t>1——</a:t>
-            </a:r>
-            <a:r>
-              <a:rPr lang="zh-CN" altLang="en-US" dirty="0"/>
-              <a:t>字符串驻留</a:t>
-            </a:r>
-          </a:p>
-        </p:txBody>
-      </p:sp>
-      <p:sp>
-        <p:nvSpPr>
-          <p:cNvPr id="3" name="内容占位符 2">
-            <a:extLst>
-              <a:ext uri="{FF2B5EF4-FFF2-40B4-BE49-F238E27FC236}">
-                <a16:creationId xmlns:a16="http://schemas.microsoft.com/office/drawing/2014/main" id="{EE8291FE-E8FE-A3AF-DA66-3A231BB5B0CD}"/>
-              </a:ext>
-            </a:extLst>
-          </p:cNvPr>
-          <p:cNvSpPr>
-            <a:spLocks noGrp="1"/>
-          </p:cNvSpPr>
-          <p:nvPr>
-            <p:ph idx="1"/>
-          </p:nvPr>
-        </p:nvSpPr>
-        <p:spPr/>
-        <p:txBody>
-          <a:bodyPr/>
-          <a:lstStyle/>
-          <a:p>
-            <a:pPr marL="0" indent="0">
-              <a:buNone/>
-            </a:pPr>
-            <a:r>
-              <a:rPr lang="zh-CN" altLang="en-US" dirty="0"/>
-              <a:t>在哈希表的开放地址查找中，会存在有很多字符串值是相同的，但是又是不同的对象，浪费了内存。</a:t>
-            </a:r>
-            <a:endParaRPr lang="en-US" altLang="zh-CN" dirty="0"/>
-          </a:p>
-          <a:p>
-            <a:pPr marL="0" indent="0">
-              <a:buNone/>
-            </a:pPr>
-            <a:r>
-              <a:rPr lang="zh-CN" altLang="en-US" dirty="0"/>
-              <a:t>查找这是一个高频的操作，两个字符串的比较又是一个耗时的操作。</a:t>
-            </a:r>
-            <a:endParaRPr lang="en-US" altLang="zh-CN" dirty="0"/>
-          </a:p>
-          <a:p>
-            <a:pPr marL="0" indent="0">
-              <a:buNone/>
-            </a:pPr>
-            <a:r>
-              <a:rPr lang="zh-CN" altLang="en-US" dirty="0"/>
-              <a:t>最快的方法就是比较哈希值</a:t>
-            </a:r>
-            <a:r>
-              <a:rPr lang="en-US" altLang="zh-CN" dirty="0"/>
-              <a:t>+</a:t>
-            </a:r>
-            <a:r>
-              <a:rPr lang="zh-CN" altLang="en-US" dirty="0"/>
-              <a:t>比较长度</a:t>
-            </a:r>
-            <a:r>
-              <a:rPr lang="en-US" altLang="zh-CN" dirty="0"/>
-              <a:t>+</a:t>
-            </a:r>
-            <a:r>
-              <a:rPr lang="en-US" altLang="zh-CN" dirty="0" err="1"/>
-              <a:t>memcmp</a:t>
-            </a:r>
-            <a:r>
-              <a:rPr lang="zh-CN" altLang="en-US" dirty="0"/>
-              <a:t>。</a:t>
-            </a:r>
-            <a:endParaRPr lang="en-US" altLang="zh-CN" dirty="0"/>
-          </a:p>
-          <a:p>
-            <a:pPr marL="0" indent="0">
-              <a:buNone/>
-            </a:pPr>
-            <a:endParaRPr lang="en-US" altLang="zh-CN" dirty="0"/>
-          </a:p>
-          <a:p>
-            <a:pPr marL="0" indent="0">
-              <a:buNone/>
-            </a:pPr>
-            <a:r>
-              <a:rPr lang="zh-CN" altLang="en-US" dirty="0"/>
-              <a:t>有没有方法既能节省内存，又能降低一点这个查找的开销？</a:t>
-            </a:r>
-            <a:endParaRPr lang="en-US" altLang="zh-CN" dirty="0"/>
-          </a:p>
-        </p:txBody>
-      </p:sp>
-    </p:spTree>
-    <p:extLst>
-      <p:ext uri="{BB962C8B-B14F-4D97-AF65-F5344CB8AC3E}">
-        <p14:creationId xmlns:p14="http://schemas.microsoft.com/office/powerpoint/2010/main" val="2485718289"/>
       </p:ext>
     </p:extLst>
   </p:cSld>
